--- a/FAIR Open Course - Module 01a - Quantitative RM.pptx
+++ b/FAIR Open Course - Module 01a - Quantitative RM.pptx
@@ -190,7 +190,7 @@
 <file path=ppt/revisionInfo.xml><?xml version="1.0" encoding="utf-8"?>
 <p1510:revInfo xmlns:a="http://schemas.openxmlformats.org/drawingml/2006/main" xmlns:r="http://schemas.openxmlformats.org/officeDocument/2006/relationships" xmlns:p1510="http://schemas.microsoft.com/office/powerpoint/2015/10/main">
   <p1510:revLst>
-    <p1510:client id="{1D7A581C-8F30-FB46-9987-FCB015D7AD58}" v="86" dt="2019-09-14T11:24:40.332"/>
+    <p1510:client id="{EEA01876-F700-F844-A55A-3BBE63F7C04D}" v="4" dt="2019-09-21T10:23:51.048"/>
   </p1510:revLst>
 </p1510:revInfo>
 </file>
@@ -198,1643 +198,54 @@
 <file path=ppt/changesInfos/changesInfo1.xml><?xml version="1.0" encoding="utf-8"?>
 <pc:chgInfo xmlns:a="http://schemas.openxmlformats.org/drawingml/2006/main" xmlns:r="http://schemas.openxmlformats.org/officeDocument/2006/relationships" xmlns:ac="http://schemas.microsoft.com/office/drawing/2013/main/command" xmlns:pc="http://schemas.microsoft.com/office/powerpoint/2013/main/command">
   <pc:docChgLst>
-    <pc:chgData name="Osama Salah" userId="59b259a29da0d6d3" providerId="LiveId" clId="{1D7A581C-8F30-FB46-9987-FCB015D7AD58}"/>
-    <pc:docChg chg="undo custSel addSld delSld modSld sldOrd">
-      <pc:chgData name="Osama Salah" userId="59b259a29da0d6d3" providerId="LiveId" clId="{1D7A581C-8F30-FB46-9987-FCB015D7AD58}" dt="2019-09-14T11:00:39.213" v="1666" actId="20577"/>
+    <pc:chgData name="Osama Salah" userId="59b259a29da0d6d3" providerId="LiveId" clId="{CAF1F6BF-33F4-7843-AB43-D0001846CA86}"/>
+    <pc:docChg chg="undo custSel addSld delSld modSld sldOrd modMainMaster">
+      <pc:chgData name="Osama Salah" userId="59b259a29da0d6d3" providerId="LiveId" clId="{CAF1F6BF-33F4-7843-AB43-D0001846CA86}" dt="2019-07-02T15:02:47.091" v="24070" actId="478"/>
       <pc:docMkLst>
         <pc:docMk/>
       </pc:docMkLst>
-      <pc:sldChg chg="addSp modSp">
-        <pc:chgData name="Osama Salah" userId="59b259a29da0d6d3" providerId="LiveId" clId="{1D7A581C-8F30-FB46-9987-FCB015D7AD58}" dt="2019-09-08T15:39:16.870" v="57"/>
-        <pc:sldMkLst>
-          <pc:docMk/>
-          <pc:sldMk cId="2820000716" sldId="287"/>
-        </pc:sldMkLst>
-        <pc:spChg chg="add mod">
-          <ac:chgData name="Osama Salah" userId="59b259a29da0d6d3" providerId="LiveId" clId="{1D7A581C-8F30-FB46-9987-FCB015D7AD58}" dt="2019-09-08T15:39:16.870" v="57"/>
-          <ac:spMkLst>
-            <pc:docMk/>
-            <pc:sldMk cId="2820000716" sldId="287"/>
-            <ac:spMk id="3" creationId="{C99EDA64-AB3B-9A4B-975A-6AD2AB00AE95}"/>
-          </ac:spMkLst>
-        </pc:spChg>
-      </pc:sldChg>
-      <pc:sldChg chg="addSp modSp">
-        <pc:chgData name="Osama Salah" userId="59b259a29da0d6d3" providerId="LiveId" clId="{1D7A581C-8F30-FB46-9987-FCB015D7AD58}" dt="2019-09-08T15:39:16.870" v="57"/>
-        <pc:sldMkLst>
-          <pc:docMk/>
-          <pc:sldMk cId="1729395636" sldId="288"/>
-        </pc:sldMkLst>
-        <pc:spChg chg="add mod">
-          <ac:chgData name="Osama Salah" userId="59b259a29da0d6d3" providerId="LiveId" clId="{1D7A581C-8F30-FB46-9987-FCB015D7AD58}" dt="2019-09-08T15:39:16.870" v="57"/>
-          <ac:spMkLst>
-            <pc:docMk/>
-            <pc:sldMk cId="1729395636" sldId="288"/>
-            <ac:spMk id="2" creationId="{82357755-0C6B-D04A-B769-AA5F8DAA9CD4}"/>
-          </ac:spMkLst>
-        </pc:spChg>
-      </pc:sldChg>
-      <pc:sldChg chg="addSp delSp modSp delAnim">
-        <pc:chgData name="Osama Salah" userId="59b259a29da0d6d3" providerId="LiveId" clId="{1D7A581C-8F30-FB46-9987-FCB015D7AD58}" dt="2019-09-08T15:39:29.543" v="58" actId="478"/>
-        <pc:sldMkLst>
-          <pc:docMk/>
-          <pc:sldMk cId="275394153" sldId="290"/>
-        </pc:sldMkLst>
-        <pc:spChg chg="mod">
-          <ac:chgData name="Osama Salah" userId="59b259a29da0d6d3" providerId="LiveId" clId="{1D7A581C-8F30-FB46-9987-FCB015D7AD58}" dt="2019-09-08T15:25:30.306" v="6" actId="113"/>
-          <ac:spMkLst>
-            <pc:docMk/>
-            <pc:sldMk cId="275394153" sldId="290"/>
-            <ac:spMk id="2" creationId="{00000000-0000-0000-0000-000000000000}"/>
-          </ac:spMkLst>
-        </pc:spChg>
-        <pc:spChg chg="add mod">
-          <ac:chgData name="Osama Salah" userId="59b259a29da0d6d3" providerId="LiveId" clId="{1D7A581C-8F30-FB46-9987-FCB015D7AD58}" dt="2019-09-08T15:39:16.870" v="57"/>
-          <ac:spMkLst>
-            <pc:docMk/>
-            <pc:sldMk cId="275394153" sldId="290"/>
-            <ac:spMk id="6" creationId="{D44C3920-4C2A-5147-AB13-49C1F3637203}"/>
-          </ac:spMkLst>
-        </pc:spChg>
-        <pc:picChg chg="del">
-          <ac:chgData name="Osama Salah" userId="59b259a29da0d6d3" providerId="LiveId" clId="{1D7A581C-8F30-FB46-9987-FCB015D7AD58}" dt="2019-09-08T15:39:29.543" v="58" actId="478"/>
-          <ac:picMkLst>
-            <pc:docMk/>
-            <pc:sldMk cId="275394153" sldId="290"/>
-            <ac:picMk id="3" creationId="{54E61C9F-6027-3E4E-87A8-9CEABCAEAE01}"/>
-          </ac:picMkLst>
-        </pc:picChg>
-      </pc:sldChg>
-      <pc:sldChg chg="addSp modSp">
-        <pc:chgData name="Osama Salah" userId="59b259a29da0d6d3" providerId="LiveId" clId="{1D7A581C-8F30-FB46-9987-FCB015D7AD58}" dt="2019-09-08T15:39:16.870" v="57"/>
-        <pc:sldMkLst>
-          <pc:docMk/>
-          <pc:sldMk cId="3661600117" sldId="348"/>
-        </pc:sldMkLst>
-        <pc:spChg chg="add mod">
-          <ac:chgData name="Osama Salah" userId="59b259a29da0d6d3" providerId="LiveId" clId="{1D7A581C-8F30-FB46-9987-FCB015D7AD58}" dt="2019-09-08T15:39:16.870" v="57"/>
-          <ac:spMkLst>
-            <pc:docMk/>
-            <pc:sldMk cId="3661600117" sldId="348"/>
-            <ac:spMk id="2" creationId="{0546528A-5904-9C41-BE50-899546B48632}"/>
-          </ac:spMkLst>
-        </pc:spChg>
-      </pc:sldChg>
-      <pc:sldChg chg="addSp modSp modAnim modNotesTx">
-        <pc:chgData name="Osama Salah" userId="59b259a29da0d6d3" providerId="LiveId" clId="{1D7A581C-8F30-FB46-9987-FCB015D7AD58}" dt="2019-09-13T17:55:03.883" v="1663" actId="20577"/>
-        <pc:sldMkLst>
-          <pc:docMk/>
-          <pc:sldMk cId="2875483543" sldId="349"/>
-        </pc:sldMkLst>
-        <pc:spChg chg="mod">
-          <ac:chgData name="Osama Salah" userId="59b259a29da0d6d3" providerId="LiveId" clId="{1D7A581C-8F30-FB46-9987-FCB015D7AD58}" dt="2019-09-08T15:25:17.226" v="3" actId="113"/>
-          <ac:spMkLst>
-            <pc:docMk/>
-            <pc:sldMk cId="2875483543" sldId="349"/>
-            <ac:spMk id="2" creationId="{00DD6CF4-3A56-E242-BE15-EAADAED59D08}"/>
-          </ac:spMkLst>
-        </pc:spChg>
-        <pc:spChg chg="add mod">
-          <ac:chgData name="Osama Salah" userId="59b259a29da0d6d3" providerId="LiveId" clId="{1D7A581C-8F30-FB46-9987-FCB015D7AD58}" dt="2019-09-08T15:39:16.870" v="57"/>
-          <ac:spMkLst>
-            <pc:docMk/>
-            <pc:sldMk cId="2875483543" sldId="349"/>
-            <ac:spMk id="4" creationId="{9F89030C-3D05-7E44-BF61-8A9E0CBD8D5F}"/>
-          </ac:spMkLst>
-        </pc:spChg>
-        <pc:spChg chg="mod">
-          <ac:chgData name="Osama Salah" userId="59b259a29da0d6d3" providerId="LiveId" clId="{1D7A581C-8F30-FB46-9987-FCB015D7AD58}" dt="2019-09-13T17:53:03.092" v="1577" actId="1076"/>
-          <ac:spMkLst>
-            <pc:docMk/>
-            <pc:sldMk cId="2875483543" sldId="349"/>
-            <ac:spMk id="7" creationId="{10752F5A-4324-8440-829C-2C6AD960F199}"/>
-          </ac:spMkLst>
-        </pc:spChg>
-        <pc:spChg chg="mod">
-          <ac:chgData name="Osama Salah" userId="59b259a29da0d6d3" providerId="LiveId" clId="{1D7A581C-8F30-FB46-9987-FCB015D7AD58}" dt="2019-09-13T17:53:03.092" v="1577" actId="1076"/>
-          <ac:spMkLst>
-            <pc:docMk/>
-            <pc:sldMk cId="2875483543" sldId="349"/>
-            <ac:spMk id="8" creationId="{8D928CE5-A1AB-B44F-AD05-7E00605C8125}"/>
-          </ac:spMkLst>
-        </pc:spChg>
-        <pc:spChg chg="add mod">
-          <ac:chgData name="Osama Salah" userId="59b259a29da0d6d3" providerId="LiveId" clId="{1D7A581C-8F30-FB46-9987-FCB015D7AD58}" dt="2019-09-13T17:53:20.786" v="1614" actId="20577"/>
-          <ac:spMkLst>
-            <pc:docMk/>
-            <pc:sldMk cId="2875483543" sldId="349"/>
-            <ac:spMk id="12" creationId="{A846D7E1-D748-DE4B-BD97-0D399485102B}"/>
-          </ac:spMkLst>
-        </pc:spChg>
-      </pc:sldChg>
-      <pc:sldChg chg="addSp modSp">
-        <pc:chgData name="Osama Salah" userId="59b259a29da0d6d3" providerId="LiveId" clId="{1D7A581C-8F30-FB46-9987-FCB015D7AD58}" dt="2019-09-08T15:39:16.870" v="57"/>
-        <pc:sldMkLst>
-          <pc:docMk/>
-          <pc:sldMk cId="4114150570" sldId="355"/>
-        </pc:sldMkLst>
-        <pc:spChg chg="add mod">
-          <ac:chgData name="Osama Salah" userId="59b259a29da0d6d3" providerId="LiveId" clId="{1D7A581C-8F30-FB46-9987-FCB015D7AD58}" dt="2019-09-08T15:39:16.870" v="57"/>
-          <ac:spMkLst>
-            <pc:docMk/>
-            <pc:sldMk cId="4114150570" sldId="355"/>
-            <ac:spMk id="3" creationId="{CC7F3AA0-8E42-5742-A443-88FD5AD8E7EC}"/>
-          </ac:spMkLst>
-        </pc:spChg>
-      </pc:sldChg>
-      <pc:sldChg chg="addSp modSp">
-        <pc:chgData name="Osama Salah" userId="59b259a29da0d6d3" providerId="LiveId" clId="{1D7A581C-8F30-FB46-9987-FCB015D7AD58}" dt="2019-09-08T15:39:16.870" v="57"/>
-        <pc:sldMkLst>
-          <pc:docMk/>
-          <pc:sldMk cId="3113223235" sldId="357"/>
-        </pc:sldMkLst>
-        <pc:spChg chg="add mod">
-          <ac:chgData name="Osama Salah" userId="59b259a29da0d6d3" providerId="LiveId" clId="{1D7A581C-8F30-FB46-9987-FCB015D7AD58}" dt="2019-09-08T15:39:16.870" v="57"/>
-          <ac:spMkLst>
-            <pc:docMk/>
-            <pc:sldMk cId="3113223235" sldId="357"/>
-            <ac:spMk id="2" creationId="{0F3749BE-81CF-D540-ADDF-4B3B9D419F0A}"/>
-          </ac:spMkLst>
-        </pc:spChg>
-      </pc:sldChg>
-      <pc:sldChg chg="addSp modSp">
-        <pc:chgData name="Osama Salah" userId="59b259a29da0d6d3" providerId="LiveId" clId="{1D7A581C-8F30-FB46-9987-FCB015D7AD58}" dt="2019-09-08T15:39:16.870" v="57"/>
-        <pc:sldMkLst>
-          <pc:docMk/>
-          <pc:sldMk cId="263255126" sldId="366"/>
-        </pc:sldMkLst>
-        <pc:spChg chg="add mod">
-          <ac:chgData name="Osama Salah" userId="59b259a29da0d6d3" providerId="LiveId" clId="{1D7A581C-8F30-FB46-9987-FCB015D7AD58}" dt="2019-09-08T15:39:16.870" v="57"/>
-          <ac:spMkLst>
-            <pc:docMk/>
-            <pc:sldMk cId="263255126" sldId="366"/>
-            <ac:spMk id="3" creationId="{1F073988-F048-594D-9951-DC1577DBCCC1}"/>
-          </ac:spMkLst>
-        </pc:spChg>
-      </pc:sldChg>
-      <pc:sldChg chg="addSp modSp">
-        <pc:chgData name="Osama Salah" userId="59b259a29da0d6d3" providerId="LiveId" clId="{1D7A581C-8F30-FB46-9987-FCB015D7AD58}" dt="2019-09-08T15:39:16.870" v="57"/>
-        <pc:sldMkLst>
-          <pc:docMk/>
-          <pc:sldMk cId="3020189629" sldId="367"/>
-        </pc:sldMkLst>
-        <pc:spChg chg="add mod">
-          <ac:chgData name="Osama Salah" userId="59b259a29da0d6d3" providerId="LiveId" clId="{1D7A581C-8F30-FB46-9987-FCB015D7AD58}" dt="2019-09-08T15:39:16.870" v="57"/>
-          <ac:spMkLst>
-            <pc:docMk/>
-            <pc:sldMk cId="3020189629" sldId="367"/>
-            <ac:spMk id="3" creationId="{0D5FBCD9-8732-8849-975F-7EFB6EDC9E2F}"/>
-          </ac:spMkLst>
-        </pc:spChg>
-      </pc:sldChg>
-      <pc:sldChg chg="addSp modSp">
-        <pc:chgData name="Osama Salah" userId="59b259a29da0d6d3" providerId="LiveId" clId="{1D7A581C-8F30-FB46-9987-FCB015D7AD58}" dt="2019-09-14T11:00:39.213" v="1666" actId="20577"/>
+      <pc:sldChg chg="modSp add">
+        <pc:chgData name="Osama Salah" userId="59b259a29da0d6d3" providerId="LiveId" clId="{CAF1F6BF-33F4-7843-AB43-D0001846CA86}" dt="2019-07-02T14:15:14.524" v="22753" actId="20577"/>
         <pc:sldMkLst>
           <pc:docMk/>
           <pc:sldMk cId="4039214192" sldId="400"/>
         </pc:sldMkLst>
         <pc:spChg chg="mod">
-          <ac:chgData name="Osama Salah" userId="59b259a29da0d6d3" providerId="LiveId" clId="{1D7A581C-8F30-FB46-9987-FCB015D7AD58}" dt="2019-09-14T11:00:39.213" v="1666" actId="20577"/>
+          <ac:chgData name="Osama Salah" userId="59b259a29da0d6d3" providerId="LiveId" clId="{CAF1F6BF-33F4-7843-AB43-D0001846CA86}" dt="2019-07-02T14:15:14.524" v="22753" actId="20577"/>
           <ac:spMkLst>
             <pc:docMk/>
             <pc:sldMk cId="4039214192" sldId="400"/>
             <ac:spMk id="2" creationId="{CA1A2D12-5878-1F4A-9BBE-5A6F88982307}"/>
           </ac:spMkLst>
         </pc:spChg>
-        <pc:spChg chg="add mod">
-          <ac:chgData name="Osama Salah" userId="59b259a29da0d6d3" providerId="LiveId" clId="{1D7A581C-8F30-FB46-9987-FCB015D7AD58}" dt="2019-09-08T15:39:16.870" v="57"/>
-          <ac:spMkLst>
-            <pc:docMk/>
-            <pc:sldMk cId="4039214192" sldId="400"/>
-            <ac:spMk id="3" creationId="{1A985EB2-2E1C-434F-AB40-6A8BD1C740CD}"/>
-          </ac:spMkLst>
-        </pc:spChg>
       </pc:sldChg>
-      <pc:sldChg chg="addSp modSp">
-        <pc:chgData name="Osama Salah" userId="59b259a29da0d6d3" providerId="LiveId" clId="{1D7A581C-8F30-FB46-9987-FCB015D7AD58}" dt="2019-09-08T15:39:16.870" v="57"/>
+      <pc:sldChg chg="add setBg">
+        <pc:chgData name="Osama Salah" userId="59b259a29da0d6d3" providerId="LiveId" clId="{CAF1F6BF-33F4-7843-AB43-D0001846CA86}" dt="2019-07-02T14:15:31.702" v="22755"/>
         <pc:sldMkLst>
           <pc:docMk/>
           <pc:sldMk cId="3494242153" sldId="401"/>
         </pc:sldMkLst>
-        <pc:spChg chg="add mod">
-          <ac:chgData name="Osama Salah" userId="59b259a29da0d6d3" providerId="LiveId" clId="{1D7A581C-8F30-FB46-9987-FCB015D7AD58}" dt="2019-09-08T15:39:16.870" v="57"/>
-          <ac:spMkLst>
-            <pc:docMk/>
-            <pc:sldMk cId="3494242153" sldId="401"/>
-            <ac:spMk id="2" creationId="{6ADBAFC6-F53D-D948-AE16-748CC887C463}"/>
-          </ac:spMkLst>
-        </pc:spChg>
       </pc:sldChg>
-      <pc:sldChg chg="addSp modSp">
-        <pc:chgData name="Osama Salah" userId="59b259a29da0d6d3" providerId="LiveId" clId="{1D7A581C-8F30-FB46-9987-FCB015D7AD58}" dt="2019-09-08T15:39:16.870" v="57"/>
+      <pc:sldChg chg="modSp add">
+        <pc:chgData name="Osama Salah" userId="59b259a29da0d6d3" providerId="LiveId" clId="{CAF1F6BF-33F4-7843-AB43-D0001846CA86}" dt="2019-07-02T14:16:50.242" v="22996" actId="207"/>
         <pc:sldMkLst>
           <pc:docMk/>
           <pc:sldMk cId="1120705378" sldId="402"/>
         </pc:sldMkLst>
-        <pc:spChg chg="add mod">
-          <ac:chgData name="Osama Salah" userId="59b259a29da0d6d3" providerId="LiveId" clId="{1D7A581C-8F30-FB46-9987-FCB015D7AD58}" dt="2019-09-08T15:39:16.870" v="57"/>
+        <pc:spChg chg="mod">
+          <ac:chgData name="Osama Salah" userId="59b259a29da0d6d3" providerId="LiveId" clId="{CAF1F6BF-33F4-7843-AB43-D0001846CA86}" dt="2019-07-02T14:15:56.979" v="22783" actId="20577"/>
           <ac:spMkLst>
             <pc:docMk/>
             <pc:sldMk cId="1120705378" sldId="402"/>
-            <ac:spMk id="4" creationId="{8FC3F400-45C9-0C4F-BA4F-A752342C910C}"/>
-          </ac:spMkLst>
-        </pc:spChg>
-      </pc:sldChg>
-      <pc:sldChg chg="addSp modSp">
-        <pc:chgData name="Osama Salah" userId="59b259a29da0d6d3" providerId="LiveId" clId="{1D7A581C-8F30-FB46-9987-FCB015D7AD58}" dt="2019-09-08T15:39:16.870" v="57"/>
-        <pc:sldMkLst>
-          <pc:docMk/>
-          <pc:sldMk cId="1481133437" sldId="403"/>
-        </pc:sldMkLst>
-        <pc:spChg chg="add mod">
-          <ac:chgData name="Osama Salah" userId="59b259a29da0d6d3" providerId="LiveId" clId="{1D7A581C-8F30-FB46-9987-FCB015D7AD58}" dt="2019-09-08T15:39:16.870" v="57"/>
-          <ac:spMkLst>
-            <pc:docMk/>
-            <pc:sldMk cId="1481133437" sldId="403"/>
-            <ac:spMk id="4" creationId="{99F217A6-12ED-1B4C-8D33-1CF9B3FB6BF9}"/>
-          </ac:spMkLst>
-        </pc:spChg>
-      </pc:sldChg>
-      <pc:sldChg chg="addSp modSp">
-        <pc:chgData name="Osama Salah" userId="59b259a29da0d6d3" providerId="LiveId" clId="{1D7A581C-8F30-FB46-9987-FCB015D7AD58}" dt="2019-09-08T15:39:16.870" v="57"/>
-        <pc:sldMkLst>
-          <pc:docMk/>
-          <pc:sldMk cId="1994306260" sldId="404"/>
-        </pc:sldMkLst>
-        <pc:spChg chg="mod">
-          <ac:chgData name="Osama Salah" userId="59b259a29da0d6d3" providerId="LiveId" clId="{1D7A581C-8F30-FB46-9987-FCB015D7AD58}" dt="2019-09-08T15:25:47.338" v="9" actId="113"/>
-          <ac:spMkLst>
-            <pc:docMk/>
-            <pc:sldMk cId="1994306260" sldId="404"/>
-            <ac:spMk id="2" creationId="{C3D580CB-0FDA-D047-8073-C55D878816E9}"/>
+            <ac:spMk id="2" creationId="{03C52B6E-9ED5-6945-B158-9D4DEFE32321}"/>
           </ac:spMkLst>
         </pc:spChg>
         <pc:spChg chg="mod">
-          <ac:chgData name="Osama Salah" userId="59b259a29da0d6d3" providerId="LiveId" clId="{1D7A581C-8F30-FB46-9987-FCB015D7AD58}" dt="2019-09-08T15:26:00.036" v="10" actId="20577"/>
+          <ac:chgData name="Osama Salah" userId="59b259a29da0d6d3" providerId="LiveId" clId="{CAF1F6BF-33F4-7843-AB43-D0001846CA86}" dt="2019-07-02T14:16:50.242" v="22996" actId="207"/>
           <ac:spMkLst>
             <pc:docMk/>
-            <pc:sldMk cId="1994306260" sldId="404"/>
-            <ac:spMk id="3" creationId="{CC10D95C-6F70-5744-ADD5-0022114DCB9B}"/>
-          </ac:spMkLst>
-        </pc:spChg>
-        <pc:spChg chg="add mod">
-          <ac:chgData name="Osama Salah" userId="59b259a29da0d6d3" providerId="LiveId" clId="{1D7A581C-8F30-FB46-9987-FCB015D7AD58}" dt="2019-09-08T15:39:16.870" v="57"/>
-          <ac:spMkLst>
-            <pc:docMk/>
-            <pc:sldMk cId="1994306260" sldId="404"/>
-            <ac:spMk id="4" creationId="{7A3CF95C-C646-5847-8600-9292FCFD1650}"/>
-          </ac:spMkLst>
-        </pc:spChg>
-      </pc:sldChg>
-      <pc:sldChg chg="addSp modSp">
-        <pc:chgData name="Osama Salah" userId="59b259a29da0d6d3" providerId="LiveId" clId="{1D7A581C-8F30-FB46-9987-FCB015D7AD58}" dt="2019-09-08T15:39:16.870" v="57"/>
-        <pc:sldMkLst>
-          <pc:docMk/>
-          <pc:sldMk cId="571071173" sldId="406"/>
-        </pc:sldMkLst>
-        <pc:spChg chg="mod">
-          <ac:chgData name="Osama Salah" userId="59b259a29da0d6d3" providerId="LiveId" clId="{1D7A581C-8F30-FB46-9987-FCB015D7AD58}" dt="2019-09-08T15:25:42.634" v="8" actId="113"/>
-          <ac:spMkLst>
-            <pc:docMk/>
-            <pc:sldMk cId="571071173" sldId="406"/>
-            <ac:spMk id="2" creationId="{6813FDB8-4F82-DE4D-B4EE-DD87BEEAE557}"/>
-          </ac:spMkLst>
-        </pc:spChg>
-        <pc:spChg chg="add mod">
-          <ac:chgData name="Osama Salah" userId="59b259a29da0d6d3" providerId="LiveId" clId="{1D7A581C-8F30-FB46-9987-FCB015D7AD58}" dt="2019-09-08T15:39:16.870" v="57"/>
-          <ac:spMkLst>
-            <pc:docMk/>
-            <pc:sldMk cId="571071173" sldId="406"/>
-            <ac:spMk id="4" creationId="{3857CB36-AAB9-3246-A77C-C1638A1B2DBF}"/>
-          </ac:spMkLst>
-        </pc:spChg>
-      </pc:sldChg>
-      <pc:sldChg chg="addSp modSp">
-        <pc:chgData name="Osama Salah" userId="59b259a29da0d6d3" providerId="LiveId" clId="{1D7A581C-8F30-FB46-9987-FCB015D7AD58}" dt="2019-09-08T15:39:16.870" v="57"/>
-        <pc:sldMkLst>
-          <pc:docMk/>
-          <pc:sldMk cId="22172807" sldId="407"/>
-        </pc:sldMkLst>
-        <pc:spChg chg="mod">
-          <ac:chgData name="Osama Salah" userId="59b259a29da0d6d3" providerId="LiveId" clId="{1D7A581C-8F30-FB46-9987-FCB015D7AD58}" dt="2019-09-08T15:25:34.746" v="7" actId="113"/>
-          <ac:spMkLst>
-            <pc:docMk/>
-            <pc:sldMk cId="22172807" sldId="407"/>
-            <ac:spMk id="2" creationId="{A4D504D0-F80E-4D4E-91EF-D7BC2CC17D09}"/>
-          </ac:spMkLst>
-        </pc:spChg>
-        <pc:spChg chg="add mod">
-          <ac:chgData name="Osama Salah" userId="59b259a29da0d6d3" providerId="LiveId" clId="{1D7A581C-8F30-FB46-9987-FCB015D7AD58}" dt="2019-09-08T15:39:16.870" v="57"/>
-          <ac:spMkLst>
-            <pc:docMk/>
-            <pc:sldMk cId="22172807" sldId="407"/>
-            <ac:spMk id="4" creationId="{69D791E2-1371-8E45-92A3-85DDD7CB3A58}"/>
-          </ac:spMkLst>
-        </pc:spChg>
-      </pc:sldChg>
-      <pc:sldChg chg="addSp modSp">
-        <pc:chgData name="Osama Salah" userId="59b259a29da0d6d3" providerId="LiveId" clId="{1D7A581C-8F30-FB46-9987-FCB015D7AD58}" dt="2019-09-08T15:39:16.870" v="57"/>
-        <pc:sldMkLst>
-          <pc:docMk/>
-          <pc:sldMk cId="2895425251" sldId="408"/>
-        </pc:sldMkLst>
-        <pc:spChg chg="mod">
-          <ac:chgData name="Osama Salah" userId="59b259a29da0d6d3" providerId="LiveId" clId="{1D7A581C-8F30-FB46-9987-FCB015D7AD58}" dt="2019-09-08T15:26:24.334" v="12" actId="113"/>
-          <ac:spMkLst>
-            <pc:docMk/>
-            <pc:sldMk cId="2895425251" sldId="408"/>
-            <ac:spMk id="2" creationId="{A7A9C3FB-D3BA-7243-9775-0EB8DC5F4529}"/>
-          </ac:spMkLst>
-        </pc:spChg>
-        <pc:spChg chg="add mod">
-          <ac:chgData name="Osama Salah" userId="59b259a29da0d6d3" providerId="LiveId" clId="{1D7A581C-8F30-FB46-9987-FCB015D7AD58}" dt="2019-09-08T15:39:16.870" v="57"/>
-          <ac:spMkLst>
-            <pc:docMk/>
-            <pc:sldMk cId="2895425251" sldId="408"/>
-            <ac:spMk id="4" creationId="{6AF9C778-3726-6745-83EF-6D611E84AD1F}"/>
-          </ac:spMkLst>
-        </pc:spChg>
-      </pc:sldChg>
-      <pc:sldChg chg="addSp delSp modSp modNotesTx">
-        <pc:chgData name="Osama Salah" userId="59b259a29da0d6d3" providerId="LiveId" clId="{1D7A581C-8F30-FB46-9987-FCB015D7AD58}" dt="2019-09-13T17:41:50.927" v="1399" actId="20577"/>
-        <pc:sldMkLst>
-          <pc:docMk/>
-          <pc:sldMk cId="1331423559" sldId="409"/>
-        </pc:sldMkLst>
-        <pc:spChg chg="del mod">
-          <ac:chgData name="Osama Salah" userId="59b259a29da0d6d3" providerId="LiveId" clId="{1D7A581C-8F30-FB46-9987-FCB015D7AD58}" dt="2019-09-11T15:16:04.397" v="89" actId="478"/>
-          <ac:spMkLst>
-            <pc:docMk/>
-            <pc:sldMk cId="1331423559" sldId="409"/>
-            <ac:spMk id="2" creationId="{00000000-0000-0000-0000-000000000000}"/>
-          </ac:spMkLst>
-        </pc:spChg>
-        <pc:spChg chg="add mod">
-          <ac:chgData name="Osama Salah" userId="59b259a29da0d6d3" providerId="LiveId" clId="{1D7A581C-8F30-FB46-9987-FCB015D7AD58}" dt="2019-09-08T15:39:16.870" v="57"/>
-          <ac:spMkLst>
-            <pc:docMk/>
-            <pc:sldMk cId="1331423559" sldId="409"/>
-            <ac:spMk id="3" creationId="{2736ADA5-CFCB-1248-876C-C453451FC8DF}"/>
-          </ac:spMkLst>
-        </pc:spChg>
-        <pc:spChg chg="del mod">
-          <ac:chgData name="Osama Salah" userId="59b259a29da0d6d3" providerId="LiveId" clId="{1D7A581C-8F30-FB46-9987-FCB015D7AD58}" dt="2019-09-11T15:14:04.347" v="65"/>
-          <ac:spMkLst>
-            <pc:docMk/>
-            <pc:sldMk cId="1331423559" sldId="409"/>
-            <ac:spMk id="6" creationId="{F3206406-209A-5441-B785-3C67F8E431B8}"/>
-          </ac:spMkLst>
-        </pc:spChg>
-        <pc:spChg chg="add del">
-          <ac:chgData name="Osama Salah" userId="59b259a29da0d6d3" providerId="LiveId" clId="{1D7A581C-8F30-FB46-9987-FCB015D7AD58}" dt="2019-09-11T15:14:24.703" v="70" actId="478"/>
-          <ac:spMkLst>
-            <pc:docMk/>
-            <pc:sldMk cId="1331423559" sldId="409"/>
-            <ac:spMk id="7" creationId="{A2675AF8-4C39-684C-905E-5057A365CDDB}"/>
-          </ac:spMkLst>
-        </pc:spChg>
-        <pc:spChg chg="add mod">
-          <ac:chgData name="Osama Salah" userId="59b259a29da0d6d3" providerId="LiveId" clId="{1D7A581C-8F30-FB46-9987-FCB015D7AD58}" dt="2019-09-11T15:14:45.310" v="73" actId="1076"/>
-          <ac:spMkLst>
-            <pc:docMk/>
-            <pc:sldMk cId="1331423559" sldId="409"/>
-            <ac:spMk id="9" creationId="{232B5E20-9278-784D-B60B-332C9C18EA0D}"/>
-          </ac:spMkLst>
-        </pc:spChg>
-        <pc:spChg chg="add mod">
-          <ac:chgData name="Osama Salah" userId="59b259a29da0d6d3" providerId="LiveId" clId="{1D7A581C-8F30-FB46-9987-FCB015D7AD58}" dt="2019-09-11T15:15:20.289" v="82" actId="1076"/>
-          <ac:spMkLst>
-            <pc:docMk/>
-            <pc:sldMk cId="1331423559" sldId="409"/>
-            <ac:spMk id="10" creationId="{91C5706F-AF3B-0649-9232-E8CB1DC1F84E}"/>
-          </ac:spMkLst>
-        </pc:spChg>
-        <pc:spChg chg="add mod">
-          <ac:chgData name="Osama Salah" userId="59b259a29da0d6d3" providerId="LiveId" clId="{1D7A581C-8F30-FB46-9987-FCB015D7AD58}" dt="2019-09-11T15:15:23.897" v="83" actId="1076"/>
-          <ac:spMkLst>
-            <pc:docMk/>
-            <pc:sldMk cId="1331423559" sldId="409"/>
-            <ac:spMk id="11" creationId="{DC5301D1-1880-0548-A915-A57EA7D92AF6}"/>
-          </ac:spMkLst>
-        </pc:spChg>
-        <pc:spChg chg="add mod">
-          <ac:chgData name="Osama Salah" userId="59b259a29da0d6d3" providerId="LiveId" clId="{1D7A581C-8F30-FB46-9987-FCB015D7AD58}" dt="2019-09-11T15:15:57.197" v="87" actId="1076"/>
-          <ac:spMkLst>
-            <pc:docMk/>
-            <pc:sldMk cId="1331423559" sldId="409"/>
-            <ac:spMk id="21" creationId="{4C253C75-FE34-5D46-BC11-ABE5893BF9AC}"/>
-          </ac:spMkLst>
-        </pc:spChg>
-        <pc:spChg chg="add mod">
-          <ac:chgData name="Osama Salah" userId="59b259a29da0d6d3" providerId="LiveId" clId="{1D7A581C-8F30-FB46-9987-FCB015D7AD58}" dt="2019-09-11T15:17:45.320" v="150" actId="1076"/>
-          <ac:spMkLst>
-            <pc:docMk/>
-            <pc:sldMk cId="1331423559" sldId="409"/>
-            <ac:spMk id="22" creationId="{B1143FB1-F93A-1A4C-96E7-6E84BBD459C8}"/>
-          </ac:spMkLst>
-        </pc:spChg>
-        <pc:spChg chg="add mod">
-          <ac:chgData name="Osama Salah" userId="59b259a29da0d6d3" providerId="LiveId" clId="{1D7A581C-8F30-FB46-9987-FCB015D7AD58}" dt="2019-09-11T15:14:38.610" v="72" actId="1076"/>
-          <ac:spMkLst>
-            <pc:docMk/>
-            <pc:sldMk cId="1331423559" sldId="409"/>
-            <ac:spMk id="24" creationId="{1292175F-AB97-D645-AB67-0D87648A9DA7}"/>
-          </ac:spMkLst>
-        </pc:spChg>
-        <pc:spChg chg="add mod">
-          <ac:chgData name="Osama Salah" userId="59b259a29da0d6d3" providerId="LiveId" clId="{1D7A581C-8F30-FB46-9987-FCB015D7AD58}" dt="2019-09-11T15:14:38.610" v="72" actId="1076"/>
-          <ac:spMkLst>
-            <pc:docMk/>
-            <pc:sldMk cId="1331423559" sldId="409"/>
-            <ac:spMk id="25" creationId="{1838EDD2-F203-E247-B682-9780EADFECE1}"/>
-          </ac:spMkLst>
-        </pc:spChg>
-        <pc:spChg chg="add mod">
-          <ac:chgData name="Osama Salah" userId="59b259a29da0d6d3" providerId="LiveId" clId="{1D7A581C-8F30-FB46-9987-FCB015D7AD58}" dt="2019-09-11T15:14:38.610" v="72" actId="1076"/>
-          <ac:spMkLst>
-            <pc:docMk/>
-            <pc:sldMk cId="1331423559" sldId="409"/>
-            <ac:spMk id="26" creationId="{BA31D4FC-5F50-354D-8AFA-277CD6CED5FD}"/>
-          </ac:spMkLst>
-        </pc:spChg>
-        <pc:spChg chg="add mod">
-          <ac:chgData name="Osama Salah" userId="59b259a29da0d6d3" providerId="LiveId" clId="{1D7A581C-8F30-FB46-9987-FCB015D7AD58}" dt="2019-09-11T15:14:38.610" v="72" actId="1076"/>
-          <ac:spMkLst>
-            <pc:docMk/>
-            <pc:sldMk cId="1331423559" sldId="409"/>
-            <ac:spMk id="27" creationId="{B506F8AE-6E67-D245-A6BE-10177639DECF}"/>
-          </ac:spMkLst>
-        </pc:spChg>
-        <pc:spChg chg="add mod">
-          <ac:chgData name="Osama Salah" userId="59b259a29da0d6d3" providerId="LiveId" clId="{1D7A581C-8F30-FB46-9987-FCB015D7AD58}" dt="2019-09-11T15:17:49.056" v="151" actId="1076"/>
-          <ac:spMkLst>
-            <pc:docMk/>
-            <pc:sldMk cId="1331423559" sldId="409"/>
-            <ac:spMk id="28" creationId="{FF8B9FD7-9336-9447-ACD9-5D025A7D9E50}"/>
-          </ac:spMkLst>
-        </pc:spChg>
-        <pc:spChg chg="add mod">
-          <ac:chgData name="Osama Salah" userId="59b259a29da0d6d3" providerId="LiveId" clId="{1D7A581C-8F30-FB46-9987-FCB015D7AD58}" dt="2019-09-11T15:14:45.310" v="73" actId="1076"/>
-          <ac:spMkLst>
-            <pc:docMk/>
-            <pc:sldMk cId="1331423559" sldId="409"/>
-            <ac:spMk id="29" creationId="{675B5EF8-AB04-584A-8346-097B2551A004}"/>
-          </ac:spMkLst>
-        </pc:spChg>
-        <pc:spChg chg="add mod">
-          <ac:chgData name="Osama Salah" userId="59b259a29da0d6d3" providerId="LiveId" clId="{1D7A581C-8F30-FB46-9987-FCB015D7AD58}" dt="2019-09-11T15:14:45.310" v="73" actId="1076"/>
-          <ac:spMkLst>
-            <pc:docMk/>
-            <pc:sldMk cId="1331423559" sldId="409"/>
-            <ac:spMk id="30" creationId="{422CA605-684C-3741-ACA3-36830B7A2F28}"/>
-          </ac:spMkLst>
-        </pc:spChg>
-        <pc:spChg chg="add mod">
-          <ac:chgData name="Osama Salah" userId="59b259a29da0d6d3" providerId="LiveId" clId="{1D7A581C-8F30-FB46-9987-FCB015D7AD58}" dt="2019-09-11T15:15:27.493" v="84" actId="1076"/>
-          <ac:spMkLst>
-            <pc:docMk/>
-            <pc:sldMk cId="1331423559" sldId="409"/>
-            <ac:spMk id="31" creationId="{3A940CA7-7993-D745-8AA4-B8ED21FB71AB}"/>
-          </ac:spMkLst>
-        </pc:spChg>
-        <pc:spChg chg="add mod">
-          <ac:chgData name="Osama Salah" userId="59b259a29da0d6d3" providerId="LiveId" clId="{1D7A581C-8F30-FB46-9987-FCB015D7AD58}" dt="2019-09-11T15:15:41.682" v="85" actId="1076"/>
-          <ac:spMkLst>
-            <pc:docMk/>
-            <pc:sldMk cId="1331423559" sldId="409"/>
-            <ac:spMk id="32" creationId="{ACC3A2AE-ECBF-C64C-9C82-455937E2394D}"/>
-          </ac:spMkLst>
-        </pc:spChg>
-        <pc:spChg chg="add mod">
-          <ac:chgData name="Osama Salah" userId="59b259a29da0d6d3" providerId="LiveId" clId="{1D7A581C-8F30-FB46-9987-FCB015D7AD58}" dt="2019-09-11T15:16:01.065" v="88" actId="1076"/>
-          <ac:spMkLst>
-            <pc:docMk/>
-            <pc:sldMk cId="1331423559" sldId="409"/>
-            <ac:spMk id="33" creationId="{10E82CE3-436A-394E-84E0-D5D9C3E3F34F}"/>
-          </ac:spMkLst>
-        </pc:spChg>
-        <pc:spChg chg="add mod">
-          <ac:chgData name="Osama Salah" userId="59b259a29da0d6d3" providerId="LiveId" clId="{1D7A581C-8F30-FB46-9987-FCB015D7AD58}" dt="2019-09-11T15:15:41.682" v="85" actId="1076"/>
-          <ac:spMkLst>
-            <pc:docMk/>
-            <pc:sldMk cId="1331423559" sldId="409"/>
-            <ac:spMk id="34" creationId="{380EAE24-17E9-A748-A3C2-313B8AEF6829}"/>
-          </ac:spMkLst>
-        </pc:spChg>
-        <pc:spChg chg="add mod">
-          <ac:chgData name="Osama Salah" userId="59b259a29da0d6d3" providerId="LiveId" clId="{1D7A581C-8F30-FB46-9987-FCB015D7AD58}" dt="2019-09-11T15:17:12.628" v="131" actId="1076"/>
-          <ac:spMkLst>
-            <pc:docMk/>
-            <pc:sldMk cId="1331423559" sldId="409"/>
-            <ac:spMk id="35" creationId="{3E30D692-17D6-144A-95AE-A534BB0B615C}"/>
-          </ac:spMkLst>
-        </pc:spChg>
-        <pc:spChg chg="add mod">
-          <ac:chgData name="Osama Salah" userId="59b259a29da0d6d3" providerId="LiveId" clId="{1D7A581C-8F30-FB46-9987-FCB015D7AD58}" dt="2019-09-11T15:16:23.617" v="91" actId="1076"/>
-          <ac:spMkLst>
-            <pc:docMk/>
-            <pc:sldMk cId="1331423559" sldId="409"/>
-            <ac:spMk id="36" creationId="{04908063-2E1A-7748-890F-7D1E0260D598}"/>
-          </ac:spMkLst>
-        </pc:spChg>
-        <pc:spChg chg="add mod">
-          <ac:chgData name="Osama Salah" userId="59b259a29da0d6d3" providerId="LiveId" clId="{1D7A581C-8F30-FB46-9987-FCB015D7AD58}" dt="2019-09-11T15:15:57.197" v="87" actId="1076"/>
-          <ac:spMkLst>
-            <pc:docMk/>
-            <pc:sldMk cId="1331423559" sldId="409"/>
-            <ac:spMk id="37" creationId="{AE7A18DB-30B0-AD46-BFEA-E12CFE541EB6}"/>
-          </ac:spMkLst>
-        </pc:spChg>
-        <pc:spChg chg="add mod">
-          <ac:chgData name="Osama Salah" userId="59b259a29da0d6d3" providerId="LiveId" clId="{1D7A581C-8F30-FB46-9987-FCB015D7AD58}" dt="2019-09-11T15:15:57.197" v="87" actId="1076"/>
-          <ac:spMkLst>
-            <pc:docMk/>
-            <pc:sldMk cId="1331423559" sldId="409"/>
-            <ac:spMk id="38" creationId="{4C961CE7-1B1E-EC4D-8E39-735505E00047}"/>
-          </ac:spMkLst>
-        </pc:spChg>
-        <pc:spChg chg="add mod">
-          <ac:chgData name="Osama Salah" userId="59b259a29da0d6d3" providerId="LiveId" clId="{1D7A581C-8F30-FB46-9987-FCB015D7AD58}" dt="2019-09-11T15:15:41.682" v="85" actId="1076"/>
-          <ac:spMkLst>
-            <pc:docMk/>
-            <pc:sldMk cId="1331423559" sldId="409"/>
-            <ac:spMk id="39" creationId="{8540B462-FA77-B648-9B4F-FBD247FA29C8}"/>
-          </ac:spMkLst>
-        </pc:spChg>
-        <pc:spChg chg="add mod">
-          <ac:chgData name="Osama Salah" userId="59b259a29da0d6d3" providerId="LiveId" clId="{1D7A581C-8F30-FB46-9987-FCB015D7AD58}" dt="2019-09-11T15:15:41.682" v="85" actId="1076"/>
-          <ac:spMkLst>
-            <pc:docMk/>
-            <pc:sldMk cId="1331423559" sldId="409"/>
-            <ac:spMk id="40" creationId="{C4994CC1-7A08-794E-B97C-3EF8D92E7410}"/>
-          </ac:spMkLst>
-        </pc:spChg>
-        <pc:spChg chg="add del mod">
-          <ac:chgData name="Osama Salah" userId="59b259a29da0d6d3" providerId="LiveId" clId="{1D7A581C-8F30-FB46-9987-FCB015D7AD58}" dt="2019-09-11T15:16:07.215" v="90" actId="478"/>
-          <ac:spMkLst>
-            <pc:docMk/>
-            <pc:sldMk cId="1331423559" sldId="409"/>
-            <ac:spMk id="41" creationId="{5B4A4D8B-6F42-AD4B-A9CC-F7A49CF9887B}"/>
-          </ac:spMkLst>
-        </pc:spChg>
-        <pc:spChg chg="add mod">
-          <ac:chgData name="Osama Salah" userId="59b259a29da0d6d3" providerId="LiveId" clId="{1D7A581C-8F30-FB46-9987-FCB015D7AD58}" dt="2019-09-11T15:17:54.528" v="152" actId="1076"/>
-          <ac:spMkLst>
-            <pc:docMk/>
-            <pc:sldMk cId="1331423559" sldId="409"/>
-            <ac:spMk id="42" creationId="{56AA8E4E-9719-F14F-8FDC-40790B2C5529}"/>
-          </ac:spMkLst>
-        </pc:spChg>
-        <pc:spChg chg="add mod">
-          <ac:chgData name="Osama Salah" userId="59b259a29da0d6d3" providerId="LiveId" clId="{1D7A581C-8F30-FB46-9987-FCB015D7AD58}" dt="2019-09-11T15:17:56.800" v="153" actId="1076"/>
-          <ac:spMkLst>
-            <pc:docMk/>
-            <pc:sldMk cId="1331423559" sldId="409"/>
-            <ac:spMk id="43" creationId="{E1DDACB2-BE89-2744-9A68-1F725C7D1018}"/>
-          </ac:spMkLst>
-        </pc:spChg>
-        <pc:spChg chg="add mod">
-          <ac:chgData name="Osama Salah" userId="59b259a29da0d6d3" providerId="LiveId" clId="{1D7A581C-8F30-FB46-9987-FCB015D7AD58}" dt="2019-09-11T15:17:59.892" v="154" actId="1076"/>
-          <ac:spMkLst>
-            <pc:docMk/>
-            <pc:sldMk cId="1331423559" sldId="409"/>
-            <ac:spMk id="44" creationId="{50F13B53-0CE0-2F42-8E23-69A3909C65D4}"/>
-          </ac:spMkLst>
-        </pc:spChg>
-        <pc:spChg chg="add mod">
-          <ac:chgData name="Osama Salah" userId="59b259a29da0d6d3" providerId="LiveId" clId="{1D7A581C-8F30-FB46-9987-FCB015D7AD58}" dt="2019-09-11T15:18:02.472" v="155" actId="1076"/>
-          <ac:spMkLst>
-            <pc:docMk/>
-            <pc:sldMk cId="1331423559" sldId="409"/>
-            <ac:spMk id="45" creationId="{AC901508-847C-CB41-BF38-4ECD34B4E1FE}"/>
-          </ac:spMkLst>
-        </pc:spChg>
-        <pc:grpChg chg="add mod">
-          <ac:chgData name="Osama Salah" userId="59b259a29da0d6d3" providerId="LiveId" clId="{1D7A581C-8F30-FB46-9987-FCB015D7AD58}" dt="2019-09-11T15:14:45.310" v="73" actId="1076"/>
-          <ac:grpSpMkLst>
-            <pc:docMk/>
-            <pc:sldMk cId="1331423559" sldId="409"/>
-            <ac:grpSpMk id="15" creationId="{07E9BD51-AB9A-5A46-8D0E-81C9251F0EEE}"/>
-          </ac:grpSpMkLst>
-        </pc:grpChg>
-        <pc:picChg chg="mod">
-          <ac:chgData name="Osama Salah" userId="59b259a29da0d6d3" providerId="LiveId" clId="{1D7A581C-8F30-FB46-9987-FCB015D7AD58}" dt="2019-09-11T15:13:35.134" v="63" actId="1076"/>
-          <ac:picMkLst>
-            <pc:docMk/>
-            <pc:sldMk cId="1331423559" sldId="409"/>
-            <ac:picMk id="4" creationId="{00000000-0000-0000-0000-000000000000}"/>
-          </ac:picMkLst>
-        </pc:picChg>
-        <pc:picChg chg="add del">
-          <ac:chgData name="Osama Salah" userId="59b259a29da0d6d3" providerId="LiveId" clId="{1D7A581C-8F30-FB46-9987-FCB015D7AD58}" dt="2019-09-11T15:14:12.943" v="67" actId="478"/>
-          <ac:picMkLst>
-            <pc:docMk/>
-            <pc:sldMk cId="1331423559" sldId="409"/>
-            <ac:picMk id="8" creationId="{94CCA3A0-FAB5-6D42-8DFA-BE82643DF7C3}"/>
-          </ac:picMkLst>
-        </pc:picChg>
-        <pc:picChg chg="add mod">
-          <ac:chgData name="Osama Salah" userId="59b259a29da0d6d3" providerId="LiveId" clId="{1D7A581C-8F30-FB46-9987-FCB015D7AD58}" dt="2019-09-11T15:14:45.310" v="73" actId="1076"/>
-          <ac:picMkLst>
-            <pc:docMk/>
-            <pc:sldMk cId="1331423559" sldId="409"/>
-            <ac:picMk id="12" creationId="{B63B8BBD-3EE7-0343-BEC6-E6C2F0A87CD7}"/>
-          </ac:picMkLst>
-        </pc:picChg>
-        <pc:picChg chg="add mod">
-          <ac:chgData name="Osama Salah" userId="59b259a29da0d6d3" providerId="LiveId" clId="{1D7A581C-8F30-FB46-9987-FCB015D7AD58}" dt="2019-09-11T15:14:45.310" v="73" actId="1076"/>
-          <ac:picMkLst>
-            <pc:docMk/>
-            <pc:sldMk cId="1331423559" sldId="409"/>
-            <ac:picMk id="13" creationId="{55F83A0E-2642-9245-877A-B6832351613B}"/>
-          </ac:picMkLst>
-        </pc:picChg>
-        <pc:picChg chg="add mod">
-          <ac:chgData name="Osama Salah" userId="59b259a29da0d6d3" providerId="LiveId" clId="{1D7A581C-8F30-FB46-9987-FCB015D7AD58}" dt="2019-09-11T15:14:45.310" v="73" actId="1076"/>
-          <ac:picMkLst>
-            <pc:docMk/>
-            <pc:sldMk cId="1331423559" sldId="409"/>
-            <ac:picMk id="14" creationId="{B32D0250-D44B-E64F-88FB-263F59EBCE49}"/>
-          </ac:picMkLst>
-        </pc:picChg>
-        <pc:picChg chg="add mod">
-          <ac:chgData name="Osama Salah" userId="59b259a29da0d6d3" providerId="LiveId" clId="{1D7A581C-8F30-FB46-9987-FCB015D7AD58}" dt="2019-09-11T15:14:45.310" v="73" actId="1076"/>
-          <ac:picMkLst>
-            <pc:docMk/>
-            <pc:sldMk cId="1331423559" sldId="409"/>
-            <ac:picMk id="18" creationId="{7FD84557-8EA5-544F-97EE-D1ECE2C37567}"/>
-          </ac:picMkLst>
-        </pc:picChg>
-        <pc:picChg chg="add mod">
-          <ac:chgData name="Osama Salah" userId="59b259a29da0d6d3" providerId="LiveId" clId="{1D7A581C-8F30-FB46-9987-FCB015D7AD58}" dt="2019-09-11T15:15:08.885" v="79" actId="1076"/>
-          <ac:picMkLst>
-            <pc:docMk/>
-            <pc:sldMk cId="1331423559" sldId="409"/>
-            <ac:picMk id="19" creationId="{BF35C56D-070C-FF4A-BE0B-2B1EE46DEF24}"/>
-          </ac:picMkLst>
-        </pc:picChg>
-        <pc:picChg chg="add mod">
-          <ac:chgData name="Osama Salah" userId="59b259a29da0d6d3" providerId="LiveId" clId="{1D7A581C-8F30-FB46-9987-FCB015D7AD58}" dt="2019-09-11T15:15:13.833" v="81" actId="1076"/>
-          <ac:picMkLst>
-            <pc:docMk/>
-            <pc:sldMk cId="1331423559" sldId="409"/>
-            <ac:picMk id="20" creationId="{95E36054-14E7-524D-B8A6-A11410230BC6}"/>
-          </ac:picMkLst>
-        </pc:picChg>
-        <pc:picChg chg="add mod">
-          <ac:chgData name="Osama Salah" userId="59b259a29da0d6d3" providerId="LiveId" clId="{1D7A581C-8F30-FB46-9987-FCB015D7AD58}" dt="2019-09-11T15:17:42.608" v="149" actId="1076"/>
-          <ac:picMkLst>
-            <pc:docMk/>
-            <pc:sldMk cId="1331423559" sldId="409"/>
-            <ac:picMk id="23" creationId="{604C51DC-B23E-4949-B26B-E50AD4D4E137}"/>
-          </ac:picMkLst>
-        </pc:picChg>
-      </pc:sldChg>
-      <pc:sldChg chg="addSp modSp del">
-        <pc:chgData name="Osama Salah" userId="59b259a29da0d6d3" providerId="LiveId" clId="{1D7A581C-8F30-FB46-9987-FCB015D7AD58}" dt="2019-09-13T17:43:19.017" v="1407" actId="2696"/>
-        <pc:sldMkLst>
-          <pc:docMk/>
-          <pc:sldMk cId="1371726204" sldId="410"/>
-        </pc:sldMkLst>
-        <pc:spChg chg="mod">
-          <ac:chgData name="Osama Salah" userId="59b259a29da0d6d3" providerId="LiveId" clId="{1D7A581C-8F30-FB46-9987-FCB015D7AD58}" dt="2019-09-08T15:26:12.918" v="11" actId="113"/>
-          <ac:spMkLst>
-            <pc:docMk/>
-            <pc:sldMk cId="1371726204" sldId="410"/>
-            <ac:spMk id="2" creationId="{00000000-0000-0000-0000-000000000000}"/>
-          </ac:spMkLst>
-        </pc:spChg>
-        <pc:spChg chg="add mod">
-          <ac:chgData name="Osama Salah" userId="59b259a29da0d6d3" providerId="LiveId" clId="{1D7A581C-8F30-FB46-9987-FCB015D7AD58}" dt="2019-09-08T15:39:16.870" v="57"/>
-          <ac:spMkLst>
-            <pc:docMk/>
-            <pc:sldMk cId="1371726204" sldId="410"/>
-            <ac:spMk id="3" creationId="{48C771DB-2400-9E42-BEBA-F136E749C02F}"/>
-          </ac:spMkLst>
-        </pc:spChg>
-      </pc:sldChg>
-      <pc:sldChg chg="addSp modSp">
-        <pc:chgData name="Osama Salah" userId="59b259a29da0d6d3" providerId="LiveId" clId="{1D7A581C-8F30-FB46-9987-FCB015D7AD58}" dt="2019-09-13T17:43:30.843" v="1409" actId="20577"/>
-        <pc:sldMkLst>
-          <pc:docMk/>
-          <pc:sldMk cId="3680905348" sldId="412"/>
-        </pc:sldMkLst>
-        <pc:spChg chg="mod">
-          <ac:chgData name="Osama Salah" userId="59b259a29da0d6d3" providerId="LiveId" clId="{1D7A581C-8F30-FB46-9987-FCB015D7AD58}" dt="2019-09-08T15:25:21.206" v="4" actId="113"/>
-          <ac:spMkLst>
-            <pc:docMk/>
-            <pc:sldMk cId="3680905348" sldId="412"/>
-            <ac:spMk id="2" creationId="{00000000-0000-0000-0000-000000000000}"/>
-          </ac:spMkLst>
-        </pc:spChg>
-        <pc:spChg chg="add mod">
-          <ac:chgData name="Osama Salah" userId="59b259a29da0d6d3" providerId="LiveId" clId="{1D7A581C-8F30-FB46-9987-FCB015D7AD58}" dt="2019-09-08T15:39:16.870" v="57"/>
-          <ac:spMkLst>
-            <pc:docMk/>
-            <pc:sldMk cId="3680905348" sldId="412"/>
-            <ac:spMk id="3" creationId="{AEBFAE65-CA1E-1A40-BF20-C79226D97C97}"/>
-          </ac:spMkLst>
-        </pc:spChg>
-        <pc:spChg chg="mod">
-          <ac:chgData name="Osama Salah" userId="59b259a29da0d6d3" providerId="LiveId" clId="{1D7A581C-8F30-FB46-9987-FCB015D7AD58}" dt="2019-09-13T17:43:30.843" v="1409" actId="20577"/>
-          <ac:spMkLst>
-            <pc:docMk/>
-            <pc:sldMk cId="3680905348" sldId="412"/>
-            <ac:spMk id="6" creationId="{F3206406-209A-5441-B785-3C67F8E431B8}"/>
-          </ac:spMkLst>
-        </pc:spChg>
-      </pc:sldChg>
-      <pc:sldChg chg="addSp modSp">
-        <pc:chgData name="Osama Salah" userId="59b259a29da0d6d3" providerId="LiveId" clId="{1D7A581C-8F30-FB46-9987-FCB015D7AD58}" dt="2019-09-08T15:39:16.870" v="57"/>
-        <pc:sldMkLst>
-          <pc:docMk/>
-          <pc:sldMk cId="2743270070" sldId="414"/>
-        </pc:sldMkLst>
-        <pc:spChg chg="add mod">
-          <ac:chgData name="Osama Salah" userId="59b259a29da0d6d3" providerId="LiveId" clId="{1D7A581C-8F30-FB46-9987-FCB015D7AD58}" dt="2019-09-08T15:39:16.870" v="57"/>
-          <ac:spMkLst>
-            <pc:docMk/>
-            <pc:sldMk cId="2743270070" sldId="414"/>
-            <ac:spMk id="3" creationId="{606FD29A-B865-5540-9B43-EE3CEBE19551}"/>
-          </ac:spMkLst>
-        </pc:spChg>
-      </pc:sldChg>
-      <pc:sldChg chg="addSp modSp">
-        <pc:chgData name="Osama Salah" userId="59b259a29da0d6d3" providerId="LiveId" clId="{1D7A581C-8F30-FB46-9987-FCB015D7AD58}" dt="2019-09-08T15:39:16.870" v="57"/>
-        <pc:sldMkLst>
-          <pc:docMk/>
-          <pc:sldMk cId="2536077986" sldId="416"/>
-        </pc:sldMkLst>
-        <pc:spChg chg="mod">
-          <ac:chgData name="Osama Salah" userId="59b259a29da0d6d3" providerId="LiveId" clId="{1D7A581C-8F30-FB46-9987-FCB015D7AD58}" dt="2019-09-08T15:27:04.104" v="18" actId="113"/>
-          <ac:spMkLst>
-            <pc:docMk/>
-            <pc:sldMk cId="2536077986" sldId="416"/>
-            <ac:spMk id="2" creationId="{C571B75D-AA7C-8544-9694-76509A492B94}"/>
-          </ac:spMkLst>
-        </pc:spChg>
-        <pc:spChg chg="add mod">
-          <ac:chgData name="Osama Salah" userId="59b259a29da0d6d3" providerId="LiveId" clId="{1D7A581C-8F30-FB46-9987-FCB015D7AD58}" dt="2019-09-08T15:39:16.870" v="57"/>
-          <ac:spMkLst>
-            <pc:docMk/>
-            <pc:sldMk cId="2536077986" sldId="416"/>
-            <ac:spMk id="3" creationId="{807AC99E-0690-C343-87A7-2A1BE1B6F7C1}"/>
-          </ac:spMkLst>
-        </pc:spChg>
-      </pc:sldChg>
-      <pc:sldChg chg="addSp modSp">
-        <pc:chgData name="Osama Salah" userId="59b259a29da0d6d3" providerId="LiveId" clId="{1D7A581C-8F30-FB46-9987-FCB015D7AD58}" dt="2019-09-08T15:39:16.870" v="57"/>
-        <pc:sldMkLst>
-          <pc:docMk/>
-          <pc:sldMk cId="2792626592" sldId="418"/>
-        </pc:sldMkLst>
-        <pc:spChg chg="add mod">
-          <ac:chgData name="Osama Salah" userId="59b259a29da0d6d3" providerId="LiveId" clId="{1D7A581C-8F30-FB46-9987-FCB015D7AD58}" dt="2019-09-08T15:39:16.870" v="57"/>
-          <ac:spMkLst>
-            <pc:docMk/>
-            <pc:sldMk cId="2792626592" sldId="418"/>
-            <ac:spMk id="4" creationId="{3A2341BF-8CCD-1F45-B374-A17AEDE446D2}"/>
-          </ac:spMkLst>
-        </pc:spChg>
-      </pc:sldChg>
-      <pc:sldChg chg="addSp modSp">
-        <pc:chgData name="Osama Salah" userId="59b259a29da0d6d3" providerId="LiveId" clId="{1D7A581C-8F30-FB46-9987-FCB015D7AD58}" dt="2019-09-08T15:39:16.870" v="57"/>
-        <pc:sldMkLst>
-          <pc:docMk/>
-          <pc:sldMk cId="1004412776" sldId="419"/>
-        </pc:sldMkLst>
-        <pc:spChg chg="add mod">
-          <ac:chgData name="Osama Salah" userId="59b259a29da0d6d3" providerId="LiveId" clId="{1D7A581C-8F30-FB46-9987-FCB015D7AD58}" dt="2019-09-08T15:39:16.870" v="57"/>
-          <ac:spMkLst>
-            <pc:docMk/>
-            <pc:sldMk cId="1004412776" sldId="419"/>
-            <ac:spMk id="3" creationId="{F84D5AA4-C53E-484E-929D-5804F675D3E7}"/>
-          </ac:spMkLst>
-        </pc:spChg>
-        <pc:spChg chg="mod">
-          <ac:chgData name="Osama Salah" userId="59b259a29da0d6d3" providerId="LiveId" clId="{1D7A581C-8F30-FB46-9987-FCB015D7AD58}" dt="2019-09-08T15:26:56.199" v="17" actId="20577"/>
-          <ac:spMkLst>
-            <pc:docMk/>
-            <pc:sldMk cId="1004412776" sldId="419"/>
-            <ac:spMk id="9" creationId="{0281EBE6-A888-D24C-A1A7-E52CE839EEA5}"/>
-          </ac:spMkLst>
-        </pc:spChg>
-      </pc:sldChg>
-      <pc:sldChg chg="addSp delSp modSp">
-        <pc:chgData name="Osama Salah" userId="59b259a29da0d6d3" providerId="LiveId" clId="{1D7A581C-8F30-FB46-9987-FCB015D7AD58}" dt="2019-09-11T15:41:01.186" v="835" actId="1076"/>
-        <pc:sldMkLst>
-          <pc:docMk/>
-          <pc:sldMk cId="216029136" sldId="420"/>
-        </pc:sldMkLst>
-        <pc:spChg chg="mod">
-          <ac:chgData name="Osama Salah" userId="59b259a29da0d6d3" providerId="LiveId" clId="{1D7A581C-8F30-FB46-9987-FCB015D7AD58}" dt="2019-09-08T15:27:14.335" v="19" actId="113"/>
-          <ac:spMkLst>
-            <pc:docMk/>
-            <pc:sldMk cId="216029136" sldId="420"/>
-            <ac:spMk id="2" creationId="{DB8841D4-CDB8-0C40-A42E-B3E73632BDBB}"/>
-          </ac:spMkLst>
-        </pc:spChg>
-        <pc:spChg chg="mod">
-          <ac:chgData name="Osama Salah" userId="59b259a29da0d6d3" providerId="LiveId" clId="{1D7A581C-8F30-FB46-9987-FCB015D7AD58}" dt="2019-09-11T15:36:14.455" v="719" actId="14100"/>
-          <ac:spMkLst>
-            <pc:docMk/>
-            <pc:sldMk cId="216029136" sldId="420"/>
-            <ac:spMk id="3" creationId="{9A25DB31-7853-C344-AE1B-0066CDC78042}"/>
-          </ac:spMkLst>
-        </pc:spChg>
-        <pc:spChg chg="add mod">
-          <ac:chgData name="Osama Salah" userId="59b259a29da0d6d3" providerId="LiveId" clId="{1D7A581C-8F30-FB46-9987-FCB015D7AD58}" dt="2019-09-08T15:39:16.870" v="57"/>
-          <ac:spMkLst>
-            <pc:docMk/>
-            <pc:sldMk cId="216029136" sldId="420"/>
-            <ac:spMk id="4" creationId="{340B9F2A-F76C-E64C-9CAE-D839D2D7BAB7}"/>
-          </ac:spMkLst>
-        </pc:spChg>
-        <pc:spChg chg="add del mod">
-          <ac:chgData name="Osama Salah" userId="59b259a29da0d6d3" providerId="LiveId" clId="{1D7A581C-8F30-FB46-9987-FCB015D7AD58}" dt="2019-09-11T15:37:00.875" v="808" actId="478"/>
-          <ac:spMkLst>
-            <pc:docMk/>
-            <pc:sldMk cId="216029136" sldId="420"/>
-            <ac:spMk id="5" creationId="{7E1E6F06-AC91-984A-8E86-6A9C0176C837}"/>
-          </ac:spMkLst>
-        </pc:spChg>
-        <pc:spChg chg="add mod">
-          <ac:chgData name="Osama Salah" userId="59b259a29da0d6d3" providerId="LiveId" clId="{1D7A581C-8F30-FB46-9987-FCB015D7AD58}" dt="2019-09-11T15:37:14.442" v="810" actId="14100"/>
-          <ac:spMkLst>
-            <pc:docMk/>
-            <pc:sldMk cId="216029136" sldId="420"/>
-            <ac:spMk id="6" creationId="{B6450A95-F046-CD44-A07D-6CA76E96ABFE}"/>
-          </ac:spMkLst>
-        </pc:spChg>
-        <pc:spChg chg="add mod">
-          <ac:chgData name="Osama Salah" userId="59b259a29da0d6d3" providerId="LiveId" clId="{1D7A581C-8F30-FB46-9987-FCB015D7AD58}" dt="2019-09-11T15:40:41.106" v="830" actId="12789"/>
-          <ac:spMkLst>
-            <pc:docMk/>
-            <pc:sldMk cId="216029136" sldId="420"/>
-            <ac:spMk id="7" creationId="{250D5176-0163-3347-9A99-A537D734E0C4}"/>
-          </ac:spMkLst>
-        </pc:spChg>
-        <pc:spChg chg="add mod">
-          <ac:chgData name="Osama Salah" userId="59b259a29da0d6d3" providerId="LiveId" clId="{1D7A581C-8F30-FB46-9987-FCB015D7AD58}" dt="2019-09-11T15:36:53.336" v="806" actId="1076"/>
-          <ac:spMkLst>
-            <pc:docMk/>
-            <pc:sldMk cId="216029136" sldId="420"/>
-            <ac:spMk id="8" creationId="{A032393A-7F63-3441-A6E1-0EB6D3433806}"/>
-          </ac:spMkLst>
-        </pc:spChg>
-        <pc:spChg chg="add mod">
-          <ac:chgData name="Osama Salah" userId="59b259a29da0d6d3" providerId="LiveId" clId="{1D7A581C-8F30-FB46-9987-FCB015D7AD58}" dt="2019-09-11T15:40:45.730" v="831" actId="1076"/>
-          <ac:spMkLst>
-            <pc:docMk/>
-            <pc:sldMk cId="216029136" sldId="420"/>
-            <ac:spMk id="10" creationId="{B12328B7-A50E-D64C-824B-50F3061E2B3F}"/>
-          </ac:spMkLst>
-        </pc:spChg>
-        <pc:spChg chg="add mod">
-          <ac:chgData name="Osama Salah" userId="59b259a29da0d6d3" providerId="LiveId" clId="{1D7A581C-8F30-FB46-9987-FCB015D7AD58}" dt="2019-09-11T15:40:56.235" v="834" actId="403"/>
-          <ac:spMkLst>
-            <pc:docMk/>
-            <pc:sldMk cId="216029136" sldId="420"/>
-            <ac:spMk id="11" creationId="{CAD30AB4-6F71-214F-A383-9AEFAE6CAAB9}"/>
-          </ac:spMkLst>
-        </pc:spChg>
-        <pc:spChg chg="add mod">
-          <ac:chgData name="Osama Salah" userId="59b259a29da0d6d3" providerId="LiveId" clId="{1D7A581C-8F30-FB46-9987-FCB015D7AD58}" dt="2019-09-11T15:36:53.336" v="806" actId="1076"/>
-          <ac:spMkLst>
-            <pc:docMk/>
-            <pc:sldMk cId="216029136" sldId="420"/>
-            <ac:spMk id="12" creationId="{12B6C735-03B7-E643-B3B8-660D1B502CEC}"/>
-          </ac:spMkLst>
-        </pc:spChg>
-        <pc:spChg chg="add del mod">
-          <ac:chgData name="Osama Salah" userId="59b259a29da0d6d3" providerId="LiveId" clId="{1D7A581C-8F30-FB46-9987-FCB015D7AD58}" dt="2019-09-11T15:39:22.342" v="818" actId="478"/>
-          <ac:spMkLst>
-            <pc:docMk/>
-            <pc:sldMk cId="216029136" sldId="420"/>
-            <ac:spMk id="19" creationId="{B643DE06-6F10-1A46-9087-01EBBCD14BF3}"/>
-          </ac:spMkLst>
-        </pc:spChg>
-        <pc:grpChg chg="add mod">
-          <ac:chgData name="Osama Salah" userId="59b259a29da0d6d3" providerId="LiveId" clId="{1D7A581C-8F30-FB46-9987-FCB015D7AD58}" dt="2019-09-11T15:40:14.726" v="822" actId="1076"/>
-          <ac:grpSpMkLst>
-            <pc:docMk/>
-            <pc:sldMk cId="216029136" sldId="420"/>
-            <ac:grpSpMk id="13" creationId="{54CDE492-C7A7-3849-A1E4-A6B5A7F98810}"/>
-          </ac:grpSpMkLst>
-        </pc:grpChg>
-        <pc:grpChg chg="add mod">
-          <ac:chgData name="Osama Salah" userId="59b259a29da0d6d3" providerId="LiveId" clId="{1D7A581C-8F30-FB46-9987-FCB015D7AD58}" dt="2019-09-11T15:41:01.186" v="835" actId="1076"/>
-          <ac:grpSpMkLst>
-            <pc:docMk/>
-            <pc:sldMk cId="216029136" sldId="420"/>
-            <ac:grpSpMk id="16" creationId="{97F754CD-CF6A-674F-93FA-B4E5EB21A39A}"/>
-          </ac:grpSpMkLst>
-        </pc:grpChg>
-        <pc:picChg chg="add del mod">
-          <ac:chgData name="Osama Salah" userId="59b259a29da0d6d3" providerId="LiveId" clId="{1D7A581C-8F30-FB46-9987-FCB015D7AD58}" dt="2019-09-11T15:40:48.383" v="832" actId="478"/>
-          <ac:picMkLst>
-            <pc:docMk/>
-            <pc:sldMk cId="216029136" sldId="420"/>
-            <ac:picMk id="9" creationId="{3AC30F08-374B-2249-88C2-6F5F7D849ECB}"/>
-          </ac:picMkLst>
-        </pc:picChg>
-        <pc:picChg chg="add mod">
-          <ac:chgData name="Osama Salah" userId="59b259a29da0d6d3" providerId="LiveId" clId="{1D7A581C-8F30-FB46-9987-FCB015D7AD58}" dt="2019-09-11T15:40:41.106" v="830" actId="12789"/>
-          <ac:picMkLst>
-            <pc:docMk/>
-            <pc:sldMk cId="216029136" sldId="420"/>
-            <ac:picMk id="20" creationId="{FFC5800C-EDA6-0E4B-9E47-C9396DF4FBE5}"/>
-          </ac:picMkLst>
-        </pc:picChg>
-      </pc:sldChg>
-      <pc:sldChg chg="addSp modSp">
-        <pc:chgData name="Osama Salah" userId="59b259a29da0d6d3" providerId="LiveId" clId="{1D7A581C-8F30-FB46-9987-FCB015D7AD58}" dt="2019-09-08T15:39:16.870" v="57"/>
-        <pc:sldMkLst>
-          <pc:docMk/>
-          <pc:sldMk cId="2843842437" sldId="421"/>
-        </pc:sldMkLst>
-        <pc:spChg chg="mod">
-          <ac:chgData name="Osama Salah" userId="59b259a29da0d6d3" providerId="LiveId" clId="{1D7A581C-8F30-FB46-9987-FCB015D7AD58}" dt="2019-09-08T15:30:40.702" v="20" actId="113"/>
-          <ac:spMkLst>
-            <pc:docMk/>
-            <pc:sldMk cId="2843842437" sldId="421"/>
-            <ac:spMk id="2" creationId="{FBB1B1A1-8E4B-EB46-8CBF-9A2EA88FE468}"/>
-          </ac:spMkLst>
-        </pc:spChg>
-        <pc:spChg chg="add mod">
-          <ac:chgData name="Osama Salah" userId="59b259a29da0d6d3" providerId="LiveId" clId="{1D7A581C-8F30-FB46-9987-FCB015D7AD58}" dt="2019-09-08T15:39:16.870" v="57"/>
-          <ac:spMkLst>
-            <pc:docMk/>
-            <pc:sldMk cId="2843842437" sldId="421"/>
-            <ac:spMk id="4" creationId="{7865DD6E-3BB5-9249-8B6A-C0832E327979}"/>
-          </ac:spMkLst>
-        </pc:spChg>
-      </pc:sldChg>
-      <pc:sldChg chg="addSp modSp">
-        <pc:chgData name="Osama Salah" userId="59b259a29da0d6d3" providerId="LiveId" clId="{1D7A581C-8F30-FB46-9987-FCB015D7AD58}" dt="2019-09-08T15:39:16.870" v="57"/>
-        <pc:sldMkLst>
-          <pc:docMk/>
-          <pc:sldMk cId="3533539037" sldId="422"/>
-        </pc:sldMkLst>
-        <pc:spChg chg="mod">
-          <ac:chgData name="Osama Salah" userId="59b259a29da0d6d3" providerId="LiveId" clId="{1D7A581C-8F30-FB46-9987-FCB015D7AD58}" dt="2019-09-08T15:33:03.164" v="27" actId="113"/>
-          <ac:spMkLst>
-            <pc:docMk/>
-            <pc:sldMk cId="3533539037" sldId="422"/>
-            <ac:spMk id="2" creationId="{AF4ADEB1-C2B6-6648-8876-290A9D80A9B4}"/>
-          </ac:spMkLst>
-        </pc:spChg>
-        <pc:spChg chg="add mod">
-          <ac:chgData name="Osama Salah" userId="59b259a29da0d6d3" providerId="LiveId" clId="{1D7A581C-8F30-FB46-9987-FCB015D7AD58}" dt="2019-09-08T15:39:16.870" v="57"/>
-          <ac:spMkLst>
-            <pc:docMk/>
-            <pc:sldMk cId="3533539037" sldId="422"/>
-            <ac:spMk id="4" creationId="{DB50238B-2CE0-DC44-ADE8-8A2BACEB5310}"/>
-          </ac:spMkLst>
-        </pc:spChg>
-      </pc:sldChg>
-      <pc:sldChg chg="addSp modSp">
-        <pc:chgData name="Osama Salah" userId="59b259a29da0d6d3" providerId="LiveId" clId="{1D7A581C-8F30-FB46-9987-FCB015D7AD58}" dt="2019-09-08T15:39:16.870" v="57"/>
-        <pc:sldMkLst>
-          <pc:docMk/>
-          <pc:sldMk cId="2199122540" sldId="423"/>
-        </pc:sldMkLst>
-        <pc:spChg chg="add mod">
-          <ac:chgData name="Osama Salah" userId="59b259a29da0d6d3" providerId="LiveId" clId="{1D7A581C-8F30-FB46-9987-FCB015D7AD58}" dt="2019-09-08T15:39:16.870" v="57"/>
-          <ac:spMkLst>
-            <pc:docMk/>
-            <pc:sldMk cId="2199122540" sldId="423"/>
-            <ac:spMk id="4" creationId="{1D844714-9625-3E4A-B09B-EAFBBD9ABF36}"/>
-          </ac:spMkLst>
-        </pc:spChg>
-      </pc:sldChg>
-      <pc:sldChg chg="addSp modSp">
-        <pc:chgData name="Osama Salah" userId="59b259a29da0d6d3" providerId="LiveId" clId="{1D7A581C-8F30-FB46-9987-FCB015D7AD58}" dt="2019-09-08T15:39:16.870" v="57"/>
-        <pc:sldMkLst>
-          <pc:docMk/>
-          <pc:sldMk cId="1171272523" sldId="424"/>
-        </pc:sldMkLst>
-        <pc:spChg chg="mod">
-          <ac:chgData name="Osama Salah" userId="59b259a29da0d6d3" providerId="LiveId" clId="{1D7A581C-8F30-FB46-9987-FCB015D7AD58}" dt="2019-09-08T15:31:11.348" v="24" actId="113"/>
-          <ac:spMkLst>
-            <pc:docMk/>
-            <pc:sldMk cId="1171272523" sldId="424"/>
-            <ac:spMk id="3" creationId="{E19A086D-144B-FE4E-9298-5E2B0AA41EED}"/>
-          </ac:spMkLst>
-        </pc:spChg>
-        <pc:spChg chg="add mod">
-          <ac:chgData name="Osama Salah" userId="59b259a29da0d6d3" providerId="LiveId" clId="{1D7A581C-8F30-FB46-9987-FCB015D7AD58}" dt="2019-09-08T15:39:16.870" v="57"/>
-          <ac:spMkLst>
-            <pc:docMk/>
-            <pc:sldMk cId="1171272523" sldId="424"/>
-            <ac:spMk id="6" creationId="{CEAA01BC-0992-BA4D-B953-F4D7FC62BB28}"/>
-          </ac:spMkLst>
-        </pc:spChg>
-      </pc:sldChg>
-      <pc:sldChg chg="addSp modSp">
-        <pc:chgData name="Osama Salah" userId="59b259a29da0d6d3" providerId="LiveId" clId="{1D7A581C-8F30-FB46-9987-FCB015D7AD58}" dt="2019-09-08T15:39:16.870" v="57"/>
-        <pc:sldMkLst>
-          <pc:docMk/>
-          <pc:sldMk cId="3997200563" sldId="425"/>
-        </pc:sldMkLst>
-        <pc:spChg chg="add mod">
-          <ac:chgData name="Osama Salah" userId="59b259a29da0d6d3" providerId="LiveId" clId="{1D7A581C-8F30-FB46-9987-FCB015D7AD58}" dt="2019-09-08T15:39:16.870" v="57"/>
-          <ac:spMkLst>
-            <pc:docMk/>
-            <pc:sldMk cId="3997200563" sldId="425"/>
-            <ac:spMk id="49" creationId="{C7633B1C-F0DA-1E43-B41F-4309AEED6CE6}"/>
-          </ac:spMkLst>
-        </pc:spChg>
-      </pc:sldChg>
-      <pc:sldChg chg="addSp modSp">
-        <pc:chgData name="Osama Salah" userId="59b259a29da0d6d3" providerId="LiveId" clId="{1D7A581C-8F30-FB46-9987-FCB015D7AD58}" dt="2019-09-08T15:39:16.870" v="57"/>
-        <pc:sldMkLst>
-          <pc:docMk/>
-          <pc:sldMk cId="742432704" sldId="426"/>
-        </pc:sldMkLst>
-        <pc:spChg chg="mod">
-          <ac:chgData name="Osama Salah" userId="59b259a29da0d6d3" providerId="LiveId" clId="{1D7A581C-8F30-FB46-9987-FCB015D7AD58}" dt="2019-09-08T15:31:24.309" v="25" actId="113"/>
-          <ac:spMkLst>
-            <pc:docMk/>
-            <pc:sldMk cId="742432704" sldId="426"/>
-            <ac:spMk id="2" creationId="{7EFEF843-AEE7-5944-9BCA-329B07D23E1A}"/>
-          </ac:spMkLst>
-        </pc:spChg>
-        <pc:spChg chg="add mod">
-          <ac:chgData name="Osama Salah" userId="59b259a29da0d6d3" providerId="LiveId" clId="{1D7A581C-8F30-FB46-9987-FCB015D7AD58}" dt="2019-09-08T15:39:16.870" v="57"/>
-          <ac:spMkLst>
-            <pc:docMk/>
-            <pc:sldMk cId="742432704" sldId="426"/>
-            <ac:spMk id="4" creationId="{F2E58259-46E9-6747-BDE0-47B16020C37C}"/>
-          </ac:spMkLst>
-        </pc:spChg>
-      </pc:sldChg>
-      <pc:sldChg chg="addSp modSp">
-        <pc:chgData name="Osama Salah" userId="59b259a29da0d6d3" providerId="LiveId" clId="{1D7A581C-8F30-FB46-9987-FCB015D7AD58}" dt="2019-09-08T15:39:16.870" v="57"/>
-        <pc:sldMkLst>
-          <pc:docMk/>
-          <pc:sldMk cId="174635646" sldId="427"/>
-        </pc:sldMkLst>
-        <pc:spChg chg="mod">
-          <ac:chgData name="Osama Salah" userId="59b259a29da0d6d3" providerId="LiveId" clId="{1D7A581C-8F30-FB46-9987-FCB015D7AD58}" dt="2019-09-08T15:32:59.054" v="26" actId="113"/>
-          <ac:spMkLst>
-            <pc:docMk/>
-            <pc:sldMk cId="174635646" sldId="427"/>
-            <ac:spMk id="2" creationId="{C2D3BBA2-20C4-D246-BE00-57C50B08529A}"/>
-          </ac:spMkLst>
-        </pc:spChg>
-        <pc:spChg chg="add mod">
-          <ac:chgData name="Osama Salah" userId="59b259a29da0d6d3" providerId="LiveId" clId="{1D7A581C-8F30-FB46-9987-FCB015D7AD58}" dt="2019-09-08T15:39:16.870" v="57"/>
-          <ac:spMkLst>
-            <pc:docMk/>
-            <pc:sldMk cId="174635646" sldId="427"/>
-            <ac:spMk id="4" creationId="{FA7248EB-519A-EF45-92E6-7CD64DAEE872}"/>
-          </ac:spMkLst>
-        </pc:spChg>
-      </pc:sldChg>
-      <pc:sldChg chg="addSp modSp">
-        <pc:chgData name="Osama Salah" userId="59b259a29da0d6d3" providerId="LiveId" clId="{1D7A581C-8F30-FB46-9987-FCB015D7AD58}" dt="2019-09-08T15:39:16.870" v="57"/>
-        <pc:sldMkLst>
-          <pc:docMk/>
-          <pc:sldMk cId="2373696056" sldId="428"/>
-        </pc:sldMkLst>
-        <pc:spChg chg="add mod">
-          <ac:chgData name="Osama Salah" userId="59b259a29da0d6d3" providerId="LiveId" clId="{1D7A581C-8F30-FB46-9987-FCB015D7AD58}" dt="2019-09-08T15:39:16.870" v="57"/>
-          <ac:spMkLst>
-            <pc:docMk/>
-            <pc:sldMk cId="2373696056" sldId="428"/>
-            <ac:spMk id="4" creationId="{3FE15726-D04D-A74C-BAE2-F7865518E814}"/>
-          </ac:spMkLst>
-        </pc:spChg>
-      </pc:sldChg>
-      <pc:sldChg chg="addSp modSp">
-        <pc:chgData name="Osama Salah" userId="59b259a29da0d6d3" providerId="LiveId" clId="{1D7A581C-8F30-FB46-9987-FCB015D7AD58}" dt="2019-09-08T15:39:16.870" v="57"/>
-        <pc:sldMkLst>
-          <pc:docMk/>
-          <pc:sldMk cId="1837748622" sldId="429"/>
-        </pc:sldMkLst>
-        <pc:spChg chg="mod">
-          <ac:chgData name="Osama Salah" userId="59b259a29da0d6d3" providerId="LiveId" clId="{1D7A581C-8F30-FB46-9987-FCB015D7AD58}" dt="2019-09-08T15:33:38.746" v="28" actId="113"/>
-          <ac:spMkLst>
-            <pc:docMk/>
-            <pc:sldMk cId="1837748622" sldId="429"/>
-            <ac:spMk id="2" creationId="{936E25C4-A717-D148-A181-03A0C38B80A1}"/>
-          </ac:spMkLst>
-        </pc:spChg>
-        <pc:spChg chg="add mod">
-          <ac:chgData name="Osama Salah" userId="59b259a29da0d6d3" providerId="LiveId" clId="{1D7A581C-8F30-FB46-9987-FCB015D7AD58}" dt="2019-09-08T15:39:16.870" v="57"/>
-          <ac:spMkLst>
-            <pc:docMk/>
-            <pc:sldMk cId="1837748622" sldId="429"/>
-            <ac:spMk id="4" creationId="{F1081B1A-A25B-084B-84AF-B43653044FD0}"/>
-          </ac:spMkLst>
-        </pc:spChg>
-      </pc:sldChg>
-      <pc:sldChg chg="addSp modSp">
-        <pc:chgData name="Osama Salah" userId="59b259a29da0d6d3" providerId="LiveId" clId="{1D7A581C-8F30-FB46-9987-FCB015D7AD58}" dt="2019-09-08T15:39:16.870" v="57"/>
-        <pc:sldMkLst>
-          <pc:docMk/>
-          <pc:sldMk cId="3196242396" sldId="431"/>
-        </pc:sldMkLst>
-        <pc:spChg chg="mod">
-          <ac:chgData name="Osama Salah" userId="59b259a29da0d6d3" providerId="LiveId" clId="{1D7A581C-8F30-FB46-9987-FCB015D7AD58}" dt="2019-09-08T15:34:14.448" v="39" actId="20577"/>
-          <ac:spMkLst>
-            <pc:docMk/>
-            <pc:sldMk cId="3196242396" sldId="431"/>
-            <ac:spMk id="3" creationId="{AC46E4D6-C299-4440-8D2A-9F0935D98A1C}"/>
-          </ac:spMkLst>
-        </pc:spChg>
-        <pc:spChg chg="add mod">
-          <ac:chgData name="Osama Salah" userId="59b259a29da0d6d3" providerId="LiveId" clId="{1D7A581C-8F30-FB46-9987-FCB015D7AD58}" dt="2019-09-08T15:39:16.870" v="57"/>
-          <ac:spMkLst>
-            <pc:docMk/>
-            <pc:sldMk cId="3196242396" sldId="431"/>
-            <ac:spMk id="6" creationId="{07E595FB-0AF2-A642-86F5-0B58A697DADE}"/>
-          </ac:spMkLst>
-        </pc:spChg>
-      </pc:sldChg>
-      <pc:sldChg chg="addSp modSp">
-        <pc:chgData name="Osama Salah" userId="59b259a29da0d6d3" providerId="LiveId" clId="{1D7A581C-8F30-FB46-9987-FCB015D7AD58}" dt="2019-09-08T15:39:16.870" v="57"/>
-        <pc:sldMkLst>
-          <pc:docMk/>
-          <pc:sldMk cId="1849101513" sldId="432"/>
-        </pc:sldMkLst>
-        <pc:spChg chg="mod">
-          <ac:chgData name="Osama Salah" userId="59b259a29da0d6d3" providerId="LiveId" clId="{1D7A581C-8F30-FB46-9987-FCB015D7AD58}" dt="2019-09-08T15:34:25.054" v="40" actId="113"/>
-          <ac:spMkLst>
-            <pc:docMk/>
-            <pc:sldMk cId="1849101513" sldId="432"/>
-            <ac:spMk id="2" creationId="{166815C0-EC19-044F-8C55-6660BA8F2EAC}"/>
-          </ac:spMkLst>
-        </pc:spChg>
-        <pc:spChg chg="add mod">
-          <ac:chgData name="Osama Salah" userId="59b259a29da0d6d3" providerId="LiveId" clId="{1D7A581C-8F30-FB46-9987-FCB015D7AD58}" dt="2019-09-08T15:39:16.870" v="57"/>
-          <ac:spMkLst>
-            <pc:docMk/>
-            <pc:sldMk cId="1849101513" sldId="432"/>
-            <ac:spMk id="4" creationId="{15A988B9-7956-4E40-965D-6D9E02CFCCDC}"/>
-          </ac:spMkLst>
-        </pc:spChg>
-      </pc:sldChg>
-      <pc:sldChg chg="addSp modSp">
-        <pc:chgData name="Osama Salah" userId="59b259a29da0d6d3" providerId="LiveId" clId="{1D7A581C-8F30-FB46-9987-FCB015D7AD58}" dt="2019-09-08T15:39:16.870" v="57"/>
-        <pc:sldMkLst>
-          <pc:docMk/>
-          <pc:sldMk cId="164380493" sldId="433"/>
-        </pc:sldMkLst>
-        <pc:spChg chg="add mod">
-          <ac:chgData name="Osama Salah" userId="59b259a29da0d6d3" providerId="LiveId" clId="{1D7A581C-8F30-FB46-9987-FCB015D7AD58}" dt="2019-09-08T15:39:16.870" v="57"/>
-          <ac:spMkLst>
-            <pc:docMk/>
-            <pc:sldMk cId="164380493" sldId="433"/>
-            <ac:spMk id="3" creationId="{9E58D705-EBC0-894E-AD7A-D77B657D1B0B}"/>
-          </ac:spMkLst>
-        </pc:spChg>
-      </pc:sldChg>
-      <pc:sldChg chg="addSp modSp">
-        <pc:chgData name="Osama Salah" userId="59b259a29da0d6d3" providerId="LiveId" clId="{1D7A581C-8F30-FB46-9987-FCB015D7AD58}" dt="2019-09-08T15:39:16.870" v="57"/>
-        <pc:sldMkLst>
-          <pc:docMk/>
-          <pc:sldMk cId="1304391739" sldId="434"/>
-        </pc:sldMkLst>
-        <pc:spChg chg="mod">
-          <ac:chgData name="Osama Salah" userId="59b259a29da0d6d3" providerId="LiveId" clId="{1D7A581C-8F30-FB46-9987-FCB015D7AD58}" dt="2019-09-08T15:34:38.825" v="41" actId="113"/>
-          <ac:spMkLst>
-            <pc:docMk/>
-            <pc:sldMk cId="1304391739" sldId="434"/>
-            <ac:spMk id="2" creationId="{B84A6132-DDFF-494A-8F01-406C7E2E0F32}"/>
-          </ac:spMkLst>
-        </pc:spChg>
-        <pc:spChg chg="add mod">
-          <ac:chgData name="Osama Salah" userId="59b259a29da0d6d3" providerId="LiveId" clId="{1D7A581C-8F30-FB46-9987-FCB015D7AD58}" dt="2019-09-08T15:39:16.870" v="57"/>
-          <ac:spMkLst>
-            <pc:docMk/>
-            <pc:sldMk cId="1304391739" sldId="434"/>
-            <ac:spMk id="4" creationId="{003F0A2D-EAFC-F942-8C01-26CE2D49C02E}"/>
-          </ac:spMkLst>
-        </pc:spChg>
-      </pc:sldChg>
-      <pc:sldChg chg="addSp modSp">
-        <pc:chgData name="Osama Salah" userId="59b259a29da0d6d3" providerId="LiveId" clId="{1D7A581C-8F30-FB46-9987-FCB015D7AD58}" dt="2019-09-08T15:39:16.870" v="57"/>
-        <pc:sldMkLst>
-          <pc:docMk/>
-          <pc:sldMk cId="1102411418" sldId="435"/>
-        </pc:sldMkLst>
-        <pc:spChg chg="mod">
-          <ac:chgData name="Osama Salah" userId="59b259a29da0d6d3" providerId="LiveId" clId="{1D7A581C-8F30-FB46-9987-FCB015D7AD58}" dt="2019-09-08T15:34:51.846" v="42" actId="113"/>
-          <ac:spMkLst>
-            <pc:docMk/>
-            <pc:sldMk cId="1102411418" sldId="435"/>
-            <ac:spMk id="2" creationId="{A4F676C1-1F33-D64F-B70F-E64320B8D546}"/>
-          </ac:spMkLst>
-        </pc:spChg>
-        <pc:spChg chg="add mod">
-          <ac:chgData name="Osama Salah" userId="59b259a29da0d6d3" providerId="LiveId" clId="{1D7A581C-8F30-FB46-9987-FCB015D7AD58}" dt="2019-09-08T15:39:16.870" v="57"/>
-          <ac:spMkLst>
-            <pc:docMk/>
-            <pc:sldMk cId="1102411418" sldId="435"/>
-            <ac:spMk id="3" creationId="{2527C10F-2260-364B-B907-40D5155ACEA8}"/>
-          </ac:spMkLst>
-        </pc:spChg>
-      </pc:sldChg>
-      <pc:sldChg chg="addSp modSp">
-        <pc:chgData name="Osama Salah" userId="59b259a29da0d6d3" providerId="LiveId" clId="{1D7A581C-8F30-FB46-9987-FCB015D7AD58}" dt="2019-09-08T15:39:16.870" v="57"/>
-        <pc:sldMkLst>
-          <pc:docMk/>
-          <pc:sldMk cId="1819276377" sldId="436"/>
-        </pc:sldMkLst>
-        <pc:spChg chg="add mod">
-          <ac:chgData name="Osama Salah" userId="59b259a29da0d6d3" providerId="LiveId" clId="{1D7A581C-8F30-FB46-9987-FCB015D7AD58}" dt="2019-09-08T15:39:16.870" v="57"/>
-          <ac:spMkLst>
-            <pc:docMk/>
-            <pc:sldMk cId="1819276377" sldId="436"/>
-            <ac:spMk id="5" creationId="{4F31AE11-CC3E-5442-98A4-C7B0D794828F}"/>
-          </ac:spMkLst>
-        </pc:spChg>
-      </pc:sldChg>
-      <pc:sldChg chg="addSp modSp">
-        <pc:chgData name="Osama Salah" userId="59b259a29da0d6d3" providerId="LiveId" clId="{1D7A581C-8F30-FB46-9987-FCB015D7AD58}" dt="2019-09-08T15:39:16.870" v="57"/>
-        <pc:sldMkLst>
-          <pc:docMk/>
-          <pc:sldMk cId="2227919922" sldId="437"/>
-        </pc:sldMkLst>
-        <pc:spChg chg="mod">
-          <ac:chgData name="Osama Salah" userId="59b259a29da0d6d3" providerId="LiveId" clId="{1D7A581C-8F30-FB46-9987-FCB015D7AD58}" dt="2019-09-08T15:35:19.687" v="43" actId="113"/>
-          <ac:spMkLst>
-            <pc:docMk/>
-            <pc:sldMk cId="2227919922" sldId="437"/>
-            <ac:spMk id="2" creationId="{80122886-0493-C641-8C56-C00AC9101012}"/>
-          </ac:spMkLst>
-        </pc:spChg>
-        <pc:spChg chg="add mod">
-          <ac:chgData name="Osama Salah" userId="59b259a29da0d6d3" providerId="LiveId" clId="{1D7A581C-8F30-FB46-9987-FCB015D7AD58}" dt="2019-09-08T15:39:16.870" v="57"/>
-          <ac:spMkLst>
-            <pc:docMk/>
-            <pc:sldMk cId="2227919922" sldId="437"/>
-            <ac:spMk id="4" creationId="{155C8883-B410-AE49-B073-8FFDA21EF305}"/>
-          </ac:spMkLst>
-        </pc:spChg>
-      </pc:sldChg>
-      <pc:sldChg chg="addSp modSp">
-        <pc:chgData name="Osama Salah" userId="59b259a29da0d6d3" providerId="LiveId" clId="{1D7A581C-8F30-FB46-9987-FCB015D7AD58}" dt="2019-09-08T15:39:16.870" v="57"/>
-        <pc:sldMkLst>
-          <pc:docMk/>
-          <pc:sldMk cId="3398922051" sldId="438"/>
-        </pc:sldMkLst>
-        <pc:spChg chg="add mod">
-          <ac:chgData name="Osama Salah" userId="59b259a29da0d6d3" providerId="LiveId" clId="{1D7A581C-8F30-FB46-9987-FCB015D7AD58}" dt="2019-09-08T15:39:16.870" v="57"/>
-          <ac:spMkLst>
-            <pc:docMk/>
-            <pc:sldMk cId="3398922051" sldId="438"/>
-            <ac:spMk id="2" creationId="{5CE2C233-82A3-C64C-8954-45ADCF4C28A0}"/>
-          </ac:spMkLst>
-        </pc:spChg>
-      </pc:sldChg>
-      <pc:sldChg chg="addSp modSp">
-        <pc:chgData name="Osama Salah" userId="59b259a29da0d6d3" providerId="LiveId" clId="{1D7A581C-8F30-FB46-9987-FCB015D7AD58}" dt="2019-09-08T15:39:16.870" v="57"/>
-        <pc:sldMkLst>
-          <pc:docMk/>
-          <pc:sldMk cId="1442776861" sldId="439"/>
-        </pc:sldMkLst>
-        <pc:spChg chg="mod">
-          <ac:chgData name="Osama Salah" userId="59b259a29da0d6d3" providerId="LiveId" clId="{1D7A581C-8F30-FB46-9987-FCB015D7AD58}" dt="2019-09-08T15:35:25.417" v="44" actId="113"/>
-          <ac:spMkLst>
-            <pc:docMk/>
-            <pc:sldMk cId="1442776861" sldId="439"/>
-            <ac:spMk id="2" creationId="{ADCC9F59-4F74-2E48-8767-769953A9198A}"/>
-          </ac:spMkLst>
-        </pc:spChg>
-        <pc:spChg chg="add mod">
-          <ac:chgData name="Osama Salah" userId="59b259a29da0d6d3" providerId="LiveId" clId="{1D7A581C-8F30-FB46-9987-FCB015D7AD58}" dt="2019-09-08T15:39:16.870" v="57"/>
-          <ac:spMkLst>
-            <pc:docMk/>
-            <pc:sldMk cId="1442776861" sldId="439"/>
-            <ac:spMk id="4" creationId="{57DA4D9A-AADE-BB41-A546-B99C1BB5D77F}"/>
-          </ac:spMkLst>
-        </pc:spChg>
-      </pc:sldChg>
-      <pc:sldChg chg="addSp modSp">
-        <pc:chgData name="Osama Salah" userId="59b259a29da0d6d3" providerId="LiveId" clId="{1D7A581C-8F30-FB46-9987-FCB015D7AD58}" dt="2019-09-08T15:39:16.870" v="57"/>
-        <pc:sldMkLst>
-          <pc:docMk/>
-          <pc:sldMk cId="2689895875" sldId="440"/>
-        </pc:sldMkLst>
-        <pc:spChg chg="mod">
-          <ac:chgData name="Osama Salah" userId="59b259a29da0d6d3" providerId="LiveId" clId="{1D7A581C-8F30-FB46-9987-FCB015D7AD58}" dt="2019-09-08T15:35:30.158" v="45" actId="113"/>
-          <ac:spMkLst>
-            <pc:docMk/>
-            <pc:sldMk cId="2689895875" sldId="440"/>
-            <ac:spMk id="2" creationId="{B4469995-4A30-504A-8041-5FEC91C21215}"/>
-          </ac:spMkLst>
-        </pc:spChg>
-        <pc:spChg chg="add mod">
-          <ac:chgData name="Osama Salah" userId="59b259a29da0d6d3" providerId="LiveId" clId="{1D7A581C-8F30-FB46-9987-FCB015D7AD58}" dt="2019-09-08T15:39:16.870" v="57"/>
-          <ac:spMkLst>
-            <pc:docMk/>
-            <pc:sldMk cId="2689895875" sldId="440"/>
-            <ac:spMk id="4" creationId="{80C3AD39-1532-7D40-8596-FEE488BA3419}"/>
-          </ac:spMkLst>
-        </pc:spChg>
-      </pc:sldChg>
-      <pc:sldChg chg="addSp modSp">
-        <pc:chgData name="Osama Salah" userId="59b259a29da0d6d3" providerId="LiveId" clId="{1D7A581C-8F30-FB46-9987-FCB015D7AD58}" dt="2019-09-08T15:39:16.870" v="57"/>
-        <pc:sldMkLst>
-          <pc:docMk/>
-          <pc:sldMk cId="1310146789" sldId="441"/>
-        </pc:sldMkLst>
-        <pc:spChg chg="mod">
-          <ac:chgData name="Osama Salah" userId="59b259a29da0d6d3" providerId="LiveId" clId="{1D7A581C-8F30-FB46-9987-FCB015D7AD58}" dt="2019-09-08T15:35:35.378" v="46" actId="113"/>
-          <ac:spMkLst>
-            <pc:docMk/>
-            <pc:sldMk cId="1310146789" sldId="441"/>
-            <ac:spMk id="2" creationId="{E19F66FA-61BB-5B48-AC8F-DA532B8B54AC}"/>
-          </ac:spMkLst>
-        </pc:spChg>
-        <pc:spChg chg="mod">
-          <ac:chgData name="Osama Salah" userId="59b259a29da0d6d3" providerId="LiveId" clId="{1D7A581C-8F30-FB46-9987-FCB015D7AD58}" dt="2019-09-08T15:36:02.755" v="48" actId="20577"/>
-          <ac:spMkLst>
-            <pc:docMk/>
-            <pc:sldMk cId="1310146789" sldId="441"/>
-            <ac:spMk id="3" creationId="{F3731E28-B76D-D142-8F5B-A01842658F2B}"/>
-          </ac:spMkLst>
-        </pc:spChg>
-        <pc:spChg chg="add mod">
-          <ac:chgData name="Osama Salah" userId="59b259a29da0d6d3" providerId="LiveId" clId="{1D7A581C-8F30-FB46-9987-FCB015D7AD58}" dt="2019-09-08T15:39:16.870" v="57"/>
-          <ac:spMkLst>
-            <pc:docMk/>
-            <pc:sldMk cId="1310146789" sldId="441"/>
-            <ac:spMk id="4" creationId="{686D4E62-985A-EF48-9D60-48699E66DF56}"/>
-          </ac:spMkLst>
-        </pc:spChg>
-      </pc:sldChg>
-      <pc:sldChg chg="addSp modSp">
-        <pc:chgData name="Osama Salah" userId="59b259a29da0d6d3" providerId="LiveId" clId="{1D7A581C-8F30-FB46-9987-FCB015D7AD58}" dt="2019-09-08T15:39:16.870" v="57"/>
-        <pc:sldMkLst>
-          <pc:docMk/>
-          <pc:sldMk cId="3697959667" sldId="442"/>
-        </pc:sldMkLst>
-        <pc:spChg chg="mod">
-          <ac:chgData name="Osama Salah" userId="59b259a29da0d6d3" providerId="LiveId" clId="{1D7A581C-8F30-FB46-9987-FCB015D7AD58}" dt="2019-09-08T15:37:11.113" v="50" actId="113"/>
-          <ac:spMkLst>
-            <pc:docMk/>
-            <pc:sldMk cId="3697959667" sldId="442"/>
-            <ac:spMk id="2" creationId="{E19F66FA-61BB-5B48-AC8F-DA532B8B54AC}"/>
-          </ac:spMkLst>
-        </pc:spChg>
-        <pc:spChg chg="add mod">
-          <ac:chgData name="Osama Salah" userId="59b259a29da0d6d3" providerId="LiveId" clId="{1D7A581C-8F30-FB46-9987-FCB015D7AD58}" dt="2019-09-08T15:39:16.870" v="57"/>
-          <ac:spMkLst>
-            <pc:docMk/>
-            <pc:sldMk cId="3697959667" sldId="442"/>
-            <ac:spMk id="3" creationId="{6474E13E-D6A0-E441-9D6C-5244C0C66B00}"/>
-          </ac:spMkLst>
-        </pc:spChg>
-      </pc:sldChg>
-      <pc:sldChg chg="addSp modSp">
-        <pc:chgData name="Osama Salah" userId="59b259a29da0d6d3" providerId="LiveId" clId="{1D7A581C-8F30-FB46-9987-FCB015D7AD58}" dt="2019-09-08T15:39:16.870" v="57"/>
-        <pc:sldMkLst>
-          <pc:docMk/>
-          <pc:sldMk cId="266304072" sldId="443"/>
-        </pc:sldMkLst>
-        <pc:spChg chg="mod">
-          <ac:chgData name="Osama Salah" userId="59b259a29da0d6d3" providerId="LiveId" clId="{1D7A581C-8F30-FB46-9987-FCB015D7AD58}" dt="2019-09-08T15:37:15.719" v="51" actId="113"/>
-          <ac:spMkLst>
-            <pc:docMk/>
-            <pc:sldMk cId="266304072" sldId="443"/>
-            <ac:spMk id="2" creationId="{C08F805D-EA91-9747-812D-BD0B2BCDC5A7}"/>
-          </ac:spMkLst>
-        </pc:spChg>
-        <pc:spChg chg="add mod">
-          <ac:chgData name="Osama Salah" userId="59b259a29da0d6d3" providerId="LiveId" clId="{1D7A581C-8F30-FB46-9987-FCB015D7AD58}" dt="2019-09-08T15:39:16.870" v="57"/>
-          <ac:spMkLst>
-            <pc:docMk/>
-            <pc:sldMk cId="266304072" sldId="443"/>
-            <ac:spMk id="4" creationId="{567EC55C-B928-D541-B5F8-98DCD2BB07FF}"/>
-          </ac:spMkLst>
-        </pc:spChg>
-      </pc:sldChg>
-      <pc:sldChg chg="addSp modSp">
-        <pc:chgData name="Osama Salah" userId="59b259a29da0d6d3" providerId="LiveId" clId="{1D7A581C-8F30-FB46-9987-FCB015D7AD58}" dt="2019-09-08T15:39:16.870" v="57"/>
-        <pc:sldMkLst>
-          <pc:docMk/>
-          <pc:sldMk cId="2202485771" sldId="444"/>
-        </pc:sldMkLst>
-        <pc:spChg chg="mod">
-          <ac:chgData name="Osama Salah" userId="59b259a29da0d6d3" providerId="LiveId" clId="{1D7A581C-8F30-FB46-9987-FCB015D7AD58}" dt="2019-09-08T15:37:20.789" v="52" actId="113"/>
-          <ac:spMkLst>
-            <pc:docMk/>
-            <pc:sldMk cId="2202485771" sldId="444"/>
-            <ac:spMk id="2" creationId="{510446AF-1875-E246-BAFF-A0F64FFC18BA}"/>
-          </ac:spMkLst>
-        </pc:spChg>
-        <pc:spChg chg="mod">
-          <ac:chgData name="Osama Salah" userId="59b259a29da0d6d3" providerId="LiveId" clId="{1D7A581C-8F30-FB46-9987-FCB015D7AD58}" dt="2019-09-08T15:38:23.178" v="54" actId="113"/>
-          <ac:spMkLst>
-            <pc:docMk/>
-            <pc:sldMk cId="2202485771" sldId="444"/>
-            <ac:spMk id="3" creationId="{B8A82E44-856C-BF4D-9D38-7F970FF06F0A}"/>
-          </ac:spMkLst>
-        </pc:spChg>
-        <pc:spChg chg="add mod">
-          <ac:chgData name="Osama Salah" userId="59b259a29da0d6d3" providerId="LiveId" clId="{1D7A581C-8F30-FB46-9987-FCB015D7AD58}" dt="2019-09-08T15:39:16.870" v="57"/>
-          <ac:spMkLst>
-            <pc:docMk/>
-            <pc:sldMk cId="2202485771" sldId="444"/>
-            <ac:spMk id="4" creationId="{EFCD1CA5-E456-514F-8A15-A373D66A8266}"/>
-          </ac:spMkLst>
-        </pc:spChg>
-      </pc:sldChg>
-      <pc:sldChg chg="addSp modSp">
-        <pc:chgData name="Osama Salah" userId="59b259a29da0d6d3" providerId="LiveId" clId="{1D7A581C-8F30-FB46-9987-FCB015D7AD58}" dt="2019-09-08T15:39:16.870" v="57"/>
-        <pc:sldMkLst>
-          <pc:docMk/>
-          <pc:sldMk cId="3182477583" sldId="445"/>
-        </pc:sldMkLst>
-        <pc:spChg chg="mod">
-          <ac:chgData name="Osama Salah" userId="59b259a29da0d6d3" providerId="LiveId" clId="{1D7A581C-8F30-FB46-9987-FCB015D7AD58}" dt="2019-09-08T15:37:07.783" v="49" actId="113"/>
-          <ac:spMkLst>
-            <pc:docMk/>
-            <pc:sldMk cId="3182477583" sldId="445"/>
-            <ac:spMk id="2" creationId="{F83883C2-0DF3-3346-9750-31F56A01F995}"/>
-          </ac:spMkLst>
-        </pc:spChg>
-        <pc:spChg chg="add mod">
-          <ac:chgData name="Osama Salah" userId="59b259a29da0d6d3" providerId="LiveId" clId="{1D7A581C-8F30-FB46-9987-FCB015D7AD58}" dt="2019-09-08T15:39:16.870" v="57"/>
-          <ac:spMkLst>
-            <pc:docMk/>
-            <pc:sldMk cId="3182477583" sldId="445"/>
-            <ac:spMk id="3" creationId="{2FBBE2E1-D680-4B46-ADC8-013740AB28E3}"/>
-          </ac:spMkLst>
-        </pc:spChg>
-      </pc:sldChg>
-      <pc:sldChg chg="addSp delSp modSp">
-        <pc:chgData name="Osama Salah" userId="59b259a29da0d6d3" providerId="LiveId" clId="{1D7A581C-8F30-FB46-9987-FCB015D7AD58}" dt="2019-09-08T15:39:16.870" v="57"/>
-        <pc:sldMkLst>
-          <pc:docMk/>
-          <pc:sldMk cId="1906616323" sldId="446"/>
-        </pc:sldMkLst>
-        <pc:spChg chg="mod">
-          <ac:chgData name="Osama Salah" userId="59b259a29da0d6d3" providerId="LiveId" clId="{1D7A581C-8F30-FB46-9987-FCB015D7AD58}" dt="2019-09-08T15:38:31.593" v="55" actId="113"/>
-          <ac:spMkLst>
-            <pc:docMk/>
-            <pc:sldMk cId="1906616323" sldId="446"/>
-            <ac:spMk id="2" creationId="{44C87EF6-1478-A248-BB3A-D93C0C5EB60F}"/>
-          </ac:spMkLst>
-        </pc:spChg>
-        <pc:spChg chg="add del mod">
-          <ac:chgData name="Osama Salah" userId="59b259a29da0d6d3" providerId="LiveId" clId="{1D7A581C-8F30-FB46-9987-FCB015D7AD58}" dt="2019-09-08T15:39:16.870" v="57"/>
-          <ac:spMkLst>
-            <pc:docMk/>
-            <pc:sldMk cId="1906616323" sldId="446"/>
-            <ac:spMk id="4" creationId="{B3E48240-DCD3-DD4D-9B09-0C99F6478DC8}"/>
-          </ac:spMkLst>
-        </pc:spChg>
-        <pc:spChg chg="add mod">
-          <ac:chgData name="Osama Salah" userId="59b259a29da0d6d3" providerId="LiveId" clId="{1D7A581C-8F30-FB46-9987-FCB015D7AD58}" dt="2019-09-08T15:39:16.870" v="57"/>
-          <ac:spMkLst>
-            <pc:docMk/>
-            <pc:sldMk cId="1906616323" sldId="446"/>
-            <ac:spMk id="5" creationId="{27A8659C-F5DF-504B-B890-B6D916F91C9A}"/>
-          </ac:spMkLst>
-        </pc:spChg>
-      </pc:sldChg>
-      <pc:sldChg chg="addSp modSp add ord setBg">
-        <pc:chgData name="Osama Salah" userId="59b259a29da0d6d3" providerId="LiveId" clId="{1D7A581C-8F30-FB46-9987-FCB015D7AD58}" dt="2019-09-08T15:39:16.870" v="57"/>
-        <pc:sldMkLst>
-          <pc:docMk/>
-          <pc:sldMk cId="2331920567" sldId="447"/>
-        </pc:sldMkLst>
-        <pc:spChg chg="add mod">
-          <ac:chgData name="Osama Salah" userId="59b259a29da0d6d3" providerId="LiveId" clId="{1D7A581C-8F30-FB46-9987-FCB015D7AD58}" dt="2019-09-08T15:39:16.870" v="57"/>
-          <ac:spMkLst>
-            <pc:docMk/>
-            <pc:sldMk cId="2331920567" sldId="447"/>
-            <ac:spMk id="2" creationId="{568E70FD-43CB-8546-846E-0D38F3B52C09}"/>
-          </ac:spMkLst>
-        </pc:spChg>
-      </pc:sldChg>
-      <pc:sldChg chg="addSp delSp modSp modAnim">
-        <pc:chgData name="Osama Salah" userId="59b259a29da0d6d3" providerId="LiveId" clId="{1D7A581C-8F30-FB46-9987-FCB015D7AD58}" dt="2019-09-11T15:29:34.695" v="713" actId="207"/>
-        <pc:sldMkLst>
-          <pc:docMk/>
-          <pc:sldMk cId="2961589733" sldId="448"/>
-        </pc:sldMkLst>
-        <pc:spChg chg="add del mod">
-          <ac:chgData name="Osama Salah" userId="59b259a29da0d6d3" providerId="LiveId" clId="{1D7A581C-8F30-FB46-9987-FCB015D7AD58}" dt="2019-09-11T15:28:20.260" v="703" actId="478"/>
-          <ac:spMkLst>
-            <pc:docMk/>
-            <pc:sldMk cId="2961589733" sldId="448"/>
-            <ac:spMk id="3" creationId="{A4D332C1-BFD2-1F4D-8508-9806DF091F10}"/>
-          </ac:spMkLst>
-        </pc:spChg>
-        <pc:spChg chg="del">
-          <ac:chgData name="Osama Salah" userId="59b259a29da0d6d3" providerId="LiveId" clId="{1D7A581C-8F30-FB46-9987-FCB015D7AD58}" dt="2019-09-11T15:25:42.578" v="679" actId="478"/>
-          <ac:spMkLst>
-            <pc:docMk/>
-            <pc:sldMk cId="2961589733" sldId="448"/>
-            <ac:spMk id="11" creationId="{C21D9E35-DDF6-DA4E-B39E-9A9E720921E5}"/>
-          </ac:spMkLst>
-        </pc:spChg>
-        <pc:spChg chg="del mod">
-          <ac:chgData name="Osama Salah" userId="59b259a29da0d6d3" providerId="LiveId" clId="{1D7A581C-8F30-FB46-9987-FCB015D7AD58}" dt="2019-09-11T15:25:47.933" v="683" actId="478"/>
-          <ac:spMkLst>
-            <pc:docMk/>
-            <pc:sldMk cId="2961589733" sldId="448"/>
-            <ac:spMk id="12" creationId="{2CDEFA77-62FC-4C49-B5CC-5EAD8DDF1996}"/>
-          </ac:spMkLst>
-        </pc:spChg>
-        <pc:spChg chg="del">
-          <ac:chgData name="Osama Salah" userId="59b259a29da0d6d3" providerId="LiveId" clId="{1D7A581C-8F30-FB46-9987-FCB015D7AD58}" dt="2019-09-11T15:25:40.778" v="677" actId="478"/>
-          <ac:spMkLst>
-            <pc:docMk/>
-            <pc:sldMk cId="2961589733" sldId="448"/>
-            <ac:spMk id="13" creationId="{4449DBC3-41A5-C44E-BF9D-CF5806625780}"/>
-          </ac:spMkLst>
-        </pc:spChg>
-        <pc:spChg chg="mod topLvl">
-          <ac:chgData name="Osama Salah" userId="59b259a29da0d6d3" providerId="LiveId" clId="{1D7A581C-8F30-FB46-9987-FCB015D7AD58}" dt="2019-09-11T15:29:26.723" v="712" actId="404"/>
-          <ac:spMkLst>
-            <pc:docMk/>
-            <pc:sldMk cId="2961589733" sldId="448"/>
-            <ac:spMk id="14" creationId="{46A5EB00-33A9-434A-AD75-17FCB7775A44}"/>
-          </ac:spMkLst>
-        </pc:spChg>
-        <pc:spChg chg="mod topLvl">
-          <ac:chgData name="Osama Salah" userId="59b259a29da0d6d3" providerId="LiveId" clId="{1D7A581C-8F30-FB46-9987-FCB015D7AD58}" dt="2019-09-11T15:29:34.695" v="713" actId="207"/>
-          <ac:spMkLst>
-            <pc:docMk/>
-            <pc:sldMk cId="2961589733" sldId="448"/>
-            <ac:spMk id="15" creationId="{725411EB-7604-7043-8628-C26C066D136D}"/>
-          </ac:spMkLst>
-        </pc:spChg>
-        <pc:spChg chg="del">
-          <ac:chgData name="Osama Salah" userId="59b259a29da0d6d3" providerId="LiveId" clId="{1D7A581C-8F30-FB46-9987-FCB015D7AD58}" dt="2019-09-11T15:27:08.770" v="694" actId="478"/>
-          <ac:spMkLst>
-            <pc:docMk/>
-            <pc:sldMk cId="2961589733" sldId="448"/>
-            <ac:spMk id="30" creationId="{0EEBE072-F76B-254D-BFA7-C90A3591C4AC}"/>
-          </ac:spMkLst>
-        </pc:spChg>
-        <pc:grpChg chg="add del mod">
-          <ac:chgData name="Osama Salah" userId="59b259a29da0d6d3" providerId="LiveId" clId="{1D7A581C-8F30-FB46-9987-FCB015D7AD58}" dt="2019-09-11T15:28:06.963" v="699" actId="165"/>
-          <ac:grpSpMkLst>
-            <pc:docMk/>
-            <pc:sldMk cId="2961589733" sldId="448"/>
-            <ac:grpSpMk id="10" creationId="{1A0B07A9-8805-6946-8423-4F08F4E84B0B}"/>
-          </ac:grpSpMkLst>
-        </pc:grpChg>
-        <pc:picChg chg="add mod">
-          <ac:chgData name="Osama Salah" userId="59b259a29da0d6d3" providerId="LiveId" clId="{1D7A581C-8F30-FB46-9987-FCB015D7AD58}" dt="2019-09-11T15:26:29.185" v="689" actId="1076"/>
-          <ac:picMkLst>
-            <pc:docMk/>
-            <pc:sldMk cId="2961589733" sldId="448"/>
-            <ac:picMk id="4" creationId="{C61CBBE5-7F70-534B-AC25-F09D298C9023}"/>
-          </ac:picMkLst>
-        </pc:picChg>
-        <pc:picChg chg="del mod">
-          <ac:chgData name="Osama Salah" userId="59b259a29da0d6d3" providerId="LiveId" clId="{1D7A581C-8F30-FB46-9987-FCB015D7AD58}" dt="2019-09-11T15:26:30.459" v="690" actId="478"/>
-          <ac:picMkLst>
-            <pc:docMk/>
-            <pc:sldMk cId="2961589733" sldId="448"/>
-            <ac:picMk id="9" creationId="{60F3F440-320F-0345-A597-26477993F55D}"/>
-          </ac:picMkLst>
-        </pc:picChg>
-      </pc:sldChg>
-      <pc:sldChg chg="modSp add">
-        <pc:chgData name="Osama Salah" userId="59b259a29da0d6d3" providerId="LiveId" clId="{1D7A581C-8F30-FB46-9987-FCB015D7AD58}" dt="2019-09-13T17:42:56.521" v="1406" actId="14100"/>
-        <pc:sldMkLst>
-          <pc:docMk/>
-          <pc:sldMk cId="1437554970" sldId="449"/>
-        </pc:sldMkLst>
-        <pc:spChg chg="mod">
-          <ac:chgData name="Osama Salah" userId="59b259a29da0d6d3" providerId="LiveId" clId="{1D7A581C-8F30-FB46-9987-FCB015D7AD58}" dt="2019-09-13T17:42:56.521" v="1406" actId="14100"/>
-          <ac:spMkLst>
-            <pc:docMk/>
-            <pc:sldMk cId="1437554970" sldId="449"/>
-            <ac:spMk id="6" creationId="{F3206406-209A-5441-B785-3C67F8E431B8}"/>
-          </ac:spMkLst>
-        </pc:spChg>
-        <pc:picChg chg="mod">
-          <ac:chgData name="Osama Salah" userId="59b259a29da0d6d3" providerId="LiveId" clId="{1D7A581C-8F30-FB46-9987-FCB015D7AD58}" dt="2019-09-13T17:42:46.691" v="1403" actId="14100"/>
-          <ac:picMkLst>
-            <pc:docMk/>
-            <pc:sldMk cId="1437554970" sldId="449"/>
-            <ac:picMk id="4" creationId="{00000000-0000-0000-0000-000000000000}"/>
-          </ac:picMkLst>
-        </pc:picChg>
-      </pc:sldChg>
-      <pc:sldChg chg="modSp add del ord">
-        <pc:chgData name="Osama Salah" userId="59b259a29da0d6d3" providerId="LiveId" clId="{1D7A581C-8F30-FB46-9987-FCB015D7AD58}" dt="2019-09-13T17:55:10.895" v="1664" actId="2696"/>
-        <pc:sldMkLst>
-          <pc:docMk/>
-          <pc:sldMk cId="1749478162" sldId="450"/>
-        </pc:sldMkLst>
-        <pc:spChg chg="mod">
-          <ac:chgData name="Osama Salah" userId="59b259a29da0d6d3" providerId="LiveId" clId="{1D7A581C-8F30-FB46-9987-FCB015D7AD58}" dt="2019-09-13T17:51:59.836" v="1575" actId="12"/>
-          <ac:spMkLst>
-            <pc:docMk/>
-            <pc:sldMk cId="1749478162" sldId="450"/>
-            <ac:spMk id="6" creationId="{F3206406-209A-5441-B785-3C67F8E431B8}"/>
+            <pc:sldMk cId="1120705378" sldId="402"/>
+            <ac:spMk id="3" creationId="{8D3364BB-241A-7E43-A13E-8C8655C73AA5}"/>
           </ac:spMkLst>
         </pc:spChg>
       </pc:sldChg>
@@ -4371,30 +2782,6 @@
     </pc:docChg>
   </pc:docChgLst>
   <pc:docChgLst>
-    <pc:chgData name="Osama Salah" userId="59b259a29da0d6d3" providerId="LiveId" clId="{014CB0EE-7D1D-4E4C-B36A-88435E5F3896}"/>
-    <pc:docChg chg="undo redo custSel mod addSld delSld modSld sldOrd">
-      <pc:chgData name="Osama Salah" userId="59b259a29da0d6d3" providerId="LiveId" clId="{014CB0EE-7D1D-4E4C-B36A-88435E5F3896}" dt="2019-07-24T15:10:57.562" v="15605" actId="20577"/>
-      <pc:docMkLst>
-        <pc:docMk/>
-      </pc:docMkLst>
-      <pc:sldChg chg="modSp">
-        <pc:chgData name="Osama Salah" userId="59b259a29da0d6d3" providerId="LiveId" clId="{014CB0EE-7D1D-4E4C-B36A-88435E5F3896}" dt="2019-07-24T15:02:26.819" v="15409" actId="20577"/>
-        <pc:sldMkLst>
-          <pc:docMk/>
-          <pc:sldMk cId="4039214192" sldId="400"/>
-        </pc:sldMkLst>
-        <pc:spChg chg="mod">
-          <ac:chgData name="Osama Salah" userId="59b259a29da0d6d3" providerId="LiveId" clId="{014CB0EE-7D1D-4E4C-B36A-88435E5F3896}" dt="2019-07-24T15:02:26.819" v="15409" actId="20577"/>
-          <ac:spMkLst>
-            <pc:docMk/>
-            <pc:sldMk cId="4039214192" sldId="400"/>
-            <ac:spMk id="2" creationId="{CA1A2D12-5878-1F4A-9BBE-5A6F88982307}"/>
-          </ac:spMkLst>
-        </pc:spChg>
-      </pc:sldChg>
-    </pc:docChg>
-  </pc:docChgLst>
-  <pc:docChgLst>
     <pc:chgData name="Osama Salah" userId="59b259a29da0d6d3" providerId="LiveId" clId="{4D6FB07C-0E9D-4415-891B-5C6C993B702D}"/>
     <pc:docChg chg="custSel addSld delSld modSld">
       <pc:chgData name="Osama Salah" userId="59b259a29da0d6d3" providerId="LiveId" clId="{4D6FB07C-0E9D-4415-891B-5C6C993B702D}" dt="2019-09-09T10:11:01.219" v="73" actId="113"/>
@@ -4591,20 +2978,1649 @@
     </pc:docChg>
   </pc:docChgLst>
   <pc:docChgLst>
-    <pc:chgData name="Osama Salah" userId="59b259a29da0d6d3" providerId="LiveId" clId="{CAF1F6BF-33F4-7843-AB43-D0001846CA86}"/>
-    <pc:docChg chg="undo custSel addSld delSld modSld sldOrd modMainMaster">
-      <pc:chgData name="Osama Salah" userId="59b259a29da0d6d3" providerId="LiveId" clId="{CAF1F6BF-33F4-7843-AB43-D0001846CA86}" dt="2019-07-02T15:02:47.091" v="24070" actId="478"/>
+    <pc:chgData name="Osama Salah" userId="59b259a29da0d6d3" providerId="LiveId" clId="{1D7A581C-8F30-FB46-9987-FCB015D7AD58}"/>
+    <pc:docChg chg="undo custSel addSld delSld modSld sldOrd">
+      <pc:chgData name="Osama Salah" userId="59b259a29da0d6d3" providerId="LiveId" clId="{1D7A581C-8F30-FB46-9987-FCB015D7AD58}" dt="2019-09-14T11:00:39.213" v="1666" actId="20577"/>
       <pc:docMkLst>
         <pc:docMk/>
       </pc:docMkLst>
-      <pc:sldChg chg="modSp add">
-        <pc:chgData name="Osama Salah" userId="59b259a29da0d6d3" providerId="LiveId" clId="{CAF1F6BF-33F4-7843-AB43-D0001846CA86}" dt="2019-07-02T14:15:14.524" v="22753" actId="20577"/>
+      <pc:sldChg chg="addSp modSp">
+        <pc:chgData name="Osama Salah" userId="59b259a29da0d6d3" providerId="LiveId" clId="{1D7A581C-8F30-FB46-9987-FCB015D7AD58}" dt="2019-09-08T15:39:16.870" v="57"/>
+        <pc:sldMkLst>
+          <pc:docMk/>
+          <pc:sldMk cId="2820000716" sldId="287"/>
+        </pc:sldMkLst>
+        <pc:spChg chg="add mod">
+          <ac:chgData name="Osama Salah" userId="59b259a29da0d6d3" providerId="LiveId" clId="{1D7A581C-8F30-FB46-9987-FCB015D7AD58}" dt="2019-09-08T15:39:16.870" v="57"/>
+          <ac:spMkLst>
+            <pc:docMk/>
+            <pc:sldMk cId="2820000716" sldId="287"/>
+            <ac:spMk id="3" creationId="{C99EDA64-AB3B-9A4B-975A-6AD2AB00AE95}"/>
+          </ac:spMkLst>
+        </pc:spChg>
+      </pc:sldChg>
+      <pc:sldChg chg="addSp modSp">
+        <pc:chgData name="Osama Salah" userId="59b259a29da0d6d3" providerId="LiveId" clId="{1D7A581C-8F30-FB46-9987-FCB015D7AD58}" dt="2019-09-08T15:39:16.870" v="57"/>
+        <pc:sldMkLst>
+          <pc:docMk/>
+          <pc:sldMk cId="1729395636" sldId="288"/>
+        </pc:sldMkLst>
+        <pc:spChg chg="add mod">
+          <ac:chgData name="Osama Salah" userId="59b259a29da0d6d3" providerId="LiveId" clId="{1D7A581C-8F30-FB46-9987-FCB015D7AD58}" dt="2019-09-08T15:39:16.870" v="57"/>
+          <ac:spMkLst>
+            <pc:docMk/>
+            <pc:sldMk cId="1729395636" sldId="288"/>
+            <ac:spMk id="2" creationId="{82357755-0C6B-D04A-B769-AA5F8DAA9CD4}"/>
+          </ac:spMkLst>
+        </pc:spChg>
+      </pc:sldChg>
+      <pc:sldChg chg="addSp delSp modSp delAnim">
+        <pc:chgData name="Osama Salah" userId="59b259a29da0d6d3" providerId="LiveId" clId="{1D7A581C-8F30-FB46-9987-FCB015D7AD58}" dt="2019-09-08T15:39:29.543" v="58" actId="478"/>
+        <pc:sldMkLst>
+          <pc:docMk/>
+          <pc:sldMk cId="275394153" sldId="290"/>
+        </pc:sldMkLst>
+        <pc:spChg chg="mod">
+          <ac:chgData name="Osama Salah" userId="59b259a29da0d6d3" providerId="LiveId" clId="{1D7A581C-8F30-FB46-9987-FCB015D7AD58}" dt="2019-09-08T15:25:30.306" v="6" actId="113"/>
+          <ac:spMkLst>
+            <pc:docMk/>
+            <pc:sldMk cId="275394153" sldId="290"/>
+            <ac:spMk id="2" creationId="{00000000-0000-0000-0000-000000000000}"/>
+          </ac:spMkLst>
+        </pc:spChg>
+        <pc:spChg chg="add mod">
+          <ac:chgData name="Osama Salah" userId="59b259a29da0d6d3" providerId="LiveId" clId="{1D7A581C-8F30-FB46-9987-FCB015D7AD58}" dt="2019-09-08T15:39:16.870" v="57"/>
+          <ac:spMkLst>
+            <pc:docMk/>
+            <pc:sldMk cId="275394153" sldId="290"/>
+            <ac:spMk id="6" creationId="{D44C3920-4C2A-5147-AB13-49C1F3637203}"/>
+          </ac:spMkLst>
+        </pc:spChg>
+        <pc:picChg chg="del">
+          <ac:chgData name="Osama Salah" userId="59b259a29da0d6d3" providerId="LiveId" clId="{1D7A581C-8F30-FB46-9987-FCB015D7AD58}" dt="2019-09-08T15:39:29.543" v="58" actId="478"/>
+          <ac:picMkLst>
+            <pc:docMk/>
+            <pc:sldMk cId="275394153" sldId="290"/>
+            <ac:picMk id="3" creationId="{54E61C9F-6027-3E4E-87A8-9CEABCAEAE01}"/>
+          </ac:picMkLst>
+        </pc:picChg>
+      </pc:sldChg>
+      <pc:sldChg chg="addSp modSp">
+        <pc:chgData name="Osama Salah" userId="59b259a29da0d6d3" providerId="LiveId" clId="{1D7A581C-8F30-FB46-9987-FCB015D7AD58}" dt="2019-09-08T15:39:16.870" v="57"/>
+        <pc:sldMkLst>
+          <pc:docMk/>
+          <pc:sldMk cId="3661600117" sldId="348"/>
+        </pc:sldMkLst>
+        <pc:spChg chg="add mod">
+          <ac:chgData name="Osama Salah" userId="59b259a29da0d6d3" providerId="LiveId" clId="{1D7A581C-8F30-FB46-9987-FCB015D7AD58}" dt="2019-09-08T15:39:16.870" v="57"/>
+          <ac:spMkLst>
+            <pc:docMk/>
+            <pc:sldMk cId="3661600117" sldId="348"/>
+            <ac:spMk id="2" creationId="{0546528A-5904-9C41-BE50-899546B48632}"/>
+          </ac:spMkLst>
+        </pc:spChg>
+      </pc:sldChg>
+      <pc:sldChg chg="addSp modSp modAnim modNotesTx">
+        <pc:chgData name="Osama Salah" userId="59b259a29da0d6d3" providerId="LiveId" clId="{1D7A581C-8F30-FB46-9987-FCB015D7AD58}" dt="2019-09-13T17:55:03.883" v="1663" actId="20577"/>
+        <pc:sldMkLst>
+          <pc:docMk/>
+          <pc:sldMk cId="2875483543" sldId="349"/>
+        </pc:sldMkLst>
+        <pc:spChg chg="mod">
+          <ac:chgData name="Osama Salah" userId="59b259a29da0d6d3" providerId="LiveId" clId="{1D7A581C-8F30-FB46-9987-FCB015D7AD58}" dt="2019-09-08T15:25:17.226" v="3" actId="113"/>
+          <ac:spMkLst>
+            <pc:docMk/>
+            <pc:sldMk cId="2875483543" sldId="349"/>
+            <ac:spMk id="2" creationId="{00DD6CF4-3A56-E242-BE15-EAADAED59D08}"/>
+          </ac:spMkLst>
+        </pc:spChg>
+        <pc:spChg chg="add mod">
+          <ac:chgData name="Osama Salah" userId="59b259a29da0d6d3" providerId="LiveId" clId="{1D7A581C-8F30-FB46-9987-FCB015D7AD58}" dt="2019-09-08T15:39:16.870" v="57"/>
+          <ac:spMkLst>
+            <pc:docMk/>
+            <pc:sldMk cId="2875483543" sldId="349"/>
+            <ac:spMk id="4" creationId="{9F89030C-3D05-7E44-BF61-8A9E0CBD8D5F}"/>
+          </ac:spMkLst>
+        </pc:spChg>
+        <pc:spChg chg="mod">
+          <ac:chgData name="Osama Salah" userId="59b259a29da0d6d3" providerId="LiveId" clId="{1D7A581C-8F30-FB46-9987-FCB015D7AD58}" dt="2019-09-13T17:53:03.092" v="1577" actId="1076"/>
+          <ac:spMkLst>
+            <pc:docMk/>
+            <pc:sldMk cId="2875483543" sldId="349"/>
+            <ac:spMk id="7" creationId="{10752F5A-4324-8440-829C-2C6AD960F199}"/>
+          </ac:spMkLst>
+        </pc:spChg>
+        <pc:spChg chg="mod">
+          <ac:chgData name="Osama Salah" userId="59b259a29da0d6d3" providerId="LiveId" clId="{1D7A581C-8F30-FB46-9987-FCB015D7AD58}" dt="2019-09-13T17:53:03.092" v="1577" actId="1076"/>
+          <ac:spMkLst>
+            <pc:docMk/>
+            <pc:sldMk cId="2875483543" sldId="349"/>
+            <ac:spMk id="8" creationId="{8D928CE5-A1AB-B44F-AD05-7E00605C8125}"/>
+          </ac:spMkLst>
+        </pc:spChg>
+        <pc:spChg chg="add mod">
+          <ac:chgData name="Osama Salah" userId="59b259a29da0d6d3" providerId="LiveId" clId="{1D7A581C-8F30-FB46-9987-FCB015D7AD58}" dt="2019-09-13T17:53:20.786" v="1614" actId="20577"/>
+          <ac:spMkLst>
+            <pc:docMk/>
+            <pc:sldMk cId="2875483543" sldId="349"/>
+            <ac:spMk id="12" creationId="{A846D7E1-D748-DE4B-BD97-0D399485102B}"/>
+          </ac:spMkLst>
+        </pc:spChg>
+      </pc:sldChg>
+      <pc:sldChg chg="addSp modSp">
+        <pc:chgData name="Osama Salah" userId="59b259a29da0d6d3" providerId="LiveId" clId="{1D7A581C-8F30-FB46-9987-FCB015D7AD58}" dt="2019-09-08T15:39:16.870" v="57"/>
+        <pc:sldMkLst>
+          <pc:docMk/>
+          <pc:sldMk cId="4114150570" sldId="355"/>
+        </pc:sldMkLst>
+        <pc:spChg chg="add mod">
+          <ac:chgData name="Osama Salah" userId="59b259a29da0d6d3" providerId="LiveId" clId="{1D7A581C-8F30-FB46-9987-FCB015D7AD58}" dt="2019-09-08T15:39:16.870" v="57"/>
+          <ac:spMkLst>
+            <pc:docMk/>
+            <pc:sldMk cId="4114150570" sldId="355"/>
+            <ac:spMk id="3" creationId="{CC7F3AA0-8E42-5742-A443-88FD5AD8E7EC}"/>
+          </ac:spMkLst>
+        </pc:spChg>
+      </pc:sldChg>
+      <pc:sldChg chg="addSp modSp">
+        <pc:chgData name="Osama Salah" userId="59b259a29da0d6d3" providerId="LiveId" clId="{1D7A581C-8F30-FB46-9987-FCB015D7AD58}" dt="2019-09-08T15:39:16.870" v="57"/>
+        <pc:sldMkLst>
+          <pc:docMk/>
+          <pc:sldMk cId="3113223235" sldId="357"/>
+        </pc:sldMkLst>
+        <pc:spChg chg="add mod">
+          <ac:chgData name="Osama Salah" userId="59b259a29da0d6d3" providerId="LiveId" clId="{1D7A581C-8F30-FB46-9987-FCB015D7AD58}" dt="2019-09-08T15:39:16.870" v="57"/>
+          <ac:spMkLst>
+            <pc:docMk/>
+            <pc:sldMk cId="3113223235" sldId="357"/>
+            <ac:spMk id="2" creationId="{0F3749BE-81CF-D540-ADDF-4B3B9D419F0A}"/>
+          </ac:spMkLst>
+        </pc:spChg>
+      </pc:sldChg>
+      <pc:sldChg chg="addSp modSp">
+        <pc:chgData name="Osama Salah" userId="59b259a29da0d6d3" providerId="LiveId" clId="{1D7A581C-8F30-FB46-9987-FCB015D7AD58}" dt="2019-09-08T15:39:16.870" v="57"/>
+        <pc:sldMkLst>
+          <pc:docMk/>
+          <pc:sldMk cId="263255126" sldId="366"/>
+        </pc:sldMkLst>
+        <pc:spChg chg="add mod">
+          <ac:chgData name="Osama Salah" userId="59b259a29da0d6d3" providerId="LiveId" clId="{1D7A581C-8F30-FB46-9987-FCB015D7AD58}" dt="2019-09-08T15:39:16.870" v="57"/>
+          <ac:spMkLst>
+            <pc:docMk/>
+            <pc:sldMk cId="263255126" sldId="366"/>
+            <ac:spMk id="3" creationId="{1F073988-F048-594D-9951-DC1577DBCCC1}"/>
+          </ac:spMkLst>
+        </pc:spChg>
+      </pc:sldChg>
+      <pc:sldChg chg="addSp modSp">
+        <pc:chgData name="Osama Salah" userId="59b259a29da0d6d3" providerId="LiveId" clId="{1D7A581C-8F30-FB46-9987-FCB015D7AD58}" dt="2019-09-08T15:39:16.870" v="57"/>
+        <pc:sldMkLst>
+          <pc:docMk/>
+          <pc:sldMk cId="3020189629" sldId="367"/>
+        </pc:sldMkLst>
+        <pc:spChg chg="add mod">
+          <ac:chgData name="Osama Salah" userId="59b259a29da0d6d3" providerId="LiveId" clId="{1D7A581C-8F30-FB46-9987-FCB015D7AD58}" dt="2019-09-08T15:39:16.870" v="57"/>
+          <ac:spMkLst>
+            <pc:docMk/>
+            <pc:sldMk cId="3020189629" sldId="367"/>
+            <ac:spMk id="3" creationId="{0D5FBCD9-8732-8849-975F-7EFB6EDC9E2F}"/>
+          </ac:spMkLst>
+        </pc:spChg>
+      </pc:sldChg>
+      <pc:sldChg chg="addSp modSp">
+        <pc:chgData name="Osama Salah" userId="59b259a29da0d6d3" providerId="LiveId" clId="{1D7A581C-8F30-FB46-9987-FCB015D7AD58}" dt="2019-09-14T11:00:39.213" v="1666" actId="20577"/>
         <pc:sldMkLst>
           <pc:docMk/>
           <pc:sldMk cId="4039214192" sldId="400"/>
         </pc:sldMkLst>
         <pc:spChg chg="mod">
-          <ac:chgData name="Osama Salah" userId="59b259a29da0d6d3" providerId="LiveId" clId="{CAF1F6BF-33F4-7843-AB43-D0001846CA86}" dt="2019-07-02T14:15:14.524" v="22753" actId="20577"/>
+          <ac:chgData name="Osama Salah" userId="59b259a29da0d6d3" providerId="LiveId" clId="{1D7A581C-8F30-FB46-9987-FCB015D7AD58}" dt="2019-09-14T11:00:39.213" v="1666" actId="20577"/>
+          <ac:spMkLst>
+            <pc:docMk/>
+            <pc:sldMk cId="4039214192" sldId="400"/>
+            <ac:spMk id="2" creationId="{CA1A2D12-5878-1F4A-9BBE-5A6F88982307}"/>
+          </ac:spMkLst>
+        </pc:spChg>
+        <pc:spChg chg="add mod">
+          <ac:chgData name="Osama Salah" userId="59b259a29da0d6d3" providerId="LiveId" clId="{1D7A581C-8F30-FB46-9987-FCB015D7AD58}" dt="2019-09-08T15:39:16.870" v="57"/>
+          <ac:spMkLst>
+            <pc:docMk/>
+            <pc:sldMk cId="4039214192" sldId="400"/>
+            <ac:spMk id="3" creationId="{1A985EB2-2E1C-434F-AB40-6A8BD1C740CD}"/>
+          </ac:spMkLst>
+        </pc:spChg>
+      </pc:sldChg>
+      <pc:sldChg chg="addSp modSp">
+        <pc:chgData name="Osama Salah" userId="59b259a29da0d6d3" providerId="LiveId" clId="{1D7A581C-8F30-FB46-9987-FCB015D7AD58}" dt="2019-09-08T15:39:16.870" v="57"/>
+        <pc:sldMkLst>
+          <pc:docMk/>
+          <pc:sldMk cId="3494242153" sldId="401"/>
+        </pc:sldMkLst>
+        <pc:spChg chg="add mod">
+          <ac:chgData name="Osama Salah" userId="59b259a29da0d6d3" providerId="LiveId" clId="{1D7A581C-8F30-FB46-9987-FCB015D7AD58}" dt="2019-09-08T15:39:16.870" v="57"/>
+          <ac:spMkLst>
+            <pc:docMk/>
+            <pc:sldMk cId="3494242153" sldId="401"/>
+            <ac:spMk id="2" creationId="{6ADBAFC6-F53D-D948-AE16-748CC887C463}"/>
+          </ac:spMkLst>
+        </pc:spChg>
+      </pc:sldChg>
+      <pc:sldChg chg="addSp modSp">
+        <pc:chgData name="Osama Salah" userId="59b259a29da0d6d3" providerId="LiveId" clId="{1D7A581C-8F30-FB46-9987-FCB015D7AD58}" dt="2019-09-08T15:39:16.870" v="57"/>
+        <pc:sldMkLst>
+          <pc:docMk/>
+          <pc:sldMk cId="1120705378" sldId="402"/>
+        </pc:sldMkLst>
+        <pc:spChg chg="add mod">
+          <ac:chgData name="Osama Salah" userId="59b259a29da0d6d3" providerId="LiveId" clId="{1D7A581C-8F30-FB46-9987-FCB015D7AD58}" dt="2019-09-08T15:39:16.870" v="57"/>
+          <ac:spMkLst>
+            <pc:docMk/>
+            <pc:sldMk cId="1120705378" sldId="402"/>
+            <ac:spMk id="4" creationId="{8FC3F400-45C9-0C4F-BA4F-A752342C910C}"/>
+          </ac:spMkLst>
+        </pc:spChg>
+      </pc:sldChg>
+      <pc:sldChg chg="addSp modSp">
+        <pc:chgData name="Osama Salah" userId="59b259a29da0d6d3" providerId="LiveId" clId="{1D7A581C-8F30-FB46-9987-FCB015D7AD58}" dt="2019-09-08T15:39:16.870" v="57"/>
+        <pc:sldMkLst>
+          <pc:docMk/>
+          <pc:sldMk cId="1481133437" sldId="403"/>
+        </pc:sldMkLst>
+        <pc:spChg chg="add mod">
+          <ac:chgData name="Osama Salah" userId="59b259a29da0d6d3" providerId="LiveId" clId="{1D7A581C-8F30-FB46-9987-FCB015D7AD58}" dt="2019-09-08T15:39:16.870" v="57"/>
+          <ac:spMkLst>
+            <pc:docMk/>
+            <pc:sldMk cId="1481133437" sldId="403"/>
+            <ac:spMk id="4" creationId="{99F217A6-12ED-1B4C-8D33-1CF9B3FB6BF9}"/>
+          </ac:spMkLst>
+        </pc:spChg>
+      </pc:sldChg>
+      <pc:sldChg chg="addSp modSp">
+        <pc:chgData name="Osama Salah" userId="59b259a29da0d6d3" providerId="LiveId" clId="{1D7A581C-8F30-FB46-9987-FCB015D7AD58}" dt="2019-09-08T15:39:16.870" v="57"/>
+        <pc:sldMkLst>
+          <pc:docMk/>
+          <pc:sldMk cId="1994306260" sldId="404"/>
+        </pc:sldMkLst>
+        <pc:spChg chg="mod">
+          <ac:chgData name="Osama Salah" userId="59b259a29da0d6d3" providerId="LiveId" clId="{1D7A581C-8F30-FB46-9987-FCB015D7AD58}" dt="2019-09-08T15:25:47.338" v="9" actId="113"/>
+          <ac:spMkLst>
+            <pc:docMk/>
+            <pc:sldMk cId="1994306260" sldId="404"/>
+            <ac:spMk id="2" creationId="{C3D580CB-0FDA-D047-8073-C55D878816E9}"/>
+          </ac:spMkLst>
+        </pc:spChg>
+        <pc:spChg chg="mod">
+          <ac:chgData name="Osama Salah" userId="59b259a29da0d6d3" providerId="LiveId" clId="{1D7A581C-8F30-FB46-9987-FCB015D7AD58}" dt="2019-09-08T15:26:00.036" v="10" actId="20577"/>
+          <ac:spMkLst>
+            <pc:docMk/>
+            <pc:sldMk cId="1994306260" sldId="404"/>
+            <ac:spMk id="3" creationId="{CC10D95C-6F70-5744-ADD5-0022114DCB9B}"/>
+          </ac:spMkLst>
+        </pc:spChg>
+        <pc:spChg chg="add mod">
+          <ac:chgData name="Osama Salah" userId="59b259a29da0d6d3" providerId="LiveId" clId="{1D7A581C-8F30-FB46-9987-FCB015D7AD58}" dt="2019-09-08T15:39:16.870" v="57"/>
+          <ac:spMkLst>
+            <pc:docMk/>
+            <pc:sldMk cId="1994306260" sldId="404"/>
+            <ac:spMk id="4" creationId="{7A3CF95C-C646-5847-8600-9292FCFD1650}"/>
+          </ac:spMkLst>
+        </pc:spChg>
+      </pc:sldChg>
+      <pc:sldChg chg="addSp modSp">
+        <pc:chgData name="Osama Salah" userId="59b259a29da0d6d3" providerId="LiveId" clId="{1D7A581C-8F30-FB46-9987-FCB015D7AD58}" dt="2019-09-08T15:39:16.870" v="57"/>
+        <pc:sldMkLst>
+          <pc:docMk/>
+          <pc:sldMk cId="571071173" sldId="406"/>
+        </pc:sldMkLst>
+        <pc:spChg chg="mod">
+          <ac:chgData name="Osama Salah" userId="59b259a29da0d6d3" providerId="LiveId" clId="{1D7A581C-8F30-FB46-9987-FCB015D7AD58}" dt="2019-09-08T15:25:42.634" v="8" actId="113"/>
+          <ac:spMkLst>
+            <pc:docMk/>
+            <pc:sldMk cId="571071173" sldId="406"/>
+            <ac:spMk id="2" creationId="{6813FDB8-4F82-DE4D-B4EE-DD87BEEAE557}"/>
+          </ac:spMkLst>
+        </pc:spChg>
+        <pc:spChg chg="add mod">
+          <ac:chgData name="Osama Salah" userId="59b259a29da0d6d3" providerId="LiveId" clId="{1D7A581C-8F30-FB46-9987-FCB015D7AD58}" dt="2019-09-08T15:39:16.870" v="57"/>
+          <ac:spMkLst>
+            <pc:docMk/>
+            <pc:sldMk cId="571071173" sldId="406"/>
+            <ac:spMk id="4" creationId="{3857CB36-AAB9-3246-A77C-C1638A1B2DBF}"/>
+          </ac:spMkLst>
+        </pc:spChg>
+      </pc:sldChg>
+      <pc:sldChg chg="addSp modSp">
+        <pc:chgData name="Osama Salah" userId="59b259a29da0d6d3" providerId="LiveId" clId="{1D7A581C-8F30-FB46-9987-FCB015D7AD58}" dt="2019-09-08T15:39:16.870" v="57"/>
+        <pc:sldMkLst>
+          <pc:docMk/>
+          <pc:sldMk cId="22172807" sldId="407"/>
+        </pc:sldMkLst>
+        <pc:spChg chg="mod">
+          <ac:chgData name="Osama Salah" userId="59b259a29da0d6d3" providerId="LiveId" clId="{1D7A581C-8F30-FB46-9987-FCB015D7AD58}" dt="2019-09-08T15:25:34.746" v="7" actId="113"/>
+          <ac:spMkLst>
+            <pc:docMk/>
+            <pc:sldMk cId="22172807" sldId="407"/>
+            <ac:spMk id="2" creationId="{A4D504D0-F80E-4D4E-91EF-D7BC2CC17D09}"/>
+          </ac:spMkLst>
+        </pc:spChg>
+        <pc:spChg chg="add mod">
+          <ac:chgData name="Osama Salah" userId="59b259a29da0d6d3" providerId="LiveId" clId="{1D7A581C-8F30-FB46-9987-FCB015D7AD58}" dt="2019-09-08T15:39:16.870" v="57"/>
+          <ac:spMkLst>
+            <pc:docMk/>
+            <pc:sldMk cId="22172807" sldId="407"/>
+            <ac:spMk id="4" creationId="{69D791E2-1371-8E45-92A3-85DDD7CB3A58}"/>
+          </ac:spMkLst>
+        </pc:spChg>
+      </pc:sldChg>
+      <pc:sldChg chg="addSp modSp">
+        <pc:chgData name="Osama Salah" userId="59b259a29da0d6d3" providerId="LiveId" clId="{1D7A581C-8F30-FB46-9987-FCB015D7AD58}" dt="2019-09-08T15:39:16.870" v="57"/>
+        <pc:sldMkLst>
+          <pc:docMk/>
+          <pc:sldMk cId="2895425251" sldId="408"/>
+        </pc:sldMkLst>
+        <pc:spChg chg="mod">
+          <ac:chgData name="Osama Salah" userId="59b259a29da0d6d3" providerId="LiveId" clId="{1D7A581C-8F30-FB46-9987-FCB015D7AD58}" dt="2019-09-08T15:26:24.334" v="12" actId="113"/>
+          <ac:spMkLst>
+            <pc:docMk/>
+            <pc:sldMk cId="2895425251" sldId="408"/>
+            <ac:spMk id="2" creationId="{A7A9C3FB-D3BA-7243-9775-0EB8DC5F4529}"/>
+          </ac:spMkLst>
+        </pc:spChg>
+        <pc:spChg chg="add mod">
+          <ac:chgData name="Osama Salah" userId="59b259a29da0d6d3" providerId="LiveId" clId="{1D7A581C-8F30-FB46-9987-FCB015D7AD58}" dt="2019-09-08T15:39:16.870" v="57"/>
+          <ac:spMkLst>
+            <pc:docMk/>
+            <pc:sldMk cId="2895425251" sldId="408"/>
+            <ac:spMk id="4" creationId="{6AF9C778-3726-6745-83EF-6D611E84AD1F}"/>
+          </ac:spMkLst>
+        </pc:spChg>
+      </pc:sldChg>
+      <pc:sldChg chg="addSp delSp modSp modNotesTx">
+        <pc:chgData name="Osama Salah" userId="59b259a29da0d6d3" providerId="LiveId" clId="{1D7A581C-8F30-FB46-9987-FCB015D7AD58}" dt="2019-09-13T17:41:50.927" v="1399" actId="20577"/>
+        <pc:sldMkLst>
+          <pc:docMk/>
+          <pc:sldMk cId="1331423559" sldId="409"/>
+        </pc:sldMkLst>
+        <pc:spChg chg="del mod">
+          <ac:chgData name="Osama Salah" userId="59b259a29da0d6d3" providerId="LiveId" clId="{1D7A581C-8F30-FB46-9987-FCB015D7AD58}" dt="2019-09-11T15:16:04.397" v="89" actId="478"/>
+          <ac:spMkLst>
+            <pc:docMk/>
+            <pc:sldMk cId="1331423559" sldId="409"/>
+            <ac:spMk id="2" creationId="{00000000-0000-0000-0000-000000000000}"/>
+          </ac:spMkLst>
+        </pc:spChg>
+        <pc:spChg chg="add mod">
+          <ac:chgData name="Osama Salah" userId="59b259a29da0d6d3" providerId="LiveId" clId="{1D7A581C-8F30-FB46-9987-FCB015D7AD58}" dt="2019-09-08T15:39:16.870" v="57"/>
+          <ac:spMkLst>
+            <pc:docMk/>
+            <pc:sldMk cId="1331423559" sldId="409"/>
+            <ac:spMk id="3" creationId="{2736ADA5-CFCB-1248-876C-C453451FC8DF}"/>
+          </ac:spMkLst>
+        </pc:spChg>
+        <pc:spChg chg="del mod">
+          <ac:chgData name="Osama Salah" userId="59b259a29da0d6d3" providerId="LiveId" clId="{1D7A581C-8F30-FB46-9987-FCB015D7AD58}" dt="2019-09-11T15:14:04.347" v="65"/>
+          <ac:spMkLst>
+            <pc:docMk/>
+            <pc:sldMk cId="1331423559" sldId="409"/>
+            <ac:spMk id="6" creationId="{F3206406-209A-5441-B785-3C67F8E431B8}"/>
+          </ac:spMkLst>
+        </pc:spChg>
+        <pc:spChg chg="add del">
+          <ac:chgData name="Osama Salah" userId="59b259a29da0d6d3" providerId="LiveId" clId="{1D7A581C-8F30-FB46-9987-FCB015D7AD58}" dt="2019-09-11T15:14:24.703" v="70" actId="478"/>
+          <ac:spMkLst>
+            <pc:docMk/>
+            <pc:sldMk cId="1331423559" sldId="409"/>
+            <ac:spMk id="7" creationId="{A2675AF8-4C39-684C-905E-5057A365CDDB}"/>
+          </ac:spMkLst>
+        </pc:spChg>
+        <pc:spChg chg="add mod">
+          <ac:chgData name="Osama Salah" userId="59b259a29da0d6d3" providerId="LiveId" clId="{1D7A581C-8F30-FB46-9987-FCB015D7AD58}" dt="2019-09-11T15:14:45.310" v="73" actId="1076"/>
+          <ac:spMkLst>
+            <pc:docMk/>
+            <pc:sldMk cId="1331423559" sldId="409"/>
+            <ac:spMk id="9" creationId="{232B5E20-9278-784D-B60B-332C9C18EA0D}"/>
+          </ac:spMkLst>
+        </pc:spChg>
+        <pc:spChg chg="add mod">
+          <ac:chgData name="Osama Salah" userId="59b259a29da0d6d3" providerId="LiveId" clId="{1D7A581C-8F30-FB46-9987-FCB015D7AD58}" dt="2019-09-11T15:15:20.289" v="82" actId="1076"/>
+          <ac:spMkLst>
+            <pc:docMk/>
+            <pc:sldMk cId="1331423559" sldId="409"/>
+            <ac:spMk id="10" creationId="{91C5706F-AF3B-0649-9232-E8CB1DC1F84E}"/>
+          </ac:spMkLst>
+        </pc:spChg>
+        <pc:spChg chg="add mod">
+          <ac:chgData name="Osama Salah" userId="59b259a29da0d6d3" providerId="LiveId" clId="{1D7A581C-8F30-FB46-9987-FCB015D7AD58}" dt="2019-09-11T15:15:23.897" v="83" actId="1076"/>
+          <ac:spMkLst>
+            <pc:docMk/>
+            <pc:sldMk cId="1331423559" sldId="409"/>
+            <ac:spMk id="11" creationId="{DC5301D1-1880-0548-A915-A57EA7D92AF6}"/>
+          </ac:spMkLst>
+        </pc:spChg>
+        <pc:spChg chg="add mod">
+          <ac:chgData name="Osama Salah" userId="59b259a29da0d6d3" providerId="LiveId" clId="{1D7A581C-8F30-FB46-9987-FCB015D7AD58}" dt="2019-09-11T15:15:57.197" v="87" actId="1076"/>
+          <ac:spMkLst>
+            <pc:docMk/>
+            <pc:sldMk cId="1331423559" sldId="409"/>
+            <ac:spMk id="21" creationId="{4C253C75-FE34-5D46-BC11-ABE5893BF9AC}"/>
+          </ac:spMkLst>
+        </pc:spChg>
+        <pc:spChg chg="add mod">
+          <ac:chgData name="Osama Salah" userId="59b259a29da0d6d3" providerId="LiveId" clId="{1D7A581C-8F30-FB46-9987-FCB015D7AD58}" dt="2019-09-11T15:17:45.320" v="150" actId="1076"/>
+          <ac:spMkLst>
+            <pc:docMk/>
+            <pc:sldMk cId="1331423559" sldId="409"/>
+            <ac:spMk id="22" creationId="{B1143FB1-F93A-1A4C-96E7-6E84BBD459C8}"/>
+          </ac:spMkLst>
+        </pc:spChg>
+        <pc:spChg chg="add mod">
+          <ac:chgData name="Osama Salah" userId="59b259a29da0d6d3" providerId="LiveId" clId="{1D7A581C-8F30-FB46-9987-FCB015D7AD58}" dt="2019-09-11T15:14:38.610" v="72" actId="1076"/>
+          <ac:spMkLst>
+            <pc:docMk/>
+            <pc:sldMk cId="1331423559" sldId="409"/>
+            <ac:spMk id="24" creationId="{1292175F-AB97-D645-AB67-0D87648A9DA7}"/>
+          </ac:spMkLst>
+        </pc:spChg>
+        <pc:spChg chg="add mod">
+          <ac:chgData name="Osama Salah" userId="59b259a29da0d6d3" providerId="LiveId" clId="{1D7A581C-8F30-FB46-9987-FCB015D7AD58}" dt="2019-09-11T15:14:38.610" v="72" actId="1076"/>
+          <ac:spMkLst>
+            <pc:docMk/>
+            <pc:sldMk cId="1331423559" sldId="409"/>
+            <ac:spMk id="25" creationId="{1838EDD2-F203-E247-B682-9780EADFECE1}"/>
+          </ac:spMkLst>
+        </pc:spChg>
+        <pc:spChg chg="add mod">
+          <ac:chgData name="Osama Salah" userId="59b259a29da0d6d3" providerId="LiveId" clId="{1D7A581C-8F30-FB46-9987-FCB015D7AD58}" dt="2019-09-11T15:14:38.610" v="72" actId="1076"/>
+          <ac:spMkLst>
+            <pc:docMk/>
+            <pc:sldMk cId="1331423559" sldId="409"/>
+            <ac:spMk id="26" creationId="{BA31D4FC-5F50-354D-8AFA-277CD6CED5FD}"/>
+          </ac:spMkLst>
+        </pc:spChg>
+        <pc:spChg chg="add mod">
+          <ac:chgData name="Osama Salah" userId="59b259a29da0d6d3" providerId="LiveId" clId="{1D7A581C-8F30-FB46-9987-FCB015D7AD58}" dt="2019-09-11T15:14:38.610" v="72" actId="1076"/>
+          <ac:spMkLst>
+            <pc:docMk/>
+            <pc:sldMk cId="1331423559" sldId="409"/>
+            <ac:spMk id="27" creationId="{B506F8AE-6E67-D245-A6BE-10177639DECF}"/>
+          </ac:spMkLst>
+        </pc:spChg>
+        <pc:spChg chg="add mod">
+          <ac:chgData name="Osama Salah" userId="59b259a29da0d6d3" providerId="LiveId" clId="{1D7A581C-8F30-FB46-9987-FCB015D7AD58}" dt="2019-09-11T15:17:49.056" v="151" actId="1076"/>
+          <ac:spMkLst>
+            <pc:docMk/>
+            <pc:sldMk cId="1331423559" sldId="409"/>
+            <ac:spMk id="28" creationId="{FF8B9FD7-9336-9447-ACD9-5D025A7D9E50}"/>
+          </ac:spMkLst>
+        </pc:spChg>
+        <pc:spChg chg="add mod">
+          <ac:chgData name="Osama Salah" userId="59b259a29da0d6d3" providerId="LiveId" clId="{1D7A581C-8F30-FB46-9987-FCB015D7AD58}" dt="2019-09-11T15:14:45.310" v="73" actId="1076"/>
+          <ac:spMkLst>
+            <pc:docMk/>
+            <pc:sldMk cId="1331423559" sldId="409"/>
+            <ac:spMk id="29" creationId="{675B5EF8-AB04-584A-8346-097B2551A004}"/>
+          </ac:spMkLst>
+        </pc:spChg>
+        <pc:spChg chg="add mod">
+          <ac:chgData name="Osama Salah" userId="59b259a29da0d6d3" providerId="LiveId" clId="{1D7A581C-8F30-FB46-9987-FCB015D7AD58}" dt="2019-09-11T15:14:45.310" v="73" actId="1076"/>
+          <ac:spMkLst>
+            <pc:docMk/>
+            <pc:sldMk cId="1331423559" sldId="409"/>
+            <ac:spMk id="30" creationId="{422CA605-684C-3741-ACA3-36830B7A2F28}"/>
+          </ac:spMkLst>
+        </pc:spChg>
+        <pc:spChg chg="add mod">
+          <ac:chgData name="Osama Salah" userId="59b259a29da0d6d3" providerId="LiveId" clId="{1D7A581C-8F30-FB46-9987-FCB015D7AD58}" dt="2019-09-11T15:15:27.493" v="84" actId="1076"/>
+          <ac:spMkLst>
+            <pc:docMk/>
+            <pc:sldMk cId="1331423559" sldId="409"/>
+            <ac:spMk id="31" creationId="{3A940CA7-7993-D745-8AA4-B8ED21FB71AB}"/>
+          </ac:spMkLst>
+        </pc:spChg>
+        <pc:spChg chg="add mod">
+          <ac:chgData name="Osama Salah" userId="59b259a29da0d6d3" providerId="LiveId" clId="{1D7A581C-8F30-FB46-9987-FCB015D7AD58}" dt="2019-09-11T15:15:41.682" v="85" actId="1076"/>
+          <ac:spMkLst>
+            <pc:docMk/>
+            <pc:sldMk cId="1331423559" sldId="409"/>
+            <ac:spMk id="32" creationId="{ACC3A2AE-ECBF-C64C-9C82-455937E2394D}"/>
+          </ac:spMkLst>
+        </pc:spChg>
+        <pc:spChg chg="add mod">
+          <ac:chgData name="Osama Salah" userId="59b259a29da0d6d3" providerId="LiveId" clId="{1D7A581C-8F30-FB46-9987-FCB015D7AD58}" dt="2019-09-11T15:16:01.065" v="88" actId="1076"/>
+          <ac:spMkLst>
+            <pc:docMk/>
+            <pc:sldMk cId="1331423559" sldId="409"/>
+            <ac:spMk id="33" creationId="{10E82CE3-436A-394E-84E0-D5D9C3E3F34F}"/>
+          </ac:spMkLst>
+        </pc:spChg>
+        <pc:spChg chg="add mod">
+          <ac:chgData name="Osama Salah" userId="59b259a29da0d6d3" providerId="LiveId" clId="{1D7A581C-8F30-FB46-9987-FCB015D7AD58}" dt="2019-09-11T15:15:41.682" v="85" actId="1076"/>
+          <ac:spMkLst>
+            <pc:docMk/>
+            <pc:sldMk cId="1331423559" sldId="409"/>
+            <ac:spMk id="34" creationId="{380EAE24-17E9-A748-A3C2-313B8AEF6829}"/>
+          </ac:spMkLst>
+        </pc:spChg>
+        <pc:spChg chg="add mod">
+          <ac:chgData name="Osama Salah" userId="59b259a29da0d6d3" providerId="LiveId" clId="{1D7A581C-8F30-FB46-9987-FCB015D7AD58}" dt="2019-09-11T15:17:12.628" v="131" actId="1076"/>
+          <ac:spMkLst>
+            <pc:docMk/>
+            <pc:sldMk cId="1331423559" sldId="409"/>
+            <ac:spMk id="35" creationId="{3E30D692-17D6-144A-95AE-A534BB0B615C}"/>
+          </ac:spMkLst>
+        </pc:spChg>
+        <pc:spChg chg="add mod">
+          <ac:chgData name="Osama Salah" userId="59b259a29da0d6d3" providerId="LiveId" clId="{1D7A581C-8F30-FB46-9987-FCB015D7AD58}" dt="2019-09-11T15:16:23.617" v="91" actId="1076"/>
+          <ac:spMkLst>
+            <pc:docMk/>
+            <pc:sldMk cId="1331423559" sldId="409"/>
+            <ac:spMk id="36" creationId="{04908063-2E1A-7748-890F-7D1E0260D598}"/>
+          </ac:spMkLst>
+        </pc:spChg>
+        <pc:spChg chg="add mod">
+          <ac:chgData name="Osama Salah" userId="59b259a29da0d6d3" providerId="LiveId" clId="{1D7A581C-8F30-FB46-9987-FCB015D7AD58}" dt="2019-09-11T15:15:57.197" v="87" actId="1076"/>
+          <ac:spMkLst>
+            <pc:docMk/>
+            <pc:sldMk cId="1331423559" sldId="409"/>
+            <ac:spMk id="37" creationId="{AE7A18DB-30B0-AD46-BFEA-E12CFE541EB6}"/>
+          </ac:spMkLst>
+        </pc:spChg>
+        <pc:spChg chg="add mod">
+          <ac:chgData name="Osama Salah" userId="59b259a29da0d6d3" providerId="LiveId" clId="{1D7A581C-8F30-FB46-9987-FCB015D7AD58}" dt="2019-09-11T15:15:57.197" v="87" actId="1076"/>
+          <ac:spMkLst>
+            <pc:docMk/>
+            <pc:sldMk cId="1331423559" sldId="409"/>
+            <ac:spMk id="38" creationId="{4C961CE7-1B1E-EC4D-8E39-735505E00047}"/>
+          </ac:spMkLst>
+        </pc:spChg>
+        <pc:spChg chg="add mod">
+          <ac:chgData name="Osama Salah" userId="59b259a29da0d6d3" providerId="LiveId" clId="{1D7A581C-8F30-FB46-9987-FCB015D7AD58}" dt="2019-09-11T15:15:41.682" v="85" actId="1076"/>
+          <ac:spMkLst>
+            <pc:docMk/>
+            <pc:sldMk cId="1331423559" sldId="409"/>
+            <ac:spMk id="39" creationId="{8540B462-FA77-B648-9B4F-FBD247FA29C8}"/>
+          </ac:spMkLst>
+        </pc:spChg>
+        <pc:spChg chg="add mod">
+          <ac:chgData name="Osama Salah" userId="59b259a29da0d6d3" providerId="LiveId" clId="{1D7A581C-8F30-FB46-9987-FCB015D7AD58}" dt="2019-09-11T15:15:41.682" v="85" actId="1076"/>
+          <ac:spMkLst>
+            <pc:docMk/>
+            <pc:sldMk cId="1331423559" sldId="409"/>
+            <ac:spMk id="40" creationId="{C4994CC1-7A08-794E-B97C-3EF8D92E7410}"/>
+          </ac:spMkLst>
+        </pc:spChg>
+        <pc:spChg chg="add del mod">
+          <ac:chgData name="Osama Salah" userId="59b259a29da0d6d3" providerId="LiveId" clId="{1D7A581C-8F30-FB46-9987-FCB015D7AD58}" dt="2019-09-11T15:16:07.215" v="90" actId="478"/>
+          <ac:spMkLst>
+            <pc:docMk/>
+            <pc:sldMk cId="1331423559" sldId="409"/>
+            <ac:spMk id="41" creationId="{5B4A4D8B-6F42-AD4B-A9CC-F7A49CF9887B}"/>
+          </ac:spMkLst>
+        </pc:spChg>
+        <pc:spChg chg="add mod">
+          <ac:chgData name="Osama Salah" userId="59b259a29da0d6d3" providerId="LiveId" clId="{1D7A581C-8F30-FB46-9987-FCB015D7AD58}" dt="2019-09-11T15:17:54.528" v="152" actId="1076"/>
+          <ac:spMkLst>
+            <pc:docMk/>
+            <pc:sldMk cId="1331423559" sldId="409"/>
+            <ac:spMk id="42" creationId="{56AA8E4E-9719-F14F-8FDC-40790B2C5529}"/>
+          </ac:spMkLst>
+        </pc:spChg>
+        <pc:spChg chg="add mod">
+          <ac:chgData name="Osama Salah" userId="59b259a29da0d6d3" providerId="LiveId" clId="{1D7A581C-8F30-FB46-9987-FCB015D7AD58}" dt="2019-09-11T15:17:56.800" v="153" actId="1076"/>
+          <ac:spMkLst>
+            <pc:docMk/>
+            <pc:sldMk cId="1331423559" sldId="409"/>
+            <ac:spMk id="43" creationId="{E1DDACB2-BE89-2744-9A68-1F725C7D1018}"/>
+          </ac:spMkLst>
+        </pc:spChg>
+        <pc:spChg chg="add mod">
+          <ac:chgData name="Osama Salah" userId="59b259a29da0d6d3" providerId="LiveId" clId="{1D7A581C-8F30-FB46-9987-FCB015D7AD58}" dt="2019-09-11T15:17:59.892" v="154" actId="1076"/>
+          <ac:spMkLst>
+            <pc:docMk/>
+            <pc:sldMk cId="1331423559" sldId="409"/>
+            <ac:spMk id="44" creationId="{50F13B53-0CE0-2F42-8E23-69A3909C65D4}"/>
+          </ac:spMkLst>
+        </pc:spChg>
+        <pc:spChg chg="add mod">
+          <ac:chgData name="Osama Salah" userId="59b259a29da0d6d3" providerId="LiveId" clId="{1D7A581C-8F30-FB46-9987-FCB015D7AD58}" dt="2019-09-11T15:18:02.472" v="155" actId="1076"/>
+          <ac:spMkLst>
+            <pc:docMk/>
+            <pc:sldMk cId="1331423559" sldId="409"/>
+            <ac:spMk id="45" creationId="{AC901508-847C-CB41-BF38-4ECD34B4E1FE}"/>
+          </ac:spMkLst>
+        </pc:spChg>
+        <pc:grpChg chg="add mod">
+          <ac:chgData name="Osama Salah" userId="59b259a29da0d6d3" providerId="LiveId" clId="{1D7A581C-8F30-FB46-9987-FCB015D7AD58}" dt="2019-09-11T15:14:45.310" v="73" actId="1076"/>
+          <ac:grpSpMkLst>
+            <pc:docMk/>
+            <pc:sldMk cId="1331423559" sldId="409"/>
+            <ac:grpSpMk id="15" creationId="{07E9BD51-AB9A-5A46-8D0E-81C9251F0EEE}"/>
+          </ac:grpSpMkLst>
+        </pc:grpChg>
+        <pc:picChg chg="mod">
+          <ac:chgData name="Osama Salah" userId="59b259a29da0d6d3" providerId="LiveId" clId="{1D7A581C-8F30-FB46-9987-FCB015D7AD58}" dt="2019-09-11T15:13:35.134" v="63" actId="1076"/>
+          <ac:picMkLst>
+            <pc:docMk/>
+            <pc:sldMk cId="1331423559" sldId="409"/>
+            <ac:picMk id="4" creationId="{00000000-0000-0000-0000-000000000000}"/>
+          </ac:picMkLst>
+        </pc:picChg>
+        <pc:picChg chg="add del">
+          <ac:chgData name="Osama Salah" userId="59b259a29da0d6d3" providerId="LiveId" clId="{1D7A581C-8F30-FB46-9987-FCB015D7AD58}" dt="2019-09-11T15:14:12.943" v="67" actId="478"/>
+          <ac:picMkLst>
+            <pc:docMk/>
+            <pc:sldMk cId="1331423559" sldId="409"/>
+            <ac:picMk id="8" creationId="{94CCA3A0-FAB5-6D42-8DFA-BE82643DF7C3}"/>
+          </ac:picMkLst>
+        </pc:picChg>
+        <pc:picChg chg="add mod">
+          <ac:chgData name="Osama Salah" userId="59b259a29da0d6d3" providerId="LiveId" clId="{1D7A581C-8F30-FB46-9987-FCB015D7AD58}" dt="2019-09-11T15:14:45.310" v="73" actId="1076"/>
+          <ac:picMkLst>
+            <pc:docMk/>
+            <pc:sldMk cId="1331423559" sldId="409"/>
+            <ac:picMk id="12" creationId="{B63B8BBD-3EE7-0343-BEC6-E6C2F0A87CD7}"/>
+          </ac:picMkLst>
+        </pc:picChg>
+        <pc:picChg chg="add mod">
+          <ac:chgData name="Osama Salah" userId="59b259a29da0d6d3" providerId="LiveId" clId="{1D7A581C-8F30-FB46-9987-FCB015D7AD58}" dt="2019-09-11T15:14:45.310" v="73" actId="1076"/>
+          <ac:picMkLst>
+            <pc:docMk/>
+            <pc:sldMk cId="1331423559" sldId="409"/>
+            <ac:picMk id="13" creationId="{55F83A0E-2642-9245-877A-B6832351613B}"/>
+          </ac:picMkLst>
+        </pc:picChg>
+        <pc:picChg chg="add mod">
+          <ac:chgData name="Osama Salah" userId="59b259a29da0d6d3" providerId="LiveId" clId="{1D7A581C-8F30-FB46-9987-FCB015D7AD58}" dt="2019-09-11T15:14:45.310" v="73" actId="1076"/>
+          <ac:picMkLst>
+            <pc:docMk/>
+            <pc:sldMk cId="1331423559" sldId="409"/>
+            <ac:picMk id="14" creationId="{B32D0250-D44B-E64F-88FB-263F59EBCE49}"/>
+          </ac:picMkLst>
+        </pc:picChg>
+        <pc:picChg chg="add mod">
+          <ac:chgData name="Osama Salah" userId="59b259a29da0d6d3" providerId="LiveId" clId="{1D7A581C-8F30-FB46-9987-FCB015D7AD58}" dt="2019-09-11T15:14:45.310" v="73" actId="1076"/>
+          <ac:picMkLst>
+            <pc:docMk/>
+            <pc:sldMk cId="1331423559" sldId="409"/>
+            <ac:picMk id="18" creationId="{7FD84557-8EA5-544F-97EE-D1ECE2C37567}"/>
+          </ac:picMkLst>
+        </pc:picChg>
+        <pc:picChg chg="add mod">
+          <ac:chgData name="Osama Salah" userId="59b259a29da0d6d3" providerId="LiveId" clId="{1D7A581C-8F30-FB46-9987-FCB015D7AD58}" dt="2019-09-11T15:15:08.885" v="79" actId="1076"/>
+          <ac:picMkLst>
+            <pc:docMk/>
+            <pc:sldMk cId="1331423559" sldId="409"/>
+            <ac:picMk id="19" creationId="{BF35C56D-070C-FF4A-BE0B-2B1EE46DEF24}"/>
+          </ac:picMkLst>
+        </pc:picChg>
+        <pc:picChg chg="add mod">
+          <ac:chgData name="Osama Salah" userId="59b259a29da0d6d3" providerId="LiveId" clId="{1D7A581C-8F30-FB46-9987-FCB015D7AD58}" dt="2019-09-11T15:15:13.833" v="81" actId="1076"/>
+          <ac:picMkLst>
+            <pc:docMk/>
+            <pc:sldMk cId="1331423559" sldId="409"/>
+            <ac:picMk id="20" creationId="{95E36054-14E7-524D-B8A6-A11410230BC6}"/>
+          </ac:picMkLst>
+        </pc:picChg>
+        <pc:picChg chg="add mod">
+          <ac:chgData name="Osama Salah" userId="59b259a29da0d6d3" providerId="LiveId" clId="{1D7A581C-8F30-FB46-9987-FCB015D7AD58}" dt="2019-09-11T15:17:42.608" v="149" actId="1076"/>
+          <ac:picMkLst>
+            <pc:docMk/>
+            <pc:sldMk cId="1331423559" sldId="409"/>
+            <ac:picMk id="23" creationId="{604C51DC-B23E-4949-B26B-E50AD4D4E137}"/>
+          </ac:picMkLst>
+        </pc:picChg>
+      </pc:sldChg>
+      <pc:sldChg chg="addSp modSp">
+        <pc:chgData name="Osama Salah" userId="59b259a29da0d6d3" providerId="LiveId" clId="{1D7A581C-8F30-FB46-9987-FCB015D7AD58}" dt="2019-09-13T17:43:30.843" v="1409" actId="20577"/>
+        <pc:sldMkLst>
+          <pc:docMk/>
+          <pc:sldMk cId="3680905348" sldId="412"/>
+        </pc:sldMkLst>
+        <pc:spChg chg="mod">
+          <ac:chgData name="Osama Salah" userId="59b259a29da0d6d3" providerId="LiveId" clId="{1D7A581C-8F30-FB46-9987-FCB015D7AD58}" dt="2019-09-08T15:25:21.206" v="4" actId="113"/>
+          <ac:spMkLst>
+            <pc:docMk/>
+            <pc:sldMk cId="3680905348" sldId="412"/>
+            <ac:spMk id="2" creationId="{00000000-0000-0000-0000-000000000000}"/>
+          </ac:spMkLst>
+        </pc:spChg>
+        <pc:spChg chg="add mod">
+          <ac:chgData name="Osama Salah" userId="59b259a29da0d6d3" providerId="LiveId" clId="{1D7A581C-8F30-FB46-9987-FCB015D7AD58}" dt="2019-09-08T15:39:16.870" v="57"/>
+          <ac:spMkLst>
+            <pc:docMk/>
+            <pc:sldMk cId="3680905348" sldId="412"/>
+            <ac:spMk id="3" creationId="{AEBFAE65-CA1E-1A40-BF20-C79226D97C97}"/>
+          </ac:spMkLst>
+        </pc:spChg>
+        <pc:spChg chg="mod">
+          <ac:chgData name="Osama Salah" userId="59b259a29da0d6d3" providerId="LiveId" clId="{1D7A581C-8F30-FB46-9987-FCB015D7AD58}" dt="2019-09-13T17:43:30.843" v="1409" actId="20577"/>
+          <ac:spMkLst>
+            <pc:docMk/>
+            <pc:sldMk cId="3680905348" sldId="412"/>
+            <ac:spMk id="6" creationId="{F3206406-209A-5441-B785-3C67F8E431B8}"/>
+          </ac:spMkLst>
+        </pc:spChg>
+      </pc:sldChg>
+      <pc:sldChg chg="addSp modSp">
+        <pc:chgData name="Osama Salah" userId="59b259a29da0d6d3" providerId="LiveId" clId="{1D7A581C-8F30-FB46-9987-FCB015D7AD58}" dt="2019-09-08T15:39:16.870" v="57"/>
+        <pc:sldMkLst>
+          <pc:docMk/>
+          <pc:sldMk cId="2743270070" sldId="414"/>
+        </pc:sldMkLst>
+        <pc:spChg chg="add mod">
+          <ac:chgData name="Osama Salah" userId="59b259a29da0d6d3" providerId="LiveId" clId="{1D7A581C-8F30-FB46-9987-FCB015D7AD58}" dt="2019-09-08T15:39:16.870" v="57"/>
+          <ac:spMkLst>
+            <pc:docMk/>
+            <pc:sldMk cId="2743270070" sldId="414"/>
+            <ac:spMk id="3" creationId="{606FD29A-B865-5540-9B43-EE3CEBE19551}"/>
+          </ac:spMkLst>
+        </pc:spChg>
+      </pc:sldChg>
+      <pc:sldChg chg="addSp modSp">
+        <pc:chgData name="Osama Salah" userId="59b259a29da0d6d3" providerId="LiveId" clId="{1D7A581C-8F30-FB46-9987-FCB015D7AD58}" dt="2019-09-08T15:39:16.870" v="57"/>
+        <pc:sldMkLst>
+          <pc:docMk/>
+          <pc:sldMk cId="2536077986" sldId="416"/>
+        </pc:sldMkLst>
+        <pc:spChg chg="mod">
+          <ac:chgData name="Osama Salah" userId="59b259a29da0d6d3" providerId="LiveId" clId="{1D7A581C-8F30-FB46-9987-FCB015D7AD58}" dt="2019-09-08T15:27:04.104" v="18" actId="113"/>
+          <ac:spMkLst>
+            <pc:docMk/>
+            <pc:sldMk cId="2536077986" sldId="416"/>
+            <ac:spMk id="2" creationId="{C571B75D-AA7C-8544-9694-76509A492B94}"/>
+          </ac:spMkLst>
+        </pc:spChg>
+        <pc:spChg chg="add mod">
+          <ac:chgData name="Osama Salah" userId="59b259a29da0d6d3" providerId="LiveId" clId="{1D7A581C-8F30-FB46-9987-FCB015D7AD58}" dt="2019-09-08T15:39:16.870" v="57"/>
+          <ac:spMkLst>
+            <pc:docMk/>
+            <pc:sldMk cId="2536077986" sldId="416"/>
+            <ac:spMk id="3" creationId="{807AC99E-0690-C343-87A7-2A1BE1B6F7C1}"/>
+          </ac:spMkLst>
+        </pc:spChg>
+      </pc:sldChg>
+      <pc:sldChg chg="addSp modSp">
+        <pc:chgData name="Osama Salah" userId="59b259a29da0d6d3" providerId="LiveId" clId="{1D7A581C-8F30-FB46-9987-FCB015D7AD58}" dt="2019-09-08T15:39:16.870" v="57"/>
+        <pc:sldMkLst>
+          <pc:docMk/>
+          <pc:sldMk cId="2792626592" sldId="418"/>
+        </pc:sldMkLst>
+        <pc:spChg chg="add mod">
+          <ac:chgData name="Osama Salah" userId="59b259a29da0d6d3" providerId="LiveId" clId="{1D7A581C-8F30-FB46-9987-FCB015D7AD58}" dt="2019-09-08T15:39:16.870" v="57"/>
+          <ac:spMkLst>
+            <pc:docMk/>
+            <pc:sldMk cId="2792626592" sldId="418"/>
+            <ac:spMk id="4" creationId="{3A2341BF-8CCD-1F45-B374-A17AEDE446D2}"/>
+          </ac:spMkLst>
+        </pc:spChg>
+      </pc:sldChg>
+      <pc:sldChg chg="addSp modSp">
+        <pc:chgData name="Osama Salah" userId="59b259a29da0d6d3" providerId="LiveId" clId="{1D7A581C-8F30-FB46-9987-FCB015D7AD58}" dt="2019-09-08T15:39:16.870" v="57"/>
+        <pc:sldMkLst>
+          <pc:docMk/>
+          <pc:sldMk cId="1004412776" sldId="419"/>
+        </pc:sldMkLst>
+        <pc:spChg chg="add mod">
+          <ac:chgData name="Osama Salah" userId="59b259a29da0d6d3" providerId="LiveId" clId="{1D7A581C-8F30-FB46-9987-FCB015D7AD58}" dt="2019-09-08T15:39:16.870" v="57"/>
+          <ac:spMkLst>
+            <pc:docMk/>
+            <pc:sldMk cId="1004412776" sldId="419"/>
+            <ac:spMk id="3" creationId="{F84D5AA4-C53E-484E-929D-5804F675D3E7}"/>
+          </ac:spMkLst>
+        </pc:spChg>
+        <pc:spChg chg="mod">
+          <ac:chgData name="Osama Salah" userId="59b259a29da0d6d3" providerId="LiveId" clId="{1D7A581C-8F30-FB46-9987-FCB015D7AD58}" dt="2019-09-08T15:26:56.199" v="17" actId="20577"/>
+          <ac:spMkLst>
+            <pc:docMk/>
+            <pc:sldMk cId="1004412776" sldId="419"/>
+            <ac:spMk id="9" creationId="{0281EBE6-A888-D24C-A1A7-E52CE839EEA5}"/>
+          </ac:spMkLst>
+        </pc:spChg>
+      </pc:sldChg>
+      <pc:sldChg chg="addSp delSp modSp">
+        <pc:chgData name="Osama Salah" userId="59b259a29da0d6d3" providerId="LiveId" clId="{1D7A581C-8F30-FB46-9987-FCB015D7AD58}" dt="2019-09-11T15:41:01.186" v="835" actId="1076"/>
+        <pc:sldMkLst>
+          <pc:docMk/>
+          <pc:sldMk cId="216029136" sldId="420"/>
+        </pc:sldMkLst>
+        <pc:spChg chg="mod">
+          <ac:chgData name="Osama Salah" userId="59b259a29da0d6d3" providerId="LiveId" clId="{1D7A581C-8F30-FB46-9987-FCB015D7AD58}" dt="2019-09-08T15:27:14.335" v="19" actId="113"/>
+          <ac:spMkLst>
+            <pc:docMk/>
+            <pc:sldMk cId="216029136" sldId="420"/>
+            <ac:spMk id="2" creationId="{DB8841D4-CDB8-0C40-A42E-B3E73632BDBB}"/>
+          </ac:spMkLst>
+        </pc:spChg>
+        <pc:spChg chg="mod">
+          <ac:chgData name="Osama Salah" userId="59b259a29da0d6d3" providerId="LiveId" clId="{1D7A581C-8F30-FB46-9987-FCB015D7AD58}" dt="2019-09-11T15:36:14.455" v="719" actId="14100"/>
+          <ac:spMkLst>
+            <pc:docMk/>
+            <pc:sldMk cId="216029136" sldId="420"/>
+            <ac:spMk id="3" creationId="{9A25DB31-7853-C344-AE1B-0066CDC78042}"/>
+          </ac:spMkLst>
+        </pc:spChg>
+        <pc:spChg chg="add mod">
+          <ac:chgData name="Osama Salah" userId="59b259a29da0d6d3" providerId="LiveId" clId="{1D7A581C-8F30-FB46-9987-FCB015D7AD58}" dt="2019-09-08T15:39:16.870" v="57"/>
+          <ac:spMkLst>
+            <pc:docMk/>
+            <pc:sldMk cId="216029136" sldId="420"/>
+            <ac:spMk id="4" creationId="{340B9F2A-F76C-E64C-9CAE-D839D2D7BAB7}"/>
+          </ac:spMkLst>
+        </pc:spChg>
+        <pc:spChg chg="add del mod">
+          <ac:chgData name="Osama Salah" userId="59b259a29da0d6d3" providerId="LiveId" clId="{1D7A581C-8F30-FB46-9987-FCB015D7AD58}" dt="2019-09-11T15:37:00.875" v="808" actId="478"/>
+          <ac:spMkLst>
+            <pc:docMk/>
+            <pc:sldMk cId="216029136" sldId="420"/>
+            <ac:spMk id="5" creationId="{7E1E6F06-AC91-984A-8E86-6A9C0176C837}"/>
+          </ac:spMkLst>
+        </pc:spChg>
+        <pc:spChg chg="add mod">
+          <ac:chgData name="Osama Salah" userId="59b259a29da0d6d3" providerId="LiveId" clId="{1D7A581C-8F30-FB46-9987-FCB015D7AD58}" dt="2019-09-11T15:37:14.442" v="810" actId="14100"/>
+          <ac:spMkLst>
+            <pc:docMk/>
+            <pc:sldMk cId="216029136" sldId="420"/>
+            <ac:spMk id="6" creationId="{B6450A95-F046-CD44-A07D-6CA76E96ABFE}"/>
+          </ac:spMkLst>
+        </pc:spChg>
+        <pc:spChg chg="add mod">
+          <ac:chgData name="Osama Salah" userId="59b259a29da0d6d3" providerId="LiveId" clId="{1D7A581C-8F30-FB46-9987-FCB015D7AD58}" dt="2019-09-11T15:40:41.106" v="830" actId="12789"/>
+          <ac:spMkLst>
+            <pc:docMk/>
+            <pc:sldMk cId="216029136" sldId="420"/>
+            <ac:spMk id="7" creationId="{250D5176-0163-3347-9A99-A537D734E0C4}"/>
+          </ac:spMkLst>
+        </pc:spChg>
+        <pc:spChg chg="add mod">
+          <ac:chgData name="Osama Salah" userId="59b259a29da0d6d3" providerId="LiveId" clId="{1D7A581C-8F30-FB46-9987-FCB015D7AD58}" dt="2019-09-11T15:36:53.336" v="806" actId="1076"/>
+          <ac:spMkLst>
+            <pc:docMk/>
+            <pc:sldMk cId="216029136" sldId="420"/>
+            <ac:spMk id="8" creationId="{A032393A-7F63-3441-A6E1-0EB6D3433806}"/>
+          </ac:spMkLst>
+        </pc:spChg>
+        <pc:spChg chg="add mod">
+          <ac:chgData name="Osama Salah" userId="59b259a29da0d6d3" providerId="LiveId" clId="{1D7A581C-8F30-FB46-9987-FCB015D7AD58}" dt="2019-09-11T15:40:45.730" v="831" actId="1076"/>
+          <ac:spMkLst>
+            <pc:docMk/>
+            <pc:sldMk cId="216029136" sldId="420"/>
+            <ac:spMk id="10" creationId="{B12328B7-A50E-D64C-824B-50F3061E2B3F}"/>
+          </ac:spMkLst>
+        </pc:spChg>
+        <pc:spChg chg="add mod">
+          <ac:chgData name="Osama Salah" userId="59b259a29da0d6d3" providerId="LiveId" clId="{1D7A581C-8F30-FB46-9987-FCB015D7AD58}" dt="2019-09-11T15:40:56.235" v="834" actId="403"/>
+          <ac:spMkLst>
+            <pc:docMk/>
+            <pc:sldMk cId="216029136" sldId="420"/>
+            <ac:spMk id="11" creationId="{CAD30AB4-6F71-214F-A383-9AEFAE6CAAB9}"/>
+          </ac:spMkLst>
+        </pc:spChg>
+        <pc:spChg chg="add mod">
+          <ac:chgData name="Osama Salah" userId="59b259a29da0d6d3" providerId="LiveId" clId="{1D7A581C-8F30-FB46-9987-FCB015D7AD58}" dt="2019-09-11T15:36:53.336" v="806" actId="1076"/>
+          <ac:spMkLst>
+            <pc:docMk/>
+            <pc:sldMk cId="216029136" sldId="420"/>
+            <ac:spMk id="12" creationId="{12B6C735-03B7-E643-B3B8-660D1B502CEC}"/>
+          </ac:spMkLst>
+        </pc:spChg>
+        <pc:spChg chg="add del mod">
+          <ac:chgData name="Osama Salah" userId="59b259a29da0d6d3" providerId="LiveId" clId="{1D7A581C-8F30-FB46-9987-FCB015D7AD58}" dt="2019-09-11T15:39:22.342" v="818" actId="478"/>
+          <ac:spMkLst>
+            <pc:docMk/>
+            <pc:sldMk cId="216029136" sldId="420"/>
+            <ac:spMk id="19" creationId="{B643DE06-6F10-1A46-9087-01EBBCD14BF3}"/>
+          </ac:spMkLst>
+        </pc:spChg>
+        <pc:grpChg chg="add mod">
+          <ac:chgData name="Osama Salah" userId="59b259a29da0d6d3" providerId="LiveId" clId="{1D7A581C-8F30-FB46-9987-FCB015D7AD58}" dt="2019-09-11T15:40:14.726" v="822" actId="1076"/>
+          <ac:grpSpMkLst>
+            <pc:docMk/>
+            <pc:sldMk cId="216029136" sldId="420"/>
+            <ac:grpSpMk id="13" creationId="{54CDE492-C7A7-3849-A1E4-A6B5A7F98810}"/>
+          </ac:grpSpMkLst>
+        </pc:grpChg>
+        <pc:grpChg chg="add mod">
+          <ac:chgData name="Osama Salah" userId="59b259a29da0d6d3" providerId="LiveId" clId="{1D7A581C-8F30-FB46-9987-FCB015D7AD58}" dt="2019-09-11T15:41:01.186" v="835" actId="1076"/>
+          <ac:grpSpMkLst>
+            <pc:docMk/>
+            <pc:sldMk cId="216029136" sldId="420"/>
+            <ac:grpSpMk id="16" creationId="{97F754CD-CF6A-674F-93FA-B4E5EB21A39A}"/>
+          </ac:grpSpMkLst>
+        </pc:grpChg>
+        <pc:picChg chg="add del mod">
+          <ac:chgData name="Osama Salah" userId="59b259a29da0d6d3" providerId="LiveId" clId="{1D7A581C-8F30-FB46-9987-FCB015D7AD58}" dt="2019-09-11T15:40:48.383" v="832" actId="478"/>
+          <ac:picMkLst>
+            <pc:docMk/>
+            <pc:sldMk cId="216029136" sldId="420"/>
+            <ac:picMk id="9" creationId="{3AC30F08-374B-2249-88C2-6F5F7D849ECB}"/>
+          </ac:picMkLst>
+        </pc:picChg>
+        <pc:picChg chg="add mod">
+          <ac:chgData name="Osama Salah" userId="59b259a29da0d6d3" providerId="LiveId" clId="{1D7A581C-8F30-FB46-9987-FCB015D7AD58}" dt="2019-09-11T15:40:41.106" v="830" actId="12789"/>
+          <ac:picMkLst>
+            <pc:docMk/>
+            <pc:sldMk cId="216029136" sldId="420"/>
+            <ac:picMk id="20" creationId="{FFC5800C-EDA6-0E4B-9E47-C9396DF4FBE5}"/>
+          </ac:picMkLst>
+        </pc:picChg>
+      </pc:sldChg>
+      <pc:sldChg chg="addSp modSp">
+        <pc:chgData name="Osama Salah" userId="59b259a29da0d6d3" providerId="LiveId" clId="{1D7A581C-8F30-FB46-9987-FCB015D7AD58}" dt="2019-09-08T15:39:16.870" v="57"/>
+        <pc:sldMkLst>
+          <pc:docMk/>
+          <pc:sldMk cId="2843842437" sldId="421"/>
+        </pc:sldMkLst>
+        <pc:spChg chg="mod">
+          <ac:chgData name="Osama Salah" userId="59b259a29da0d6d3" providerId="LiveId" clId="{1D7A581C-8F30-FB46-9987-FCB015D7AD58}" dt="2019-09-08T15:30:40.702" v="20" actId="113"/>
+          <ac:spMkLst>
+            <pc:docMk/>
+            <pc:sldMk cId="2843842437" sldId="421"/>
+            <ac:spMk id="2" creationId="{FBB1B1A1-8E4B-EB46-8CBF-9A2EA88FE468}"/>
+          </ac:spMkLst>
+        </pc:spChg>
+        <pc:spChg chg="add mod">
+          <ac:chgData name="Osama Salah" userId="59b259a29da0d6d3" providerId="LiveId" clId="{1D7A581C-8F30-FB46-9987-FCB015D7AD58}" dt="2019-09-08T15:39:16.870" v="57"/>
+          <ac:spMkLst>
+            <pc:docMk/>
+            <pc:sldMk cId="2843842437" sldId="421"/>
+            <ac:spMk id="4" creationId="{7865DD6E-3BB5-9249-8B6A-C0832E327979}"/>
+          </ac:spMkLst>
+        </pc:spChg>
+      </pc:sldChg>
+      <pc:sldChg chg="addSp modSp">
+        <pc:chgData name="Osama Salah" userId="59b259a29da0d6d3" providerId="LiveId" clId="{1D7A581C-8F30-FB46-9987-FCB015D7AD58}" dt="2019-09-08T15:39:16.870" v="57"/>
+        <pc:sldMkLst>
+          <pc:docMk/>
+          <pc:sldMk cId="3533539037" sldId="422"/>
+        </pc:sldMkLst>
+        <pc:spChg chg="mod">
+          <ac:chgData name="Osama Salah" userId="59b259a29da0d6d3" providerId="LiveId" clId="{1D7A581C-8F30-FB46-9987-FCB015D7AD58}" dt="2019-09-08T15:33:03.164" v="27" actId="113"/>
+          <ac:spMkLst>
+            <pc:docMk/>
+            <pc:sldMk cId="3533539037" sldId="422"/>
+            <ac:spMk id="2" creationId="{AF4ADEB1-C2B6-6648-8876-290A9D80A9B4}"/>
+          </ac:spMkLst>
+        </pc:spChg>
+        <pc:spChg chg="add mod">
+          <ac:chgData name="Osama Salah" userId="59b259a29da0d6d3" providerId="LiveId" clId="{1D7A581C-8F30-FB46-9987-FCB015D7AD58}" dt="2019-09-08T15:39:16.870" v="57"/>
+          <ac:spMkLst>
+            <pc:docMk/>
+            <pc:sldMk cId="3533539037" sldId="422"/>
+            <ac:spMk id="4" creationId="{DB50238B-2CE0-DC44-ADE8-8A2BACEB5310}"/>
+          </ac:spMkLst>
+        </pc:spChg>
+      </pc:sldChg>
+      <pc:sldChg chg="addSp modSp">
+        <pc:chgData name="Osama Salah" userId="59b259a29da0d6d3" providerId="LiveId" clId="{1D7A581C-8F30-FB46-9987-FCB015D7AD58}" dt="2019-09-08T15:39:16.870" v="57"/>
+        <pc:sldMkLst>
+          <pc:docMk/>
+          <pc:sldMk cId="2199122540" sldId="423"/>
+        </pc:sldMkLst>
+        <pc:spChg chg="add mod">
+          <ac:chgData name="Osama Salah" userId="59b259a29da0d6d3" providerId="LiveId" clId="{1D7A581C-8F30-FB46-9987-FCB015D7AD58}" dt="2019-09-08T15:39:16.870" v="57"/>
+          <ac:spMkLst>
+            <pc:docMk/>
+            <pc:sldMk cId="2199122540" sldId="423"/>
+            <ac:spMk id="4" creationId="{1D844714-9625-3E4A-B09B-EAFBBD9ABF36}"/>
+          </ac:spMkLst>
+        </pc:spChg>
+      </pc:sldChg>
+      <pc:sldChg chg="addSp modSp">
+        <pc:chgData name="Osama Salah" userId="59b259a29da0d6d3" providerId="LiveId" clId="{1D7A581C-8F30-FB46-9987-FCB015D7AD58}" dt="2019-09-08T15:39:16.870" v="57"/>
+        <pc:sldMkLst>
+          <pc:docMk/>
+          <pc:sldMk cId="1171272523" sldId="424"/>
+        </pc:sldMkLst>
+        <pc:spChg chg="mod">
+          <ac:chgData name="Osama Salah" userId="59b259a29da0d6d3" providerId="LiveId" clId="{1D7A581C-8F30-FB46-9987-FCB015D7AD58}" dt="2019-09-08T15:31:11.348" v="24" actId="113"/>
+          <ac:spMkLst>
+            <pc:docMk/>
+            <pc:sldMk cId="1171272523" sldId="424"/>
+            <ac:spMk id="3" creationId="{E19A086D-144B-FE4E-9298-5E2B0AA41EED}"/>
+          </ac:spMkLst>
+        </pc:spChg>
+        <pc:spChg chg="add mod">
+          <ac:chgData name="Osama Salah" userId="59b259a29da0d6d3" providerId="LiveId" clId="{1D7A581C-8F30-FB46-9987-FCB015D7AD58}" dt="2019-09-08T15:39:16.870" v="57"/>
+          <ac:spMkLst>
+            <pc:docMk/>
+            <pc:sldMk cId="1171272523" sldId="424"/>
+            <ac:spMk id="6" creationId="{CEAA01BC-0992-BA4D-B953-F4D7FC62BB28}"/>
+          </ac:spMkLst>
+        </pc:spChg>
+      </pc:sldChg>
+      <pc:sldChg chg="addSp modSp">
+        <pc:chgData name="Osama Salah" userId="59b259a29da0d6d3" providerId="LiveId" clId="{1D7A581C-8F30-FB46-9987-FCB015D7AD58}" dt="2019-09-08T15:39:16.870" v="57"/>
+        <pc:sldMkLst>
+          <pc:docMk/>
+          <pc:sldMk cId="3997200563" sldId="425"/>
+        </pc:sldMkLst>
+        <pc:spChg chg="add mod">
+          <ac:chgData name="Osama Salah" userId="59b259a29da0d6d3" providerId="LiveId" clId="{1D7A581C-8F30-FB46-9987-FCB015D7AD58}" dt="2019-09-08T15:39:16.870" v="57"/>
+          <ac:spMkLst>
+            <pc:docMk/>
+            <pc:sldMk cId="3997200563" sldId="425"/>
+            <ac:spMk id="49" creationId="{C7633B1C-F0DA-1E43-B41F-4309AEED6CE6}"/>
+          </ac:spMkLst>
+        </pc:spChg>
+      </pc:sldChg>
+      <pc:sldChg chg="addSp modSp">
+        <pc:chgData name="Osama Salah" userId="59b259a29da0d6d3" providerId="LiveId" clId="{1D7A581C-8F30-FB46-9987-FCB015D7AD58}" dt="2019-09-08T15:39:16.870" v="57"/>
+        <pc:sldMkLst>
+          <pc:docMk/>
+          <pc:sldMk cId="742432704" sldId="426"/>
+        </pc:sldMkLst>
+        <pc:spChg chg="mod">
+          <ac:chgData name="Osama Salah" userId="59b259a29da0d6d3" providerId="LiveId" clId="{1D7A581C-8F30-FB46-9987-FCB015D7AD58}" dt="2019-09-08T15:31:24.309" v="25" actId="113"/>
+          <ac:spMkLst>
+            <pc:docMk/>
+            <pc:sldMk cId="742432704" sldId="426"/>
+            <ac:spMk id="2" creationId="{7EFEF843-AEE7-5944-9BCA-329B07D23E1A}"/>
+          </ac:spMkLst>
+        </pc:spChg>
+        <pc:spChg chg="add mod">
+          <ac:chgData name="Osama Salah" userId="59b259a29da0d6d3" providerId="LiveId" clId="{1D7A581C-8F30-FB46-9987-FCB015D7AD58}" dt="2019-09-08T15:39:16.870" v="57"/>
+          <ac:spMkLst>
+            <pc:docMk/>
+            <pc:sldMk cId="742432704" sldId="426"/>
+            <ac:spMk id="4" creationId="{F2E58259-46E9-6747-BDE0-47B16020C37C}"/>
+          </ac:spMkLst>
+        </pc:spChg>
+      </pc:sldChg>
+      <pc:sldChg chg="addSp modSp">
+        <pc:chgData name="Osama Salah" userId="59b259a29da0d6d3" providerId="LiveId" clId="{1D7A581C-8F30-FB46-9987-FCB015D7AD58}" dt="2019-09-08T15:39:16.870" v="57"/>
+        <pc:sldMkLst>
+          <pc:docMk/>
+          <pc:sldMk cId="174635646" sldId="427"/>
+        </pc:sldMkLst>
+        <pc:spChg chg="mod">
+          <ac:chgData name="Osama Salah" userId="59b259a29da0d6d3" providerId="LiveId" clId="{1D7A581C-8F30-FB46-9987-FCB015D7AD58}" dt="2019-09-08T15:32:59.054" v="26" actId="113"/>
+          <ac:spMkLst>
+            <pc:docMk/>
+            <pc:sldMk cId="174635646" sldId="427"/>
+            <ac:spMk id="2" creationId="{C2D3BBA2-20C4-D246-BE00-57C50B08529A}"/>
+          </ac:spMkLst>
+        </pc:spChg>
+        <pc:spChg chg="add mod">
+          <ac:chgData name="Osama Salah" userId="59b259a29da0d6d3" providerId="LiveId" clId="{1D7A581C-8F30-FB46-9987-FCB015D7AD58}" dt="2019-09-08T15:39:16.870" v="57"/>
+          <ac:spMkLst>
+            <pc:docMk/>
+            <pc:sldMk cId="174635646" sldId="427"/>
+            <ac:spMk id="4" creationId="{FA7248EB-519A-EF45-92E6-7CD64DAEE872}"/>
+          </ac:spMkLst>
+        </pc:spChg>
+      </pc:sldChg>
+      <pc:sldChg chg="addSp modSp">
+        <pc:chgData name="Osama Salah" userId="59b259a29da0d6d3" providerId="LiveId" clId="{1D7A581C-8F30-FB46-9987-FCB015D7AD58}" dt="2019-09-08T15:39:16.870" v="57"/>
+        <pc:sldMkLst>
+          <pc:docMk/>
+          <pc:sldMk cId="2373696056" sldId="428"/>
+        </pc:sldMkLst>
+        <pc:spChg chg="add mod">
+          <ac:chgData name="Osama Salah" userId="59b259a29da0d6d3" providerId="LiveId" clId="{1D7A581C-8F30-FB46-9987-FCB015D7AD58}" dt="2019-09-08T15:39:16.870" v="57"/>
+          <ac:spMkLst>
+            <pc:docMk/>
+            <pc:sldMk cId="2373696056" sldId="428"/>
+            <ac:spMk id="4" creationId="{3FE15726-D04D-A74C-BAE2-F7865518E814}"/>
+          </ac:spMkLst>
+        </pc:spChg>
+      </pc:sldChg>
+      <pc:sldChg chg="addSp modSp">
+        <pc:chgData name="Osama Salah" userId="59b259a29da0d6d3" providerId="LiveId" clId="{1D7A581C-8F30-FB46-9987-FCB015D7AD58}" dt="2019-09-08T15:39:16.870" v="57"/>
+        <pc:sldMkLst>
+          <pc:docMk/>
+          <pc:sldMk cId="1837748622" sldId="429"/>
+        </pc:sldMkLst>
+        <pc:spChg chg="mod">
+          <ac:chgData name="Osama Salah" userId="59b259a29da0d6d3" providerId="LiveId" clId="{1D7A581C-8F30-FB46-9987-FCB015D7AD58}" dt="2019-09-08T15:33:38.746" v="28" actId="113"/>
+          <ac:spMkLst>
+            <pc:docMk/>
+            <pc:sldMk cId="1837748622" sldId="429"/>
+            <ac:spMk id="2" creationId="{936E25C4-A717-D148-A181-03A0C38B80A1}"/>
+          </ac:spMkLst>
+        </pc:spChg>
+        <pc:spChg chg="add mod">
+          <ac:chgData name="Osama Salah" userId="59b259a29da0d6d3" providerId="LiveId" clId="{1D7A581C-8F30-FB46-9987-FCB015D7AD58}" dt="2019-09-08T15:39:16.870" v="57"/>
+          <ac:spMkLst>
+            <pc:docMk/>
+            <pc:sldMk cId="1837748622" sldId="429"/>
+            <ac:spMk id="4" creationId="{F1081B1A-A25B-084B-84AF-B43653044FD0}"/>
+          </ac:spMkLst>
+        </pc:spChg>
+      </pc:sldChg>
+      <pc:sldChg chg="addSp modSp">
+        <pc:chgData name="Osama Salah" userId="59b259a29da0d6d3" providerId="LiveId" clId="{1D7A581C-8F30-FB46-9987-FCB015D7AD58}" dt="2019-09-08T15:39:16.870" v="57"/>
+        <pc:sldMkLst>
+          <pc:docMk/>
+          <pc:sldMk cId="3196242396" sldId="431"/>
+        </pc:sldMkLst>
+        <pc:spChg chg="mod">
+          <ac:chgData name="Osama Salah" userId="59b259a29da0d6d3" providerId="LiveId" clId="{1D7A581C-8F30-FB46-9987-FCB015D7AD58}" dt="2019-09-08T15:34:14.448" v="39" actId="20577"/>
+          <ac:spMkLst>
+            <pc:docMk/>
+            <pc:sldMk cId="3196242396" sldId="431"/>
+            <ac:spMk id="3" creationId="{AC46E4D6-C299-4440-8D2A-9F0935D98A1C}"/>
+          </ac:spMkLst>
+        </pc:spChg>
+        <pc:spChg chg="add mod">
+          <ac:chgData name="Osama Salah" userId="59b259a29da0d6d3" providerId="LiveId" clId="{1D7A581C-8F30-FB46-9987-FCB015D7AD58}" dt="2019-09-08T15:39:16.870" v="57"/>
+          <ac:spMkLst>
+            <pc:docMk/>
+            <pc:sldMk cId="3196242396" sldId="431"/>
+            <ac:spMk id="6" creationId="{07E595FB-0AF2-A642-86F5-0B58A697DADE}"/>
+          </ac:spMkLst>
+        </pc:spChg>
+      </pc:sldChg>
+      <pc:sldChg chg="addSp modSp">
+        <pc:chgData name="Osama Salah" userId="59b259a29da0d6d3" providerId="LiveId" clId="{1D7A581C-8F30-FB46-9987-FCB015D7AD58}" dt="2019-09-08T15:39:16.870" v="57"/>
+        <pc:sldMkLst>
+          <pc:docMk/>
+          <pc:sldMk cId="1849101513" sldId="432"/>
+        </pc:sldMkLst>
+        <pc:spChg chg="mod">
+          <ac:chgData name="Osama Salah" userId="59b259a29da0d6d3" providerId="LiveId" clId="{1D7A581C-8F30-FB46-9987-FCB015D7AD58}" dt="2019-09-08T15:34:25.054" v="40" actId="113"/>
+          <ac:spMkLst>
+            <pc:docMk/>
+            <pc:sldMk cId="1849101513" sldId="432"/>
+            <ac:spMk id="2" creationId="{166815C0-EC19-044F-8C55-6660BA8F2EAC}"/>
+          </ac:spMkLst>
+        </pc:spChg>
+        <pc:spChg chg="add mod">
+          <ac:chgData name="Osama Salah" userId="59b259a29da0d6d3" providerId="LiveId" clId="{1D7A581C-8F30-FB46-9987-FCB015D7AD58}" dt="2019-09-08T15:39:16.870" v="57"/>
+          <ac:spMkLst>
+            <pc:docMk/>
+            <pc:sldMk cId="1849101513" sldId="432"/>
+            <ac:spMk id="4" creationId="{15A988B9-7956-4E40-965D-6D9E02CFCCDC}"/>
+          </ac:spMkLst>
+        </pc:spChg>
+      </pc:sldChg>
+      <pc:sldChg chg="addSp modSp">
+        <pc:chgData name="Osama Salah" userId="59b259a29da0d6d3" providerId="LiveId" clId="{1D7A581C-8F30-FB46-9987-FCB015D7AD58}" dt="2019-09-08T15:39:16.870" v="57"/>
+        <pc:sldMkLst>
+          <pc:docMk/>
+          <pc:sldMk cId="164380493" sldId="433"/>
+        </pc:sldMkLst>
+        <pc:spChg chg="add mod">
+          <ac:chgData name="Osama Salah" userId="59b259a29da0d6d3" providerId="LiveId" clId="{1D7A581C-8F30-FB46-9987-FCB015D7AD58}" dt="2019-09-08T15:39:16.870" v="57"/>
+          <ac:spMkLst>
+            <pc:docMk/>
+            <pc:sldMk cId="164380493" sldId="433"/>
+            <ac:spMk id="3" creationId="{9E58D705-EBC0-894E-AD7A-D77B657D1B0B}"/>
+          </ac:spMkLst>
+        </pc:spChg>
+      </pc:sldChg>
+      <pc:sldChg chg="addSp modSp">
+        <pc:chgData name="Osama Salah" userId="59b259a29da0d6d3" providerId="LiveId" clId="{1D7A581C-8F30-FB46-9987-FCB015D7AD58}" dt="2019-09-08T15:39:16.870" v="57"/>
+        <pc:sldMkLst>
+          <pc:docMk/>
+          <pc:sldMk cId="1304391739" sldId="434"/>
+        </pc:sldMkLst>
+        <pc:spChg chg="mod">
+          <ac:chgData name="Osama Salah" userId="59b259a29da0d6d3" providerId="LiveId" clId="{1D7A581C-8F30-FB46-9987-FCB015D7AD58}" dt="2019-09-08T15:34:38.825" v="41" actId="113"/>
+          <ac:spMkLst>
+            <pc:docMk/>
+            <pc:sldMk cId="1304391739" sldId="434"/>
+            <ac:spMk id="2" creationId="{B84A6132-DDFF-494A-8F01-406C7E2E0F32}"/>
+          </ac:spMkLst>
+        </pc:spChg>
+        <pc:spChg chg="add mod">
+          <ac:chgData name="Osama Salah" userId="59b259a29da0d6d3" providerId="LiveId" clId="{1D7A581C-8F30-FB46-9987-FCB015D7AD58}" dt="2019-09-08T15:39:16.870" v="57"/>
+          <ac:spMkLst>
+            <pc:docMk/>
+            <pc:sldMk cId="1304391739" sldId="434"/>
+            <ac:spMk id="4" creationId="{003F0A2D-EAFC-F942-8C01-26CE2D49C02E}"/>
+          </ac:spMkLst>
+        </pc:spChg>
+      </pc:sldChg>
+      <pc:sldChg chg="addSp modSp">
+        <pc:chgData name="Osama Salah" userId="59b259a29da0d6d3" providerId="LiveId" clId="{1D7A581C-8F30-FB46-9987-FCB015D7AD58}" dt="2019-09-08T15:39:16.870" v="57"/>
+        <pc:sldMkLst>
+          <pc:docMk/>
+          <pc:sldMk cId="1102411418" sldId="435"/>
+        </pc:sldMkLst>
+        <pc:spChg chg="mod">
+          <ac:chgData name="Osama Salah" userId="59b259a29da0d6d3" providerId="LiveId" clId="{1D7A581C-8F30-FB46-9987-FCB015D7AD58}" dt="2019-09-08T15:34:51.846" v="42" actId="113"/>
+          <ac:spMkLst>
+            <pc:docMk/>
+            <pc:sldMk cId="1102411418" sldId="435"/>
+            <ac:spMk id="2" creationId="{A4F676C1-1F33-D64F-B70F-E64320B8D546}"/>
+          </ac:spMkLst>
+        </pc:spChg>
+        <pc:spChg chg="add mod">
+          <ac:chgData name="Osama Salah" userId="59b259a29da0d6d3" providerId="LiveId" clId="{1D7A581C-8F30-FB46-9987-FCB015D7AD58}" dt="2019-09-08T15:39:16.870" v="57"/>
+          <ac:spMkLst>
+            <pc:docMk/>
+            <pc:sldMk cId="1102411418" sldId="435"/>
+            <ac:spMk id="3" creationId="{2527C10F-2260-364B-B907-40D5155ACEA8}"/>
+          </ac:spMkLst>
+        </pc:spChg>
+      </pc:sldChg>
+      <pc:sldChg chg="addSp modSp">
+        <pc:chgData name="Osama Salah" userId="59b259a29da0d6d3" providerId="LiveId" clId="{1D7A581C-8F30-FB46-9987-FCB015D7AD58}" dt="2019-09-08T15:39:16.870" v="57"/>
+        <pc:sldMkLst>
+          <pc:docMk/>
+          <pc:sldMk cId="1819276377" sldId="436"/>
+        </pc:sldMkLst>
+        <pc:spChg chg="add mod">
+          <ac:chgData name="Osama Salah" userId="59b259a29da0d6d3" providerId="LiveId" clId="{1D7A581C-8F30-FB46-9987-FCB015D7AD58}" dt="2019-09-08T15:39:16.870" v="57"/>
+          <ac:spMkLst>
+            <pc:docMk/>
+            <pc:sldMk cId="1819276377" sldId="436"/>
+            <ac:spMk id="5" creationId="{4F31AE11-CC3E-5442-98A4-C7B0D794828F}"/>
+          </ac:spMkLst>
+        </pc:spChg>
+      </pc:sldChg>
+      <pc:sldChg chg="addSp modSp">
+        <pc:chgData name="Osama Salah" userId="59b259a29da0d6d3" providerId="LiveId" clId="{1D7A581C-8F30-FB46-9987-FCB015D7AD58}" dt="2019-09-08T15:39:16.870" v="57"/>
+        <pc:sldMkLst>
+          <pc:docMk/>
+          <pc:sldMk cId="2227919922" sldId="437"/>
+        </pc:sldMkLst>
+        <pc:spChg chg="mod">
+          <ac:chgData name="Osama Salah" userId="59b259a29da0d6d3" providerId="LiveId" clId="{1D7A581C-8F30-FB46-9987-FCB015D7AD58}" dt="2019-09-08T15:35:19.687" v="43" actId="113"/>
+          <ac:spMkLst>
+            <pc:docMk/>
+            <pc:sldMk cId="2227919922" sldId="437"/>
+            <ac:spMk id="2" creationId="{80122886-0493-C641-8C56-C00AC9101012}"/>
+          </ac:spMkLst>
+        </pc:spChg>
+        <pc:spChg chg="add mod">
+          <ac:chgData name="Osama Salah" userId="59b259a29da0d6d3" providerId="LiveId" clId="{1D7A581C-8F30-FB46-9987-FCB015D7AD58}" dt="2019-09-08T15:39:16.870" v="57"/>
+          <ac:spMkLst>
+            <pc:docMk/>
+            <pc:sldMk cId="2227919922" sldId="437"/>
+            <ac:spMk id="4" creationId="{155C8883-B410-AE49-B073-8FFDA21EF305}"/>
+          </ac:spMkLst>
+        </pc:spChg>
+      </pc:sldChg>
+      <pc:sldChg chg="addSp modSp">
+        <pc:chgData name="Osama Salah" userId="59b259a29da0d6d3" providerId="LiveId" clId="{1D7A581C-8F30-FB46-9987-FCB015D7AD58}" dt="2019-09-08T15:39:16.870" v="57"/>
+        <pc:sldMkLst>
+          <pc:docMk/>
+          <pc:sldMk cId="3398922051" sldId="438"/>
+        </pc:sldMkLst>
+        <pc:spChg chg="add mod">
+          <ac:chgData name="Osama Salah" userId="59b259a29da0d6d3" providerId="LiveId" clId="{1D7A581C-8F30-FB46-9987-FCB015D7AD58}" dt="2019-09-08T15:39:16.870" v="57"/>
+          <ac:spMkLst>
+            <pc:docMk/>
+            <pc:sldMk cId="3398922051" sldId="438"/>
+            <ac:spMk id="2" creationId="{5CE2C233-82A3-C64C-8954-45ADCF4C28A0}"/>
+          </ac:spMkLst>
+        </pc:spChg>
+      </pc:sldChg>
+      <pc:sldChg chg="addSp modSp">
+        <pc:chgData name="Osama Salah" userId="59b259a29da0d6d3" providerId="LiveId" clId="{1D7A581C-8F30-FB46-9987-FCB015D7AD58}" dt="2019-09-08T15:39:16.870" v="57"/>
+        <pc:sldMkLst>
+          <pc:docMk/>
+          <pc:sldMk cId="1442776861" sldId="439"/>
+        </pc:sldMkLst>
+        <pc:spChg chg="mod">
+          <ac:chgData name="Osama Salah" userId="59b259a29da0d6d3" providerId="LiveId" clId="{1D7A581C-8F30-FB46-9987-FCB015D7AD58}" dt="2019-09-08T15:35:25.417" v="44" actId="113"/>
+          <ac:spMkLst>
+            <pc:docMk/>
+            <pc:sldMk cId="1442776861" sldId="439"/>
+            <ac:spMk id="2" creationId="{ADCC9F59-4F74-2E48-8767-769953A9198A}"/>
+          </ac:spMkLst>
+        </pc:spChg>
+        <pc:spChg chg="add mod">
+          <ac:chgData name="Osama Salah" userId="59b259a29da0d6d3" providerId="LiveId" clId="{1D7A581C-8F30-FB46-9987-FCB015D7AD58}" dt="2019-09-08T15:39:16.870" v="57"/>
+          <ac:spMkLst>
+            <pc:docMk/>
+            <pc:sldMk cId="1442776861" sldId="439"/>
+            <ac:spMk id="4" creationId="{57DA4D9A-AADE-BB41-A546-B99C1BB5D77F}"/>
+          </ac:spMkLst>
+        </pc:spChg>
+      </pc:sldChg>
+      <pc:sldChg chg="addSp modSp">
+        <pc:chgData name="Osama Salah" userId="59b259a29da0d6d3" providerId="LiveId" clId="{1D7A581C-8F30-FB46-9987-FCB015D7AD58}" dt="2019-09-08T15:39:16.870" v="57"/>
+        <pc:sldMkLst>
+          <pc:docMk/>
+          <pc:sldMk cId="2689895875" sldId="440"/>
+        </pc:sldMkLst>
+        <pc:spChg chg="mod">
+          <ac:chgData name="Osama Salah" userId="59b259a29da0d6d3" providerId="LiveId" clId="{1D7A581C-8F30-FB46-9987-FCB015D7AD58}" dt="2019-09-08T15:35:30.158" v="45" actId="113"/>
+          <ac:spMkLst>
+            <pc:docMk/>
+            <pc:sldMk cId="2689895875" sldId="440"/>
+            <ac:spMk id="2" creationId="{B4469995-4A30-504A-8041-5FEC91C21215}"/>
+          </ac:spMkLst>
+        </pc:spChg>
+        <pc:spChg chg="add mod">
+          <ac:chgData name="Osama Salah" userId="59b259a29da0d6d3" providerId="LiveId" clId="{1D7A581C-8F30-FB46-9987-FCB015D7AD58}" dt="2019-09-08T15:39:16.870" v="57"/>
+          <ac:spMkLst>
+            <pc:docMk/>
+            <pc:sldMk cId="2689895875" sldId="440"/>
+            <ac:spMk id="4" creationId="{80C3AD39-1532-7D40-8596-FEE488BA3419}"/>
+          </ac:spMkLst>
+        </pc:spChg>
+      </pc:sldChg>
+      <pc:sldChg chg="addSp modSp">
+        <pc:chgData name="Osama Salah" userId="59b259a29da0d6d3" providerId="LiveId" clId="{1D7A581C-8F30-FB46-9987-FCB015D7AD58}" dt="2019-09-08T15:39:16.870" v="57"/>
+        <pc:sldMkLst>
+          <pc:docMk/>
+          <pc:sldMk cId="1310146789" sldId="441"/>
+        </pc:sldMkLst>
+        <pc:spChg chg="mod">
+          <ac:chgData name="Osama Salah" userId="59b259a29da0d6d3" providerId="LiveId" clId="{1D7A581C-8F30-FB46-9987-FCB015D7AD58}" dt="2019-09-08T15:35:35.378" v="46" actId="113"/>
+          <ac:spMkLst>
+            <pc:docMk/>
+            <pc:sldMk cId="1310146789" sldId="441"/>
+            <ac:spMk id="2" creationId="{E19F66FA-61BB-5B48-AC8F-DA532B8B54AC}"/>
+          </ac:spMkLst>
+        </pc:spChg>
+        <pc:spChg chg="mod">
+          <ac:chgData name="Osama Salah" userId="59b259a29da0d6d3" providerId="LiveId" clId="{1D7A581C-8F30-FB46-9987-FCB015D7AD58}" dt="2019-09-08T15:36:02.755" v="48" actId="20577"/>
+          <ac:spMkLst>
+            <pc:docMk/>
+            <pc:sldMk cId="1310146789" sldId="441"/>
+            <ac:spMk id="3" creationId="{F3731E28-B76D-D142-8F5B-A01842658F2B}"/>
+          </ac:spMkLst>
+        </pc:spChg>
+        <pc:spChg chg="add mod">
+          <ac:chgData name="Osama Salah" userId="59b259a29da0d6d3" providerId="LiveId" clId="{1D7A581C-8F30-FB46-9987-FCB015D7AD58}" dt="2019-09-08T15:39:16.870" v="57"/>
+          <ac:spMkLst>
+            <pc:docMk/>
+            <pc:sldMk cId="1310146789" sldId="441"/>
+            <ac:spMk id="4" creationId="{686D4E62-985A-EF48-9D60-48699E66DF56}"/>
+          </ac:spMkLst>
+        </pc:spChg>
+      </pc:sldChg>
+      <pc:sldChg chg="addSp modSp">
+        <pc:chgData name="Osama Salah" userId="59b259a29da0d6d3" providerId="LiveId" clId="{1D7A581C-8F30-FB46-9987-FCB015D7AD58}" dt="2019-09-08T15:39:16.870" v="57"/>
+        <pc:sldMkLst>
+          <pc:docMk/>
+          <pc:sldMk cId="3697959667" sldId="442"/>
+        </pc:sldMkLst>
+        <pc:spChg chg="mod">
+          <ac:chgData name="Osama Salah" userId="59b259a29da0d6d3" providerId="LiveId" clId="{1D7A581C-8F30-FB46-9987-FCB015D7AD58}" dt="2019-09-08T15:37:11.113" v="50" actId="113"/>
+          <ac:spMkLst>
+            <pc:docMk/>
+            <pc:sldMk cId="3697959667" sldId="442"/>
+            <ac:spMk id="2" creationId="{E19F66FA-61BB-5B48-AC8F-DA532B8B54AC}"/>
+          </ac:spMkLst>
+        </pc:spChg>
+        <pc:spChg chg="add mod">
+          <ac:chgData name="Osama Salah" userId="59b259a29da0d6d3" providerId="LiveId" clId="{1D7A581C-8F30-FB46-9987-FCB015D7AD58}" dt="2019-09-08T15:39:16.870" v="57"/>
+          <ac:spMkLst>
+            <pc:docMk/>
+            <pc:sldMk cId="3697959667" sldId="442"/>
+            <ac:spMk id="3" creationId="{6474E13E-D6A0-E441-9D6C-5244C0C66B00}"/>
+          </ac:spMkLst>
+        </pc:spChg>
+      </pc:sldChg>
+      <pc:sldChg chg="addSp modSp">
+        <pc:chgData name="Osama Salah" userId="59b259a29da0d6d3" providerId="LiveId" clId="{1D7A581C-8F30-FB46-9987-FCB015D7AD58}" dt="2019-09-08T15:39:16.870" v="57"/>
+        <pc:sldMkLst>
+          <pc:docMk/>
+          <pc:sldMk cId="266304072" sldId="443"/>
+        </pc:sldMkLst>
+        <pc:spChg chg="mod">
+          <ac:chgData name="Osama Salah" userId="59b259a29da0d6d3" providerId="LiveId" clId="{1D7A581C-8F30-FB46-9987-FCB015D7AD58}" dt="2019-09-08T15:37:15.719" v="51" actId="113"/>
+          <ac:spMkLst>
+            <pc:docMk/>
+            <pc:sldMk cId="266304072" sldId="443"/>
+            <ac:spMk id="2" creationId="{C08F805D-EA91-9747-812D-BD0B2BCDC5A7}"/>
+          </ac:spMkLst>
+        </pc:spChg>
+        <pc:spChg chg="add mod">
+          <ac:chgData name="Osama Salah" userId="59b259a29da0d6d3" providerId="LiveId" clId="{1D7A581C-8F30-FB46-9987-FCB015D7AD58}" dt="2019-09-08T15:39:16.870" v="57"/>
+          <ac:spMkLst>
+            <pc:docMk/>
+            <pc:sldMk cId="266304072" sldId="443"/>
+            <ac:spMk id="4" creationId="{567EC55C-B928-D541-B5F8-98DCD2BB07FF}"/>
+          </ac:spMkLst>
+        </pc:spChg>
+      </pc:sldChg>
+      <pc:sldChg chg="addSp modSp">
+        <pc:chgData name="Osama Salah" userId="59b259a29da0d6d3" providerId="LiveId" clId="{1D7A581C-8F30-FB46-9987-FCB015D7AD58}" dt="2019-09-08T15:39:16.870" v="57"/>
+        <pc:sldMkLst>
+          <pc:docMk/>
+          <pc:sldMk cId="2202485771" sldId="444"/>
+        </pc:sldMkLst>
+        <pc:spChg chg="mod">
+          <ac:chgData name="Osama Salah" userId="59b259a29da0d6d3" providerId="LiveId" clId="{1D7A581C-8F30-FB46-9987-FCB015D7AD58}" dt="2019-09-08T15:37:20.789" v="52" actId="113"/>
+          <ac:spMkLst>
+            <pc:docMk/>
+            <pc:sldMk cId="2202485771" sldId="444"/>
+            <ac:spMk id="2" creationId="{510446AF-1875-E246-BAFF-A0F64FFC18BA}"/>
+          </ac:spMkLst>
+        </pc:spChg>
+        <pc:spChg chg="mod">
+          <ac:chgData name="Osama Salah" userId="59b259a29da0d6d3" providerId="LiveId" clId="{1D7A581C-8F30-FB46-9987-FCB015D7AD58}" dt="2019-09-08T15:38:23.178" v="54" actId="113"/>
+          <ac:spMkLst>
+            <pc:docMk/>
+            <pc:sldMk cId="2202485771" sldId="444"/>
+            <ac:spMk id="3" creationId="{B8A82E44-856C-BF4D-9D38-7F970FF06F0A}"/>
+          </ac:spMkLst>
+        </pc:spChg>
+        <pc:spChg chg="add mod">
+          <ac:chgData name="Osama Salah" userId="59b259a29da0d6d3" providerId="LiveId" clId="{1D7A581C-8F30-FB46-9987-FCB015D7AD58}" dt="2019-09-08T15:39:16.870" v="57"/>
+          <ac:spMkLst>
+            <pc:docMk/>
+            <pc:sldMk cId="2202485771" sldId="444"/>
+            <ac:spMk id="4" creationId="{EFCD1CA5-E456-514F-8A15-A373D66A8266}"/>
+          </ac:spMkLst>
+        </pc:spChg>
+      </pc:sldChg>
+      <pc:sldChg chg="addSp modSp">
+        <pc:chgData name="Osama Salah" userId="59b259a29da0d6d3" providerId="LiveId" clId="{1D7A581C-8F30-FB46-9987-FCB015D7AD58}" dt="2019-09-08T15:39:16.870" v="57"/>
+        <pc:sldMkLst>
+          <pc:docMk/>
+          <pc:sldMk cId="3182477583" sldId="445"/>
+        </pc:sldMkLst>
+        <pc:spChg chg="mod">
+          <ac:chgData name="Osama Salah" userId="59b259a29da0d6d3" providerId="LiveId" clId="{1D7A581C-8F30-FB46-9987-FCB015D7AD58}" dt="2019-09-08T15:37:07.783" v="49" actId="113"/>
+          <ac:spMkLst>
+            <pc:docMk/>
+            <pc:sldMk cId="3182477583" sldId="445"/>
+            <ac:spMk id="2" creationId="{F83883C2-0DF3-3346-9750-31F56A01F995}"/>
+          </ac:spMkLst>
+        </pc:spChg>
+        <pc:spChg chg="add mod">
+          <ac:chgData name="Osama Salah" userId="59b259a29da0d6d3" providerId="LiveId" clId="{1D7A581C-8F30-FB46-9987-FCB015D7AD58}" dt="2019-09-08T15:39:16.870" v="57"/>
+          <ac:spMkLst>
+            <pc:docMk/>
+            <pc:sldMk cId="3182477583" sldId="445"/>
+            <ac:spMk id="3" creationId="{2FBBE2E1-D680-4B46-ADC8-013740AB28E3}"/>
+          </ac:spMkLst>
+        </pc:spChg>
+      </pc:sldChg>
+      <pc:sldChg chg="addSp delSp modSp">
+        <pc:chgData name="Osama Salah" userId="59b259a29da0d6d3" providerId="LiveId" clId="{1D7A581C-8F30-FB46-9987-FCB015D7AD58}" dt="2019-09-08T15:39:16.870" v="57"/>
+        <pc:sldMkLst>
+          <pc:docMk/>
+          <pc:sldMk cId="1906616323" sldId="446"/>
+        </pc:sldMkLst>
+        <pc:spChg chg="mod">
+          <ac:chgData name="Osama Salah" userId="59b259a29da0d6d3" providerId="LiveId" clId="{1D7A581C-8F30-FB46-9987-FCB015D7AD58}" dt="2019-09-08T15:38:31.593" v="55" actId="113"/>
+          <ac:spMkLst>
+            <pc:docMk/>
+            <pc:sldMk cId="1906616323" sldId="446"/>
+            <ac:spMk id="2" creationId="{44C87EF6-1478-A248-BB3A-D93C0C5EB60F}"/>
+          </ac:spMkLst>
+        </pc:spChg>
+        <pc:spChg chg="add del mod">
+          <ac:chgData name="Osama Salah" userId="59b259a29da0d6d3" providerId="LiveId" clId="{1D7A581C-8F30-FB46-9987-FCB015D7AD58}" dt="2019-09-08T15:39:16.870" v="57"/>
+          <ac:spMkLst>
+            <pc:docMk/>
+            <pc:sldMk cId="1906616323" sldId="446"/>
+            <ac:spMk id="4" creationId="{B3E48240-DCD3-DD4D-9B09-0C99F6478DC8}"/>
+          </ac:spMkLst>
+        </pc:spChg>
+        <pc:spChg chg="add mod">
+          <ac:chgData name="Osama Salah" userId="59b259a29da0d6d3" providerId="LiveId" clId="{1D7A581C-8F30-FB46-9987-FCB015D7AD58}" dt="2019-09-08T15:39:16.870" v="57"/>
+          <ac:spMkLst>
+            <pc:docMk/>
+            <pc:sldMk cId="1906616323" sldId="446"/>
+            <ac:spMk id="5" creationId="{27A8659C-F5DF-504B-B890-B6D916F91C9A}"/>
+          </ac:spMkLst>
+        </pc:spChg>
+      </pc:sldChg>
+      <pc:sldChg chg="addSp modSp add ord setBg">
+        <pc:chgData name="Osama Salah" userId="59b259a29da0d6d3" providerId="LiveId" clId="{1D7A581C-8F30-FB46-9987-FCB015D7AD58}" dt="2019-09-08T15:39:16.870" v="57"/>
+        <pc:sldMkLst>
+          <pc:docMk/>
+          <pc:sldMk cId="2331920567" sldId="447"/>
+        </pc:sldMkLst>
+        <pc:spChg chg="add mod">
+          <ac:chgData name="Osama Salah" userId="59b259a29da0d6d3" providerId="LiveId" clId="{1D7A581C-8F30-FB46-9987-FCB015D7AD58}" dt="2019-09-08T15:39:16.870" v="57"/>
+          <ac:spMkLst>
+            <pc:docMk/>
+            <pc:sldMk cId="2331920567" sldId="447"/>
+            <ac:spMk id="2" creationId="{568E70FD-43CB-8546-846E-0D38F3B52C09}"/>
+          </ac:spMkLst>
+        </pc:spChg>
+      </pc:sldChg>
+      <pc:sldChg chg="addSp delSp modSp modAnim">
+        <pc:chgData name="Osama Salah" userId="59b259a29da0d6d3" providerId="LiveId" clId="{1D7A581C-8F30-FB46-9987-FCB015D7AD58}" dt="2019-09-11T15:29:34.695" v="713" actId="207"/>
+        <pc:sldMkLst>
+          <pc:docMk/>
+          <pc:sldMk cId="2961589733" sldId="448"/>
+        </pc:sldMkLst>
+        <pc:spChg chg="add del mod">
+          <ac:chgData name="Osama Salah" userId="59b259a29da0d6d3" providerId="LiveId" clId="{1D7A581C-8F30-FB46-9987-FCB015D7AD58}" dt="2019-09-11T15:28:20.260" v="703" actId="478"/>
+          <ac:spMkLst>
+            <pc:docMk/>
+            <pc:sldMk cId="2961589733" sldId="448"/>
+            <ac:spMk id="3" creationId="{A4D332C1-BFD2-1F4D-8508-9806DF091F10}"/>
+          </ac:spMkLst>
+        </pc:spChg>
+        <pc:spChg chg="del">
+          <ac:chgData name="Osama Salah" userId="59b259a29da0d6d3" providerId="LiveId" clId="{1D7A581C-8F30-FB46-9987-FCB015D7AD58}" dt="2019-09-11T15:25:42.578" v="679" actId="478"/>
+          <ac:spMkLst>
+            <pc:docMk/>
+            <pc:sldMk cId="2961589733" sldId="448"/>
+            <ac:spMk id="11" creationId="{C21D9E35-DDF6-DA4E-B39E-9A9E720921E5}"/>
+          </ac:spMkLst>
+        </pc:spChg>
+        <pc:spChg chg="del mod">
+          <ac:chgData name="Osama Salah" userId="59b259a29da0d6d3" providerId="LiveId" clId="{1D7A581C-8F30-FB46-9987-FCB015D7AD58}" dt="2019-09-11T15:25:47.933" v="683" actId="478"/>
+          <ac:spMkLst>
+            <pc:docMk/>
+            <pc:sldMk cId="2961589733" sldId="448"/>
+            <ac:spMk id="12" creationId="{2CDEFA77-62FC-4C49-B5CC-5EAD8DDF1996}"/>
+          </ac:spMkLst>
+        </pc:spChg>
+        <pc:spChg chg="del">
+          <ac:chgData name="Osama Salah" userId="59b259a29da0d6d3" providerId="LiveId" clId="{1D7A581C-8F30-FB46-9987-FCB015D7AD58}" dt="2019-09-11T15:25:40.778" v="677" actId="478"/>
+          <ac:spMkLst>
+            <pc:docMk/>
+            <pc:sldMk cId="2961589733" sldId="448"/>
+            <ac:spMk id="13" creationId="{4449DBC3-41A5-C44E-BF9D-CF5806625780}"/>
+          </ac:spMkLst>
+        </pc:spChg>
+        <pc:spChg chg="mod topLvl">
+          <ac:chgData name="Osama Salah" userId="59b259a29da0d6d3" providerId="LiveId" clId="{1D7A581C-8F30-FB46-9987-FCB015D7AD58}" dt="2019-09-11T15:29:26.723" v="712" actId="404"/>
+          <ac:spMkLst>
+            <pc:docMk/>
+            <pc:sldMk cId="2961589733" sldId="448"/>
+            <ac:spMk id="14" creationId="{46A5EB00-33A9-434A-AD75-17FCB7775A44}"/>
+          </ac:spMkLst>
+        </pc:spChg>
+        <pc:spChg chg="mod topLvl">
+          <ac:chgData name="Osama Salah" userId="59b259a29da0d6d3" providerId="LiveId" clId="{1D7A581C-8F30-FB46-9987-FCB015D7AD58}" dt="2019-09-11T15:29:34.695" v="713" actId="207"/>
+          <ac:spMkLst>
+            <pc:docMk/>
+            <pc:sldMk cId="2961589733" sldId="448"/>
+            <ac:spMk id="15" creationId="{725411EB-7604-7043-8628-C26C066D136D}"/>
+          </ac:spMkLst>
+        </pc:spChg>
+        <pc:spChg chg="del">
+          <ac:chgData name="Osama Salah" userId="59b259a29da0d6d3" providerId="LiveId" clId="{1D7A581C-8F30-FB46-9987-FCB015D7AD58}" dt="2019-09-11T15:27:08.770" v="694" actId="478"/>
+          <ac:spMkLst>
+            <pc:docMk/>
+            <pc:sldMk cId="2961589733" sldId="448"/>
+            <ac:spMk id="30" creationId="{0EEBE072-F76B-254D-BFA7-C90A3591C4AC}"/>
+          </ac:spMkLst>
+        </pc:spChg>
+        <pc:grpChg chg="add del mod">
+          <ac:chgData name="Osama Salah" userId="59b259a29da0d6d3" providerId="LiveId" clId="{1D7A581C-8F30-FB46-9987-FCB015D7AD58}" dt="2019-09-11T15:28:06.963" v="699" actId="165"/>
+          <ac:grpSpMkLst>
+            <pc:docMk/>
+            <pc:sldMk cId="2961589733" sldId="448"/>
+            <ac:grpSpMk id="10" creationId="{1A0B07A9-8805-6946-8423-4F08F4E84B0B}"/>
+          </ac:grpSpMkLst>
+        </pc:grpChg>
+        <pc:picChg chg="add mod">
+          <ac:chgData name="Osama Salah" userId="59b259a29da0d6d3" providerId="LiveId" clId="{1D7A581C-8F30-FB46-9987-FCB015D7AD58}" dt="2019-09-11T15:26:29.185" v="689" actId="1076"/>
+          <ac:picMkLst>
+            <pc:docMk/>
+            <pc:sldMk cId="2961589733" sldId="448"/>
+            <ac:picMk id="4" creationId="{C61CBBE5-7F70-534B-AC25-F09D298C9023}"/>
+          </ac:picMkLst>
+        </pc:picChg>
+        <pc:picChg chg="del mod">
+          <ac:chgData name="Osama Salah" userId="59b259a29da0d6d3" providerId="LiveId" clId="{1D7A581C-8F30-FB46-9987-FCB015D7AD58}" dt="2019-09-11T15:26:30.459" v="690" actId="478"/>
+          <ac:picMkLst>
+            <pc:docMk/>
+            <pc:sldMk cId="2961589733" sldId="448"/>
+            <ac:picMk id="9" creationId="{60F3F440-320F-0345-A597-26477993F55D}"/>
+          </ac:picMkLst>
+        </pc:picChg>
+      </pc:sldChg>
+      <pc:sldChg chg="modSp add">
+        <pc:chgData name="Osama Salah" userId="59b259a29da0d6d3" providerId="LiveId" clId="{1D7A581C-8F30-FB46-9987-FCB015D7AD58}" dt="2019-09-13T17:42:56.521" v="1406" actId="14100"/>
+        <pc:sldMkLst>
+          <pc:docMk/>
+          <pc:sldMk cId="1437554970" sldId="449"/>
+        </pc:sldMkLst>
+        <pc:spChg chg="mod">
+          <ac:chgData name="Osama Salah" userId="59b259a29da0d6d3" providerId="LiveId" clId="{1D7A581C-8F30-FB46-9987-FCB015D7AD58}" dt="2019-09-13T17:42:56.521" v="1406" actId="14100"/>
+          <ac:spMkLst>
+            <pc:docMk/>
+            <pc:sldMk cId="1437554970" sldId="449"/>
+            <ac:spMk id="6" creationId="{F3206406-209A-5441-B785-3C67F8E431B8}"/>
+          </ac:spMkLst>
+        </pc:spChg>
+        <pc:picChg chg="mod">
+          <ac:chgData name="Osama Salah" userId="59b259a29da0d6d3" providerId="LiveId" clId="{1D7A581C-8F30-FB46-9987-FCB015D7AD58}" dt="2019-09-13T17:42:46.691" v="1403" actId="14100"/>
+          <ac:picMkLst>
+            <pc:docMk/>
+            <pc:sldMk cId="1437554970" sldId="449"/>
+            <ac:picMk id="4" creationId="{00000000-0000-0000-0000-000000000000}"/>
+          </ac:picMkLst>
+        </pc:picChg>
+      </pc:sldChg>
+    </pc:docChg>
+  </pc:docChgLst>
+  <pc:docChgLst>
+    <pc:chgData name="Osama Salah" userId="59b259a29da0d6d3" providerId="LiveId" clId="{0024FC56-0605-42EB-A7DF-A32991AEB0D4}"/>
+    <pc:docChg chg="modSld">
+      <pc:chgData name="Osama Salah" userId="59b259a29da0d6d3" providerId="LiveId" clId="{0024FC56-0605-42EB-A7DF-A32991AEB0D4}" dt="2019-09-18T05:15:09.985" v="2" actId="1035"/>
+      <pc:docMkLst>
+        <pc:docMk/>
+      </pc:docMkLst>
+      <pc:sldChg chg="modSp">
+        <pc:chgData name="Osama Salah" userId="59b259a29da0d6d3" providerId="LiveId" clId="{0024FC56-0605-42EB-A7DF-A32991AEB0D4}" dt="2019-09-18T05:15:09.985" v="2" actId="1035"/>
+        <pc:sldMkLst>
+          <pc:docMk/>
+          <pc:sldMk cId="275394153" sldId="290"/>
+        </pc:sldMkLst>
+        <pc:picChg chg="mod">
+          <ac:chgData name="Osama Salah" userId="59b259a29da0d6d3" providerId="LiveId" clId="{0024FC56-0605-42EB-A7DF-A32991AEB0D4}" dt="2019-09-18T05:15:09.985" v="2" actId="1035"/>
+          <ac:picMkLst>
+            <pc:docMk/>
+            <pc:sldMk cId="275394153" sldId="290"/>
+            <ac:picMk id="4" creationId="{00000000-0000-0000-0000-000000000000}"/>
+          </ac:picMkLst>
+        </pc:picChg>
+      </pc:sldChg>
+    </pc:docChg>
+  </pc:docChgLst>
+  <pc:docChgLst>
+    <pc:chgData name="Osama Salah" userId="59b259a29da0d6d3" providerId="LiveId" clId="{EEA01876-F700-F844-A55A-3BBE63F7C04D}"/>
+    <pc:docChg chg="undo custSel modSld">
+      <pc:chgData name="Osama Salah" userId="59b259a29da0d6d3" providerId="LiveId" clId="{EEA01876-F700-F844-A55A-3BBE63F7C04D}" dt="2019-09-21T10:24:29.244" v="16" actId="20577"/>
+      <pc:docMkLst>
+        <pc:docMk/>
+      </pc:docMkLst>
+      <pc:sldChg chg="modSp">
+        <pc:chgData name="Osama Salah" userId="59b259a29da0d6d3" providerId="LiveId" clId="{EEA01876-F700-F844-A55A-3BBE63F7C04D}" dt="2019-09-21T10:24:29.244" v="16" actId="20577"/>
+        <pc:sldMkLst>
+          <pc:docMk/>
+          <pc:sldMk cId="4039214192" sldId="400"/>
+        </pc:sldMkLst>
+        <pc:spChg chg="mod">
+          <ac:chgData name="Osama Salah" userId="59b259a29da0d6d3" providerId="LiveId" clId="{EEA01876-F700-F844-A55A-3BBE63F7C04D}" dt="2019-09-21T10:24:29.244" v="16" actId="20577"/>
           <ac:spMkLst>
             <pc:docMk/>
             <pc:sldMk cId="4039214192" sldId="400"/>
@@ -4612,33 +4628,74 @@
           </ac:spMkLst>
         </pc:spChg>
       </pc:sldChg>
-      <pc:sldChg chg="add setBg">
-        <pc:chgData name="Osama Salah" userId="59b259a29da0d6d3" providerId="LiveId" clId="{CAF1F6BF-33F4-7843-AB43-D0001846CA86}" dt="2019-07-02T14:15:31.702" v="22755"/>
+      <pc:sldChg chg="addSp delSp modSp">
+        <pc:chgData name="Osama Salah" userId="59b259a29da0d6d3" providerId="LiveId" clId="{EEA01876-F700-F844-A55A-3BBE63F7C04D}" dt="2019-09-21T10:23:59.270" v="11" actId="1076"/>
         <pc:sldMkLst>
           <pc:docMk/>
-          <pc:sldMk cId="3494242153" sldId="401"/>
+          <pc:sldMk cId="3182477583" sldId="445"/>
         </pc:sldMkLst>
+        <pc:graphicFrameChg chg="add del">
+          <ac:chgData name="Osama Salah" userId="59b259a29da0d6d3" providerId="LiveId" clId="{EEA01876-F700-F844-A55A-3BBE63F7C04D}" dt="2019-09-21T10:22:51.839" v="2"/>
+          <ac:graphicFrameMkLst>
+            <pc:docMk/>
+            <pc:sldMk cId="3182477583" sldId="445"/>
+            <ac:graphicFrameMk id="4" creationId="{726F6BC1-5F9C-4F44-8D84-52B0F07418D3}"/>
+          </ac:graphicFrameMkLst>
+        </pc:graphicFrameChg>
+        <pc:picChg chg="add del mod">
+          <ac:chgData name="Osama Salah" userId="59b259a29da0d6d3" providerId="LiveId" clId="{EEA01876-F700-F844-A55A-3BBE63F7C04D}" dt="2019-09-21T10:23:12.810" v="8" actId="478"/>
+          <ac:picMkLst>
+            <pc:docMk/>
+            <pc:sldMk cId="3182477583" sldId="445"/>
+            <ac:picMk id="5" creationId="{4F31DAC6-928F-F941-8CF5-367CF6A9512B}"/>
+          </ac:picMkLst>
+        </pc:picChg>
+        <pc:picChg chg="add mod">
+          <ac:chgData name="Osama Salah" userId="59b259a29da0d6d3" providerId="LiveId" clId="{EEA01876-F700-F844-A55A-3BBE63F7C04D}" dt="2019-09-21T10:23:59.270" v="11" actId="1076"/>
+          <ac:picMkLst>
+            <pc:docMk/>
+            <pc:sldMk cId="3182477583" sldId="445"/>
+            <ac:picMk id="6" creationId="{D30558E0-2B58-FB48-8769-B5613D1C8C6F}"/>
+          </ac:picMkLst>
+        </pc:picChg>
+        <pc:picChg chg="del">
+          <ac:chgData name="Osama Salah" userId="59b259a29da0d6d3" providerId="LiveId" clId="{EEA01876-F700-F844-A55A-3BBE63F7C04D}" dt="2019-09-21T10:22:49.153" v="0" actId="478"/>
+          <ac:picMkLst>
+            <pc:docMk/>
+            <pc:sldMk cId="3182477583" sldId="445"/>
+            <ac:picMk id="7" creationId="{4A2F11BD-C75B-324A-8E99-50B93A89C070}"/>
+          </ac:picMkLst>
+        </pc:picChg>
+        <pc:picChg chg="mod">
+          <ac:chgData name="Osama Salah" userId="59b259a29da0d6d3" providerId="LiveId" clId="{EEA01876-F700-F844-A55A-3BBE63F7C04D}" dt="2019-09-21T10:22:59.863" v="5" actId="1076"/>
+          <ac:picMkLst>
+            <pc:docMk/>
+            <pc:sldMk cId="3182477583" sldId="445"/>
+            <ac:picMk id="8" creationId="{A62967E7-1D08-D84B-A612-8F4EC71D7A3A}"/>
+          </ac:picMkLst>
+        </pc:picChg>
       </pc:sldChg>
-      <pc:sldChg chg="modSp add">
-        <pc:chgData name="Osama Salah" userId="59b259a29da0d6d3" providerId="LiveId" clId="{CAF1F6BF-33F4-7843-AB43-D0001846CA86}" dt="2019-07-02T14:16:50.242" v="22996" actId="207"/>
+    </pc:docChg>
+  </pc:docChgLst>
+  <pc:docChgLst>
+    <pc:chgData name="Osama Salah" userId="59b259a29da0d6d3" providerId="LiveId" clId="{014CB0EE-7D1D-4E4C-B36A-88435E5F3896}"/>
+    <pc:docChg chg="undo redo custSel mod addSld delSld modSld sldOrd">
+      <pc:chgData name="Osama Salah" userId="59b259a29da0d6d3" providerId="LiveId" clId="{014CB0EE-7D1D-4E4C-B36A-88435E5F3896}" dt="2019-07-24T15:10:57.562" v="15605" actId="20577"/>
+      <pc:docMkLst>
+        <pc:docMk/>
+      </pc:docMkLst>
+      <pc:sldChg chg="modSp">
+        <pc:chgData name="Osama Salah" userId="59b259a29da0d6d3" providerId="LiveId" clId="{014CB0EE-7D1D-4E4C-B36A-88435E5F3896}" dt="2019-07-24T15:02:26.819" v="15409" actId="20577"/>
         <pc:sldMkLst>
           <pc:docMk/>
-          <pc:sldMk cId="1120705378" sldId="402"/>
+          <pc:sldMk cId="4039214192" sldId="400"/>
         </pc:sldMkLst>
         <pc:spChg chg="mod">
-          <ac:chgData name="Osama Salah" userId="59b259a29da0d6d3" providerId="LiveId" clId="{CAF1F6BF-33F4-7843-AB43-D0001846CA86}" dt="2019-07-02T14:15:56.979" v="22783" actId="20577"/>
+          <ac:chgData name="Osama Salah" userId="59b259a29da0d6d3" providerId="LiveId" clId="{014CB0EE-7D1D-4E4C-B36A-88435E5F3896}" dt="2019-07-24T15:02:26.819" v="15409" actId="20577"/>
           <ac:spMkLst>
             <pc:docMk/>
-            <pc:sldMk cId="1120705378" sldId="402"/>
-            <ac:spMk id="2" creationId="{03C52B6E-9ED5-6945-B158-9D4DEFE32321}"/>
-          </ac:spMkLst>
-        </pc:spChg>
-        <pc:spChg chg="mod">
-          <ac:chgData name="Osama Salah" userId="59b259a29da0d6d3" providerId="LiveId" clId="{CAF1F6BF-33F4-7843-AB43-D0001846CA86}" dt="2019-07-02T14:16:50.242" v="22996" actId="207"/>
-          <ac:spMkLst>
-            <pc:docMk/>
-            <pc:sldMk cId="1120705378" sldId="402"/>
-            <ac:spMk id="3" creationId="{8D3364BB-241A-7E43-A13E-8C8655C73AA5}"/>
+            <pc:sldMk cId="4039214192" sldId="400"/>
+            <ac:spMk id="2" creationId="{CA1A2D12-5878-1F4A-9BBE-5A6F88982307}"/>
           </ac:spMkLst>
         </pc:spChg>
       </pc:sldChg>
@@ -4729,7 +4786,7 @@
           <a:p>
             <a:fld id="{5EA508DD-885D-8841-BDC7-F6C31570DCC2}" type="datetimeFigureOut">
               <a:rPr lang="en-US" smtClean="0"/>
-              <a:t>9/14/19</a:t>
+              <a:t>9/21/19</a:t>
             </a:fld>
             <a:endParaRPr lang="en-US"/>
           </a:p>
@@ -7490,7 +7547,7 @@
           <a:p>
             <a:fld id="{358B2E9A-74A9-7040-A6F8-D4CE419A3905}" type="datetime1">
               <a:rPr lang="en-US" smtClean="0"/>
-              <a:t>9/14/19</a:t>
+              <a:t>9/21/19</a:t>
             </a:fld>
             <a:endParaRPr lang="en-US"/>
           </a:p>
@@ -7688,7 +7745,7 @@
           <a:p>
             <a:fld id="{E4F797A8-F4B7-7146-9CB3-459917ABB5E3}" type="datetime1">
               <a:rPr lang="en-US" smtClean="0"/>
-              <a:t>9/14/19</a:t>
+              <a:t>9/21/19</a:t>
             </a:fld>
             <a:endParaRPr lang="en-US"/>
           </a:p>
@@ -7896,7 +7953,7 @@
           <a:p>
             <a:fld id="{404956D1-5157-FF4E-9C14-3A070EAE7929}" type="datetime1">
               <a:rPr lang="en-US" smtClean="0"/>
-              <a:t>9/14/19</a:t>
+              <a:t>9/21/19</a:t>
             </a:fld>
             <a:endParaRPr lang="en-US"/>
           </a:p>
@@ -8094,7 +8151,7 @@
           <a:p>
             <a:fld id="{C9F6534E-C934-8448-B6BB-2ADE632E3937}" type="datetime1">
               <a:rPr lang="en-US" smtClean="0"/>
-              <a:t>9/14/19</a:t>
+              <a:t>9/21/19</a:t>
             </a:fld>
             <a:endParaRPr lang="en-US"/>
           </a:p>
@@ -8369,7 +8426,7 @@
           <a:p>
             <a:fld id="{8AC1C1C8-02A1-2443-B18F-C306BB64B6DD}" type="datetime1">
               <a:rPr lang="en-US" smtClean="0"/>
-              <a:t>9/14/19</a:t>
+              <a:t>9/21/19</a:t>
             </a:fld>
             <a:endParaRPr lang="en-US"/>
           </a:p>
@@ -8634,7 +8691,7 @@
           <a:p>
             <a:fld id="{59601232-B086-A148-96CE-18663762E259}" type="datetime1">
               <a:rPr lang="en-US" smtClean="0"/>
-              <a:t>9/14/19</a:t>
+              <a:t>9/21/19</a:t>
             </a:fld>
             <a:endParaRPr lang="en-US"/>
           </a:p>
@@ -9046,7 +9103,7 @@
           <a:p>
             <a:fld id="{A2E3BC54-95F6-D84F-9DA5-7BE96610A744}" type="datetime1">
               <a:rPr lang="en-US" smtClean="0"/>
-              <a:t>9/14/19</a:t>
+              <a:t>9/21/19</a:t>
             </a:fld>
             <a:endParaRPr lang="en-US"/>
           </a:p>
@@ -9187,7 +9244,7 @@
           <a:p>
             <a:fld id="{76BBB0DE-AEF3-AC4E-B473-1D77780DD797}" type="datetime1">
               <a:rPr lang="en-US" smtClean="0"/>
-              <a:t>9/14/19</a:t>
+              <a:t>9/21/19</a:t>
             </a:fld>
             <a:endParaRPr lang="en-US"/>
           </a:p>
@@ -9300,7 +9357,7 @@
           <a:p>
             <a:fld id="{48F3A46D-4A7A-F442-BF21-6A4692020612}" type="datetime1">
               <a:rPr lang="en-US" smtClean="0"/>
-              <a:t>9/14/19</a:t>
+              <a:t>9/21/19</a:t>
             </a:fld>
             <a:endParaRPr lang="en-US"/>
           </a:p>
@@ -9611,7 +9668,7 @@
           <a:p>
             <a:fld id="{C6A11FAE-28AE-E448-B418-BE2934593C82}" type="datetime1">
               <a:rPr lang="en-US" smtClean="0"/>
-              <a:t>9/14/19</a:t>
+              <a:t>9/21/19</a:t>
             </a:fld>
             <a:endParaRPr lang="en-US"/>
           </a:p>
@@ -9899,7 +9956,7 @@
           <a:p>
             <a:fld id="{0EFC3F67-1738-574B-A0CE-38997C9D2EF9}" type="datetime1">
               <a:rPr lang="en-US" smtClean="0"/>
-              <a:t>9/14/19</a:t>
+              <a:t>9/21/19</a:t>
             </a:fld>
             <a:endParaRPr lang="en-US"/>
           </a:p>
@@ -10140,7 +10197,7 @@
           <a:p>
             <a:fld id="{F8F5C4CB-89D5-5A4D-BCFE-CDF342F59864}" type="datetime1">
               <a:rPr lang="en-US" smtClean="0"/>
-              <a:t>9/14/19</a:t>
+              <a:t>9/21/19</a:t>
             </a:fld>
             <a:endParaRPr lang="en-US"/>
           </a:p>
@@ -14943,7 +15000,7 @@
         </p:blipFill>
         <p:spPr>
           <a:xfrm>
-            <a:off x="1427188" y="1690689"/>
+            <a:off x="1427188" y="1703215"/>
             <a:ext cx="2574488" cy="3386107"/>
           </a:xfrm>
           <a:prstGeom prst="rect">
@@ -38680,7 +38737,7 @@
             </a:br>
             <a:r>
               <a:rPr lang="en-US" sz="3200" dirty="0"/>
-              <a:t>Ver. 0.1 / Last Update: 14/09/2019</a:t>
+              <a:t>Ver. 0.2</a:t>
             </a:r>
             <a:br>
               <a:rPr lang="en-US" dirty="0"/>
@@ -44680,36 +44737,6 @@
       </p:sp>
       <p:pic>
         <p:nvPicPr>
-          <p:cNvPr id="7" name="Picture 6">
-            <a:extLst>
-              <a:ext uri="{FF2B5EF4-FFF2-40B4-BE49-F238E27FC236}">
-                <a16:creationId xmlns:a16="http://schemas.microsoft.com/office/drawing/2014/main" id="{4A2F11BD-C75B-324A-8E99-50B93A89C070}"/>
-              </a:ext>
-            </a:extLst>
-          </p:cNvPr>
-          <p:cNvPicPr>
-            <a:picLocks noChangeAspect="1"/>
-          </p:cNvPicPr>
-          <p:nvPr/>
-        </p:nvPicPr>
-        <p:blipFill>
-          <a:blip r:embed="rId3"/>
-          <a:stretch>
-            <a:fillRect/>
-          </a:stretch>
-        </p:blipFill>
-        <p:spPr>
-          <a:xfrm>
-            <a:off x="2469776" y="1258432"/>
-            <a:ext cx="7252447" cy="1182596"/>
-          </a:xfrm>
-          <a:prstGeom prst="rect">
-            <a:avLst/>
-          </a:prstGeom>
-        </p:spPr>
-      </p:pic>
-      <p:pic>
-        <p:nvPicPr>
           <p:cNvPr id="8" name="Picture 7">
             <a:extLst>
               <a:ext uri="{FF2B5EF4-FFF2-40B4-BE49-F238E27FC236}">
@@ -44723,7 +44750,7 @@
           <p:nvPr/>
         </p:nvPicPr>
         <p:blipFill>
-          <a:blip r:embed="rId4"/>
+          <a:blip r:embed="rId3"/>
           <a:stretch>
             <a:fillRect/>
           </a:stretch>
@@ -44767,6 +44794,36 @@
           </a:p>
         </p:txBody>
       </p:sp>
+      <p:pic>
+        <p:nvPicPr>
+          <p:cNvPr id="6" name="Picture 5">
+            <a:extLst>
+              <a:ext uri="{FF2B5EF4-FFF2-40B4-BE49-F238E27FC236}">
+                <a16:creationId xmlns:a16="http://schemas.microsoft.com/office/drawing/2014/main" id="{D30558E0-2B58-FB48-8769-B5613D1C8C6F}"/>
+              </a:ext>
+            </a:extLst>
+          </p:cNvPr>
+          <p:cNvPicPr>
+            <a:picLocks noChangeAspect="1"/>
+          </p:cNvPicPr>
+          <p:nvPr/>
+        </p:nvPicPr>
+        <p:blipFill>
+          <a:blip r:embed="rId4"/>
+          <a:stretch>
+            <a:fillRect/>
+          </a:stretch>
+        </p:blipFill>
+        <p:spPr>
+          <a:xfrm>
+            <a:off x="1496564" y="1124401"/>
+            <a:ext cx="9598155" cy="1561830"/>
+          </a:xfrm>
+          <a:prstGeom prst="rect">
+            <a:avLst/>
+          </a:prstGeom>
+        </p:spPr>
+      </p:pic>
     </p:spTree>
     <p:extLst>
       <p:ext uri="{BB962C8B-B14F-4D97-AF65-F5344CB8AC3E}">
